--- a/doc/TWLKR Dispatch Dashboard Project.pptx
+++ b/doc/TWLKR Dispatch Dashboard Project.pptx
@@ -216,7 +216,7 @@
           <a:p>
             <a:fld id="{0F0BC9CE-E396-7D47-8BEB-ABE07771CFD4}" type="datetimeFigureOut">
               <a:rPr lang="en-US" smtClean="0"/>
-              <a:t>2/25/2025</a:t>
+              <a:t>2/26/2025</a:t>
             </a:fld>
             <a:endParaRPr lang="en-US"/>
           </a:p>
@@ -5636,7 +5636,7 @@
                   <a:schemeClr val="tx1"/>
                 </a:solidFill>
               </a:rPr>
-              <a:t>데이터 파이프라인 구축</a:t>
+              <a:t>데이터 파이프라인 구축 및 유지 보수</a:t>
             </a:r>
             <a:endParaRPr lang="en-US" altLang="ko-KR" sz="1600" dirty="0">
               <a:ln w="6350">
@@ -7001,34 +7001,6 @@
 </file>
 
 <file path=customXml/item1.xml><?xml version="1.0" encoding="utf-8"?>
-<p:properties xmlns:p="http://schemas.microsoft.com/office/2006/metadata/properties" xmlns:xsi="http://www.w3.org/2001/XMLSchema-instance" xmlns:pc="http://schemas.microsoft.com/office/infopath/2007/PartnerControls">
-  <documentManagement>
-    <Person_x0028_s_x0029__x0020_Responsible_x0020_for_x0020_Policy xmlns="2da9f8d1-1481-480d-b29c-d5b1cf054a28" xsi:nil="true"/>
-    <Policy_x0020_Type xmlns="2da9f8d1-1481-480d-b29c-d5b1cf054a28">Policy</Policy_x0020_Type>
-    <Policy_x0020_Enforcement_x0020_Date xmlns="2da9f8d1-1481-480d-b29c-d5b1cf054a28" xsi:nil="true"/>
-    <Policy_x0020_Status xmlns="2da9f8d1-1481-480d-b29c-d5b1cf054a28">Enforced</Policy_x0020_Status>
-    <Policy_x0020_Ref xmlns="2da9f8d1-1481-480d-b29c-d5b1cf054a28" xsi:nil="true"/>
-    <Policy_x0020_Approved_x0020_By xmlns="2da9f8d1-1481-480d-b29c-d5b1cf054a28" xsi:nil="true"/>
-    <Policy_x0020_Version xmlns="2da9f8d1-1481-480d-b29c-d5b1cf054a28" xsi:nil="true"/>
-    <Policy_x0020_Drafted_x0020_By xmlns="2da9f8d1-1481-480d-b29c-d5b1cf054a28" xsi:nil="true"/>
-    <lcf76f155ced4ddcb4097134ff3c332f xmlns="89bae1a4-8361-4828-90ec-a3360a876cdf">
-      <Terms xmlns="http://schemas.microsoft.com/office/infopath/2007/PartnerControls"/>
-    </lcf76f155ced4ddcb4097134ff3c332f>
-    <TaxCatchAll xmlns="2da9f8d1-1481-480d-b29c-d5b1cf054a28" xsi:nil="true"/>
-  </documentManagement>
-</p:properties>
-</file>
-
-<file path=customXml/item2.xml><?xml version="1.0" encoding="utf-8"?>
-<?mso-contentType ?>
-<FormTemplates xmlns="http://schemas.microsoft.com/sharepoint/v3/contenttype/forms">
-  <Display>DocumentLibraryForm</Display>
-  <Edit>DocumentLibraryForm</Edit>
-  <New>DocumentLibraryForm</New>
-</FormTemplates>
-</file>
-
-<file path=customXml/item3.xml><?xml version="1.0" encoding="utf-8"?>
 <ct:contentTypeSchema xmlns:ct="http://schemas.microsoft.com/office/2006/metadata/contentType" xmlns:ma="http://schemas.microsoft.com/office/2006/metadata/properties/metaAttributes" ct:_="" ma:_="" ma:contentTypeName="Document" ma:contentTypeID="0x010100822459439BA4514C84702488D0E006BA" ma:contentTypeVersion="26" ma:contentTypeDescription="Create a new document." ma:contentTypeScope="" ma:versionID="1adb099fd56db279984540ccda29e0d1">
   <xsd:schema xmlns:xsd="http://www.w3.org/2001/XMLSchema" xmlns:xs="http://www.w3.org/2001/XMLSchema" xmlns:p="http://schemas.microsoft.com/office/2006/metadata/properties" xmlns:ns2="89bae1a4-8361-4828-90ec-a3360a876cdf" xmlns:ns3="2da9f8d1-1481-480d-b29c-d5b1cf054a28" targetNamespace="http://schemas.microsoft.com/office/2006/metadata/properties" ma:root="true" ma:fieldsID="d64d8535f64baee22c4ab121384eb1bc" ns2:_="" ns3:_="">
     <xsd:import namespace="89bae1a4-8361-4828-90ec-a3360a876cdf"/>
@@ -7328,26 +7300,35 @@
 </ct:contentTypeSchema>
 </file>
 
-<file path=customXml/itemProps1.xml><?xml version="1.0" encoding="utf-8"?>
-<ds:datastoreItem xmlns:ds="http://schemas.openxmlformats.org/officeDocument/2006/customXml" ds:itemID="{6D3890D1-0804-4983-A8E2-EED5DCFD2DB2}">
-  <ds:schemaRefs>
-    <ds:schemaRef ds:uri="http://schemas.microsoft.com/office/2006/metadata/properties"/>
-    <ds:schemaRef ds:uri="http://schemas.microsoft.com/office/infopath/2007/PartnerControls"/>
-    <ds:schemaRef ds:uri="2da9f8d1-1481-480d-b29c-d5b1cf054a28"/>
-    <ds:schemaRef ds:uri="89bae1a4-8361-4828-90ec-a3360a876cdf"/>
-  </ds:schemaRefs>
-</ds:datastoreItem>
+<file path=customXml/item2.xml><?xml version="1.0" encoding="utf-8"?>
+<?mso-contentType ?>
+<FormTemplates xmlns="http://schemas.microsoft.com/sharepoint/v3/contenttype/forms">
+  <Display>DocumentLibraryForm</Display>
+  <Edit>DocumentLibraryForm</Edit>
+  <New>DocumentLibraryForm</New>
+</FormTemplates>
 </file>
 
-<file path=customXml/itemProps2.xml><?xml version="1.0" encoding="utf-8"?>
-<ds:datastoreItem xmlns:ds="http://schemas.openxmlformats.org/officeDocument/2006/customXml" ds:itemID="{8A6625D8-3E01-4B34-86DB-ED400E79EF4F}">
-  <ds:schemaRefs>
-    <ds:schemaRef ds:uri="http://schemas.microsoft.com/sharepoint/v3/contenttype/forms"/>
-  </ds:schemaRefs>
-</ds:datastoreItem>
+<file path=customXml/item3.xml><?xml version="1.0" encoding="utf-8"?>
+<p:properties xmlns:p="http://schemas.microsoft.com/office/2006/metadata/properties" xmlns:xsi="http://www.w3.org/2001/XMLSchema-instance" xmlns:pc="http://schemas.microsoft.com/office/infopath/2007/PartnerControls">
+  <documentManagement>
+    <Person_x0028_s_x0029__x0020_Responsible_x0020_for_x0020_Policy xmlns="2da9f8d1-1481-480d-b29c-d5b1cf054a28" xsi:nil="true"/>
+    <Policy_x0020_Type xmlns="2da9f8d1-1481-480d-b29c-d5b1cf054a28">Policy</Policy_x0020_Type>
+    <Policy_x0020_Enforcement_x0020_Date xmlns="2da9f8d1-1481-480d-b29c-d5b1cf054a28" xsi:nil="true"/>
+    <Policy_x0020_Status xmlns="2da9f8d1-1481-480d-b29c-d5b1cf054a28">Enforced</Policy_x0020_Status>
+    <Policy_x0020_Ref xmlns="2da9f8d1-1481-480d-b29c-d5b1cf054a28" xsi:nil="true"/>
+    <Policy_x0020_Approved_x0020_By xmlns="2da9f8d1-1481-480d-b29c-d5b1cf054a28" xsi:nil="true"/>
+    <Policy_x0020_Version xmlns="2da9f8d1-1481-480d-b29c-d5b1cf054a28" xsi:nil="true"/>
+    <Policy_x0020_Drafted_x0020_By xmlns="2da9f8d1-1481-480d-b29c-d5b1cf054a28" xsi:nil="true"/>
+    <lcf76f155ced4ddcb4097134ff3c332f xmlns="89bae1a4-8361-4828-90ec-a3360a876cdf">
+      <Terms xmlns="http://schemas.microsoft.com/office/infopath/2007/PartnerControls"/>
+    </lcf76f155ced4ddcb4097134ff3c332f>
+    <TaxCatchAll xmlns="2da9f8d1-1481-480d-b29c-d5b1cf054a28" xsi:nil="true"/>
+  </documentManagement>
+</p:properties>
 </file>
 
-<file path=customXml/itemProps3.xml><?xml version="1.0" encoding="utf-8"?>
+<file path=customXml/itemProps1.xml><?xml version="1.0" encoding="utf-8"?>
 <ds:datastoreItem xmlns:ds="http://schemas.openxmlformats.org/officeDocument/2006/customXml" ds:itemID="{0B2FBBFA-7C2A-452B-AD67-D78617A449D5}">
   <ds:schemaRefs>
     <ds:schemaRef ds:uri="http://schemas.microsoft.com/office/2006/metadata/contentType"/>
@@ -7364,4 +7345,23 @@
     <ds:schemaRef ds:uri="http://schemas.microsoft.com/internal/obd"/>
   </ds:schemaRefs>
 </ds:datastoreItem>
+</file>
+
+<file path=customXml/itemProps2.xml><?xml version="1.0" encoding="utf-8"?>
+<ds:datastoreItem xmlns:ds="http://schemas.openxmlformats.org/officeDocument/2006/customXml" ds:itemID="{8A6625D8-3E01-4B34-86DB-ED400E79EF4F}">
+  <ds:schemaRefs>
+    <ds:schemaRef ds:uri="http://schemas.microsoft.com/sharepoint/v3/contenttype/forms"/>
+  </ds:schemaRefs>
+</ds:datastoreItem>
+</file>
+
+<file path=customXml/itemProps3.xml><?xml version="1.0" encoding="utf-8"?>
+<ds:datastoreItem xmlns:ds="http://schemas.openxmlformats.org/officeDocument/2006/customXml" ds:itemID="{6D3890D1-0804-4983-A8E2-EED5DCFD2DB2}">
+  <ds:schemaRefs>
+    <ds:schemaRef ds:uri="http://schemas.microsoft.com/office/2006/metadata/properties"/>
+    <ds:schemaRef ds:uri="http://schemas.microsoft.com/office/infopath/2007/PartnerControls"/>
+    <ds:schemaRef ds:uri="2da9f8d1-1481-480d-b29c-d5b1cf054a28"/>
+    <ds:schemaRef ds:uri="89bae1a4-8361-4828-90ec-a3360a876cdf"/>
+  </ds:schemaRefs>
+</ds:datastoreItem>
 </file>
--- a/doc/TWLKR Dispatch Dashboard Project.pptx
+++ b/doc/TWLKR Dispatch Dashboard Project.pptx
@@ -5,11 +5,10 @@
     <p:sldMasterId id="2147483648" r:id="rId4"/>
   </p:sldMasterIdLst>
   <p:notesMasterIdLst>
-    <p:notesMasterId r:id="rId7"/>
+    <p:notesMasterId r:id="rId6"/>
   </p:notesMasterIdLst>
   <p:sldIdLst>
     <p:sldId id="328" r:id="rId5"/>
-    <p:sldId id="329" r:id="rId6"/>
   </p:sldIdLst>
   <p:sldSz cx="12192000" cy="6858000"/>
   <p:notesSz cx="6858000" cy="9144000"/>
@@ -2857,7 +2856,7 @@
         <p:spPr>
           <a:xfrm>
             <a:off x="1986418" y="4059678"/>
-            <a:ext cx="3187773" cy="1925720"/>
+            <a:ext cx="3187773" cy="1720536"/>
           </a:xfrm>
           <a:prstGeom prst="rect">
             <a:avLst/>
@@ -2933,89 +2932,58 @@
               <a:spcAft>
                 <a:spcPts val="300"/>
               </a:spcAft>
-              <a:buAutoNum type="arabicParenR" startAt="2"/>
+              <a:buAutoNum type="arabicParenR"/>
             </a:pPr>
             <a:r>
               <a:rPr lang="ko-KR" altLang="en-US" sz="1050" dirty="0">
                 <a:latin typeface="+mn-ea"/>
                 <a:ea typeface="+mj-ea"/>
               </a:rPr>
-              <a:t>서울 허브 기준 우편번호 </a:t>
+              <a:t>서울 기준 우편번호 데이터 수집 </a:t>
             </a:r>
             <a:r>
               <a:rPr lang="en-US" altLang="ko-KR" sz="1050" dirty="0">
                 <a:latin typeface="+mn-ea"/>
                 <a:ea typeface="+mj-ea"/>
               </a:rPr>
-              <a:t>API </a:t>
+              <a:t>             </a:t>
             </a:r>
             <a:r>
               <a:rPr lang="ko-KR" altLang="en-US" sz="1050" dirty="0">
                 <a:latin typeface="+mn-ea"/>
                 <a:ea typeface="+mj-ea"/>
               </a:rPr>
-              <a:t>데이터 수집</a:t>
+              <a:t>거리별 </a:t>
+            </a:r>
+            <a:r>
+              <a:rPr lang="en-US" altLang="ko-KR" sz="1050" dirty="0">
+                <a:latin typeface="+mn-ea"/>
+                <a:ea typeface="+mj-ea"/>
+              </a:rPr>
+              <a:t>DB </a:t>
+            </a:r>
+            <a:r>
+              <a:rPr lang="ko-KR" altLang="en-US" sz="1050" dirty="0">
+                <a:latin typeface="+mn-ea"/>
+                <a:ea typeface="+mj-ea"/>
+              </a:rPr>
+              <a:t>및 </a:t>
+            </a:r>
+            <a:r>
+              <a:rPr lang="en-US" altLang="ko-KR" sz="1050" dirty="0">
+                <a:latin typeface="+mn-ea"/>
+                <a:ea typeface="+mj-ea"/>
+              </a:rPr>
+              <a:t>Billing Distance </a:t>
+            </a:r>
+            <a:r>
+              <a:rPr lang="ko-KR" altLang="en-US" sz="1050" dirty="0">
+                <a:latin typeface="+mn-ea"/>
+                <a:ea typeface="+mj-ea"/>
+              </a:rPr>
+              <a:t>구축</a:t>
             </a:r>
             <a:endParaRPr lang="en-US" altLang="ko-KR" sz="1050" dirty="0">
-              <a:latin typeface="+mn-ea"/>
-              <a:ea typeface="+mj-ea"/>
-            </a:endParaRPr>
-          </a:p>
-          <a:p>
-            <a:pPr>
-              <a:lnSpc>
-                <a:spcPct val="150000"/>
-              </a:lnSpc>
-              <a:spcBef>
-                <a:spcPts val="500"/>
-              </a:spcBef>
-              <a:spcAft>
-                <a:spcPts val="300"/>
-              </a:spcAft>
-            </a:pPr>
-            <a:r>
-              <a:rPr lang="en-US" altLang="ko-KR" sz="1050" dirty="0">
-                <a:latin typeface="+mn-ea"/>
-                <a:ea typeface="+mj-ea"/>
-              </a:rPr>
-              <a:t>    : </a:t>
-            </a:r>
-            <a:r>
-              <a:rPr lang="ko-KR" altLang="en-US" sz="1050" dirty="0">
-                <a:latin typeface="+mn-ea"/>
-                <a:ea typeface="+mj-ea"/>
-              </a:rPr>
-              <a:t>거리별 </a:t>
-            </a:r>
-            <a:r>
-              <a:rPr lang="en-US" altLang="ko-KR" sz="1050" dirty="0">
-                <a:latin typeface="+mn-ea"/>
-                <a:ea typeface="+mj-ea"/>
-              </a:rPr>
-              <a:t>DB </a:t>
-            </a:r>
-            <a:r>
-              <a:rPr lang="ko-KR" altLang="en-US" sz="1050" dirty="0">
-                <a:latin typeface="+mn-ea"/>
-                <a:ea typeface="+mj-ea"/>
-              </a:rPr>
-              <a:t>및 </a:t>
-            </a:r>
-            <a:r>
-              <a:rPr lang="en-US" altLang="ko-KR" sz="1050" dirty="0">
-                <a:latin typeface="+mn-ea"/>
-                <a:ea typeface="+mj-ea"/>
-              </a:rPr>
-              <a:t>Billing Distance </a:t>
-            </a:r>
-            <a:r>
-              <a:rPr lang="ko-KR" altLang="en-US" sz="1050" dirty="0">
-                <a:latin typeface="+mn-ea"/>
-                <a:ea typeface="+mj-ea"/>
-              </a:rPr>
-              <a:t>구축</a:t>
-            </a:r>
-            <a:endParaRPr lang="en-US" altLang="ko-KR" sz="500" dirty="0">
               <a:latin typeface="+mn-ea"/>
               <a:ea typeface="+mj-ea"/>
             </a:endParaRPr>
@@ -3066,27 +3034,7 @@
                 <a:latin typeface="+mn-ea"/>
                 <a:ea typeface="+mj-ea"/>
               </a:rPr>
-              <a:t>Capacity</a:t>
-            </a:r>
-          </a:p>
-          <a:p>
-            <a:pPr>
-              <a:lnSpc>
-                <a:spcPct val="150000"/>
-              </a:lnSpc>
-              <a:spcBef>
-                <a:spcPts val="500"/>
-              </a:spcBef>
-              <a:spcAft>
-                <a:spcPts val="300"/>
-              </a:spcAft>
-            </a:pPr>
-            <a:r>
-              <a:rPr lang="en-US" altLang="ko-KR" sz="1050" dirty="0">
-                <a:latin typeface="+mn-ea"/>
-                <a:ea typeface="+mj-ea"/>
-              </a:rPr>
-              <a:t>     </a:t>
+              <a:t>Capacity </a:t>
             </a:r>
             <a:r>
               <a:rPr lang="ko-KR" altLang="en-US" sz="1050" dirty="0">
@@ -4217,2153 +4165,6 @@
     <p:extLst>
       <p:ext uri="{BB962C8B-B14F-4D97-AF65-F5344CB8AC3E}">
         <p14:creationId xmlns:p14="http://schemas.microsoft.com/office/powerpoint/2010/main" val="1667086694"/>
-      </p:ext>
-    </p:extLst>
-  </p:cSld>
-  <p:clrMapOvr>
-    <a:masterClrMapping/>
-  </p:clrMapOvr>
-</p:sld>
-</file>
-
-<file path=ppt/slides/slide2.xml><?xml version="1.0" encoding="utf-8"?>
-<p:sld xmlns:a="http://schemas.openxmlformats.org/drawingml/2006/main" xmlns:r="http://schemas.openxmlformats.org/officeDocument/2006/relationships" xmlns:p="http://schemas.openxmlformats.org/presentationml/2006/main">
-  <p:cSld>
-    <p:spTree>
-      <p:nvGrpSpPr>
-        <p:cNvPr id="1" name="">
-          <a:extLst>
-            <a:ext uri="{FF2B5EF4-FFF2-40B4-BE49-F238E27FC236}">
-              <a16:creationId xmlns:a16="http://schemas.microsoft.com/office/drawing/2014/main" id="{A7456C99-BB52-7F94-0A1F-7C06713AD755}"/>
-            </a:ext>
-          </a:extLst>
-        </p:cNvPr>
-        <p:cNvGrpSpPr/>
-        <p:nvPr/>
-      </p:nvGrpSpPr>
-      <p:grpSpPr>
-        <a:xfrm>
-          <a:off x="0" y="0"/>
-          <a:ext cx="0" cy="0"/>
-          <a:chOff x="0" y="0"/>
-          <a:chExt cx="0" cy="0"/>
-        </a:xfrm>
-      </p:grpSpPr>
-      <p:sp>
-        <p:nvSpPr>
-          <p:cNvPr id="16" name="직사각형 15">
-            <a:extLst>
-              <a:ext uri="{FF2B5EF4-FFF2-40B4-BE49-F238E27FC236}">
-                <a16:creationId xmlns:a16="http://schemas.microsoft.com/office/drawing/2014/main" id="{AAC54E4D-CB96-62F9-84B2-793D942A4FB0}"/>
-              </a:ext>
-            </a:extLst>
-          </p:cNvPr>
-          <p:cNvSpPr/>
-          <p:nvPr/>
-        </p:nvSpPr>
-        <p:spPr>
-          <a:xfrm>
-            <a:off x="0" y="1"/>
-            <a:ext cx="12192000" cy="548640"/>
-          </a:xfrm>
-          <a:prstGeom prst="rect">
-            <a:avLst/>
-          </a:prstGeom>
-          <a:gradFill flip="none" rotWithShape="1">
-            <a:gsLst>
-              <a:gs pos="0">
-                <a:srgbClr val="E2211C">
-                  <a:shade val="30000"/>
-                  <a:satMod val="115000"/>
-                </a:srgbClr>
-              </a:gs>
-              <a:gs pos="50000">
-                <a:srgbClr val="E2211C">
-                  <a:shade val="67500"/>
-                  <a:satMod val="115000"/>
-                </a:srgbClr>
-              </a:gs>
-              <a:gs pos="100000">
-                <a:srgbClr val="E2211C">
-                  <a:shade val="100000"/>
-                  <a:satMod val="115000"/>
-                </a:srgbClr>
-              </a:gs>
-            </a:gsLst>
-            <a:lin ang="0" scaled="1"/>
-            <a:tileRect/>
-          </a:gradFill>
-          <a:ln>
-            <a:noFill/>
-          </a:ln>
-        </p:spPr>
-        <p:style>
-          <a:lnRef idx="2">
-            <a:schemeClr val="accent1">
-              <a:shade val="15000"/>
-            </a:schemeClr>
-          </a:lnRef>
-          <a:fillRef idx="1">
-            <a:schemeClr val="accent1"/>
-          </a:fillRef>
-          <a:effectRef idx="0">
-            <a:schemeClr val="accent1"/>
-          </a:effectRef>
-          <a:fontRef idx="minor">
-            <a:schemeClr val="lt1"/>
-          </a:fontRef>
-        </p:style>
-        <p:txBody>
-          <a:bodyPr rtlCol="0" anchor="ctr"/>
-          <a:lstStyle/>
-          <a:p>
-            <a:pPr algn="ctr"/>
-            <a:endParaRPr lang="ko-KR" altLang="en-US"/>
-          </a:p>
-        </p:txBody>
-      </p:sp>
-      <p:sp>
-        <p:nvSpPr>
-          <p:cNvPr id="2" name="Slide Number Placeholder 1">
-            <a:extLst>
-              <a:ext uri="{FF2B5EF4-FFF2-40B4-BE49-F238E27FC236}">
-                <a16:creationId xmlns:a16="http://schemas.microsoft.com/office/drawing/2014/main" id="{678CEB0E-05DC-A2EF-3683-AADA0F7F2238}"/>
-              </a:ext>
-            </a:extLst>
-          </p:cNvPr>
-          <p:cNvSpPr>
-            <a:spLocks noGrp="1"/>
-          </p:cNvSpPr>
-          <p:nvPr>
-            <p:ph type="sldNum" sz="quarter" idx="11"/>
-          </p:nvPr>
-        </p:nvSpPr>
-        <p:spPr/>
-        <p:txBody>
-          <a:bodyPr/>
-          <a:lstStyle/>
-          <a:p>
-            <a:r>
-              <a:rPr lang="en-US" dirty="0"/>
-              <a:t>/</a:t>
-            </a:r>
-            <a:fld id="{97A5328F-FB68-C941-9722-B8E8F85A3DA3}" type="slidenum">
-              <a:rPr lang="en-US" smtClean="0"/>
-              <a:pPr/>
-              <a:t>2</a:t>
-            </a:fld>
-            <a:endParaRPr lang="en-US" dirty="0"/>
-          </a:p>
-        </p:txBody>
-      </p:sp>
-      <p:sp>
-        <p:nvSpPr>
-          <p:cNvPr id="5" name="Footer Placeholder 4">
-            <a:extLst>
-              <a:ext uri="{FF2B5EF4-FFF2-40B4-BE49-F238E27FC236}">
-                <a16:creationId xmlns:a16="http://schemas.microsoft.com/office/drawing/2014/main" id="{E04D0962-38C8-3B34-F5EA-7C1A5814255D}"/>
-              </a:ext>
-            </a:extLst>
-          </p:cNvPr>
-          <p:cNvSpPr>
-            <a:spLocks noGrp="1"/>
-          </p:cNvSpPr>
-          <p:nvPr>
-            <p:ph type="ftr" sz="quarter" idx="10"/>
-          </p:nvPr>
-        </p:nvSpPr>
-        <p:spPr/>
-        <p:txBody>
-          <a:bodyPr/>
-          <a:lstStyle/>
-          <a:p>
-            <a:r>
-              <a:rPr lang="en-US" dirty="0"/>
-              <a:t>© Teckwah 2023. Restricted Information</a:t>
-            </a:r>
-          </a:p>
-        </p:txBody>
-      </p:sp>
-      <p:sp>
-        <p:nvSpPr>
-          <p:cNvPr id="6" name="Text Placeholder 5">
-            <a:extLst>
-              <a:ext uri="{FF2B5EF4-FFF2-40B4-BE49-F238E27FC236}">
-                <a16:creationId xmlns:a16="http://schemas.microsoft.com/office/drawing/2014/main" id="{8C399386-3EE7-AC25-BF78-E21F68B3A6D5}"/>
-              </a:ext>
-            </a:extLst>
-          </p:cNvPr>
-          <p:cNvSpPr>
-            <a:spLocks noGrp="1"/>
-          </p:cNvSpPr>
-          <p:nvPr>
-            <p:ph type="body" sz="quarter" idx="12"/>
-          </p:nvPr>
-        </p:nvSpPr>
-        <p:spPr/>
-        <p:txBody>
-          <a:bodyPr/>
-          <a:lstStyle/>
-          <a:p>
-            <a:endParaRPr lang="en-SG"/>
-          </a:p>
-        </p:txBody>
-      </p:sp>
-      <p:sp>
-        <p:nvSpPr>
-          <p:cNvPr id="14" name="Title 3">
-            <a:extLst>
-              <a:ext uri="{FF2B5EF4-FFF2-40B4-BE49-F238E27FC236}">
-                <a16:creationId xmlns:a16="http://schemas.microsoft.com/office/drawing/2014/main" id="{7BE08FFF-ECA0-7777-BE44-0DC5BF0422F2}"/>
-              </a:ext>
-            </a:extLst>
-          </p:cNvPr>
-          <p:cNvSpPr>
-            <a:spLocks noGrp="1"/>
-          </p:cNvSpPr>
-          <p:nvPr>
-            <p:ph type="title"/>
-          </p:nvPr>
-        </p:nvSpPr>
-        <p:spPr>
-          <a:xfrm>
-            <a:off x="0" y="0"/>
-            <a:ext cx="12191997" cy="548641"/>
-          </a:xfrm>
-        </p:spPr>
-        <p:txBody>
-          <a:bodyPr/>
-          <a:lstStyle/>
-          <a:p>
-            <a:r>
-              <a:rPr lang="en-SG" dirty="0">
-                <a:solidFill>
-                  <a:schemeClr val="bg1"/>
-                </a:solidFill>
-              </a:rPr>
-              <a:t>2. </a:t>
-            </a:r>
-            <a:r>
-              <a:rPr lang="en-SG" dirty="0" err="1">
-                <a:solidFill>
-                  <a:schemeClr val="bg1"/>
-                </a:solidFill>
-              </a:rPr>
-              <a:t>Teckwah</a:t>
-            </a:r>
-            <a:r>
-              <a:rPr lang="en-SG" dirty="0">
-                <a:solidFill>
-                  <a:schemeClr val="bg1"/>
-                </a:solidFill>
-              </a:rPr>
-              <a:t> KR Dispatch Dashboard Project : </a:t>
-            </a:r>
-            <a:r>
-              <a:rPr lang="en-US" dirty="0">
-                <a:solidFill>
-                  <a:schemeClr val="bg1"/>
-                </a:solidFill>
-              </a:rPr>
-              <a:t>Project Infrastructure</a:t>
-            </a:r>
-            <a:endParaRPr lang="en-SG" dirty="0">
-              <a:solidFill>
-                <a:schemeClr val="bg1"/>
-              </a:solidFill>
-            </a:endParaRPr>
-          </a:p>
-        </p:txBody>
-      </p:sp>
-      <p:sp>
-        <p:nvSpPr>
-          <p:cNvPr id="8" name="화살표: 오각형 7">
-            <a:extLst>
-              <a:ext uri="{FF2B5EF4-FFF2-40B4-BE49-F238E27FC236}">
-                <a16:creationId xmlns:a16="http://schemas.microsoft.com/office/drawing/2014/main" id="{A927942E-31FB-8FCC-AD79-1B860E7927ED}"/>
-              </a:ext>
-            </a:extLst>
-          </p:cNvPr>
-          <p:cNvSpPr/>
-          <p:nvPr/>
-        </p:nvSpPr>
-        <p:spPr>
-          <a:xfrm>
-            <a:off x="1968624" y="1005839"/>
-            <a:ext cx="3205566" cy="433137"/>
-          </a:xfrm>
-          <a:prstGeom prst="homePlate">
-            <a:avLst>
-              <a:gd name="adj" fmla="val 63487"/>
-            </a:avLst>
-          </a:prstGeom>
-          <a:solidFill>
-            <a:srgbClr val="E2211C">
-              <a:alpha val="70000"/>
-            </a:srgbClr>
-          </a:solidFill>
-          <a:ln w="28575">
-            <a:noFill/>
-          </a:ln>
-        </p:spPr>
-        <p:style>
-          <a:lnRef idx="2">
-            <a:schemeClr val="accent1">
-              <a:shade val="15000"/>
-            </a:schemeClr>
-          </a:lnRef>
-          <a:fillRef idx="1">
-            <a:schemeClr val="accent1"/>
-          </a:fillRef>
-          <a:effectRef idx="0">
-            <a:schemeClr val="accent1"/>
-          </a:effectRef>
-          <a:fontRef idx="minor">
-            <a:schemeClr val="lt1"/>
-          </a:fontRef>
-        </p:style>
-        <p:txBody>
-          <a:bodyPr rtlCol="0" anchor="ctr"/>
-          <a:lstStyle/>
-          <a:p>
-            <a:pPr algn="ctr"/>
-            <a:r>
-              <a:rPr lang="en-US" altLang="ko-KR" sz="2000" b="1" dirty="0">
-                <a:solidFill>
-                  <a:schemeClr val="bg1"/>
-                </a:solidFill>
-              </a:rPr>
-              <a:t>Version 1</a:t>
-            </a:r>
-            <a:endParaRPr lang="ko-KR" altLang="en-US" sz="2000" b="1" dirty="0">
-              <a:solidFill>
-                <a:schemeClr val="bg1"/>
-              </a:solidFill>
-            </a:endParaRPr>
-          </a:p>
-        </p:txBody>
-      </p:sp>
-      <p:sp>
-        <p:nvSpPr>
-          <p:cNvPr id="9" name="화살표: 오각형 8">
-            <a:extLst>
-              <a:ext uri="{FF2B5EF4-FFF2-40B4-BE49-F238E27FC236}">
-                <a16:creationId xmlns:a16="http://schemas.microsoft.com/office/drawing/2014/main" id="{C7A34222-5398-69F3-06EA-94CBE708BB6A}"/>
-              </a:ext>
-            </a:extLst>
-          </p:cNvPr>
-          <p:cNvSpPr/>
-          <p:nvPr/>
-        </p:nvSpPr>
-        <p:spPr>
-          <a:xfrm>
-            <a:off x="5174191" y="1005839"/>
-            <a:ext cx="3930743" cy="433137"/>
-          </a:xfrm>
-          <a:prstGeom prst="homePlate">
-            <a:avLst>
-              <a:gd name="adj" fmla="val 61728"/>
-            </a:avLst>
-          </a:prstGeom>
-          <a:solidFill>
-            <a:srgbClr val="E2211C">
-              <a:alpha val="70000"/>
-            </a:srgbClr>
-          </a:solidFill>
-          <a:ln w="28575">
-            <a:noFill/>
-          </a:ln>
-        </p:spPr>
-        <p:style>
-          <a:lnRef idx="2">
-            <a:schemeClr val="accent1">
-              <a:shade val="15000"/>
-            </a:schemeClr>
-          </a:lnRef>
-          <a:fillRef idx="1">
-            <a:schemeClr val="accent1"/>
-          </a:fillRef>
-          <a:effectRef idx="0">
-            <a:schemeClr val="accent1"/>
-          </a:effectRef>
-          <a:fontRef idx="minor">
-            <a:schemeClr val="lt1"/>
-          </a:fontRef>
-        </p:style>
-        <p:txBody>
-          <a:bodyPr rtlCol="0" anchor="ctr"/>
-          <a:lstStyle/>
-          <a:p>
-            <a:pPr algn="ctr"/>
-            <a:r>
-              <a:rPr lang="en-US" altLang="ko-KR" sz="2000" b="1" dirty="0">
-                <a:solidFill>
-                  <a:schemeClr val="bg1"/>
-                </a:solidFill>
-              </a:rPr>
-              <a:t>Version 2</a:t>
-            </a:r>
-            <a:endParaRPr lang="ko-KR" altLang="en-US" sz="2000" b="1" dirty="0">
-              <a:solidFill>
-                <a:schemeClr val="bg1"/>
-              </a:solidFill>
-            </a:endParaRPr>
-          </a:p>
-        </p:txBody>
-      </p:sp>
-      <p:sp>
-        <p:nvSpPr>
-          <p:cNvPr id="10" name="화살표: 오각형 9">
-            <a:extLst>
-              <a:ext uri="{FF2B5EF4-FFF2-40B4-BE49-F238E27FC236}">
-                <a16:creationId xmlns:a16="http://schemas.microsoft.com/office/drawing/2014/main" id="{44DA74C5-A185-DEAF-1A00-A6C55B68D8FE}"/>
-              </a:ext>
-            </a:extLst>
-          </p:cNvPr>
-          <p:cNvSpPr/>
-          <p:nvPr/>
-        </p:nvSpPr>
-        <p:spPr>
-          <a:xfrm>
-            <a:off x="317634" y="1790299"/>
-            <a:ext cx="1602742" cy="860727"/>
-          </a:xfrm>
-          <a:prstGeom prst="homePlate">
-            <a:avLst>
-              <a:gd name="adj" fmla="val 27701"/>
-            </a:avLst>
-          </a:prstGeom>
-          <a:solidFill>
-            <a:srgbClr val="C00000"/>
-          </a:solidFill>
-          <a:ln w="28575">
-            <a:noFill/>
-          </a:ln>
-        </p:spPr>
-        <p:style>
-          <a:lnRef idx="2">
-            <a:schemeClr val="accent1">
-              <a:shade val="15000"/>
-            </a:schemeClr>
-          </a:lnRef>
-          <a:fillRef idx="1">
-            <a:schemeClr val="accent1"/>
-          </a:fillRef>
-          <a:effectRef idx="0">
-            <a:schemeClr val="accent1"/>
-          </a:effectRef>
-          <a:fontRef idx="minor">
-            <a:schemeClr val="lt1"/>
-          </a:fontRef>
-        </p:style>
-        <p:txBody>
-          <a:bodyPr rtlCol="0" anchor="ctr"/>
-          <a:lstStyle/>
-          <a:p>
-            <a:pPr algn="ctr"/>
-            <a:r>
-              <a:rPr lang="en-US" altLang="ko-KR" sz="1600" b="1" dirty="0">
-                <a:solidFill>
-                  <a:schemeClr val="bg1"/>
-                </a:solidFill>
-              </a:rPr>
-              <a:t>Topic</a:t>
-            </a:r>
-            <a:endParaRPr lang="ko-KR" altLang="en-US" sz="1600" b="1" dirty="0">
-              <a:solidFill>
-                <a:schemeClr val="bg1"/>
-              </a:solidFill>
-            </a:endParaRPr>
-          </a:p>
-        </p:txBody>
-      </p:sp>
-      <p:sp>
-        <p:nvSpPr>
-          <p:cNvPr id="12" name="화살표: 오각형 11">
-            <a:extLst>
-              <a:ext uri="{FF2B5EF4-FFF2-40B4-BE49-F238E27FC236}">
-                <a16:creationId xmlns:a16="http://schemas.microsoft.com/office/drawing/2014/main" id="{C8F4A4EF-B688-B37D-B388-1DA696000986}"/>
-              </a:ext>
-            </a:extLst>
-          </p:cNvPr>
-          <p:cNvSpPr/>
-          <p:nvPr/>
-        </p:nvSpPr>
-        <p:spPr>
-          <a:xfrm>
-            <a:off x="317634" y="2743933"/>
-            <a:ext cx="1620538" cy="899413"/>
-          </a:xfrm>
-          <a:prstGeom prst="homePlate">
-            <a:avLst>
-              <a:gd name="adj" fmla="val 18504"/>
-            </a:avLst>
-          </a:prstGeom>
-          <a:solidFill>
-            <a:srgbClr val="C00000"/>
-          </a:solidFill>
-          <a:ln w="28575">
-            <a:noFill/>
-          </a:ln>
-        </p:spPr>
-        <p:style>
-          <a:lnRef idx="2">
-            <a:schemeClr val="accent1">
-              <a:shade val="15000"/>
-            </a:schemeClr>
-          </a:lnRef>
-          <a:fillRef idx="1">
-            <a:schemeClr val="accent1"/>
-          </a:fillRef>
-          <a:effectRef idx="0">
-            <a:schemeClr val="accent1"/>
-          </a:effectRef>
-          <a:fontRef idx="minor">
-            <a:schemeClr val="lt1"/>
-          </a:fontRef>
-        </p:style>
-        <p:txBody>
-          <a:bodyPr rtlCol="0" anchor="ctr"/>
-          <a:lstStyle/>
-          <a:p>
-            <a:pPr algn="ctr"/>
-            <a:r>
-              <a:rPr lang="en-US" altLang="ko-KR" sz="1500" b="1" dirty="0">
-                <a:solidFill>
-                  <a:schemeClr val="bg1"/>
-                </a:solidFill>
-              </a:rPr>
-              <a:t>Types</a:t>
-            </a:r>
-            <a:br>
-              <a:rPr lang="en-US" altLang="ko-KR" sz="1500" b="1" dirty="0">
-                <a:solidFill>
-                  <a:schemeClr val="bg1"/>
-                </a:solidFill>
-              </a:rPr>
-            </a:br>
-            <a:r>
-              <a:rPr lang="en-US" altLang="ko-KR" sz="1500" b="1" dirty="0">
-                <a:solidFill>
-                  <a:schemeClr val="bg1"/>
-                </a:solidFill>
-              </a:rPr>
-              <a:t>of</a:t>
-            </a:r>
-            <a:br>
-              <a:rPr lang="en-US" altLang="ko-KR" sz="1500" b="1" dirty="0">
-                <a:solidFill>
-                  <a:schemeClr val="bg1"/>
-                </a:solidFill>
-              </a:rPr>
-            </a:br>
-            <a:r>
-              <a:rPr lang="en-US" altLang="ko-KR" sz="1500" b="1" dirty="0">
-                <a:solidFill>
-                  <a:schemeClr val="bg1"/>
-                </a:solidFill>
-              </a:rPr>
-              <a:t>Infrastructure</a:t>
-            </a:r>
-            <a:endParaRPr lang="ko-KR" altLang="en-US" sz="1500" b="1" dirty="0">
-              <a:solidFill>
-                <a:schemeClr val="bg1"/>
-              </a:solidFill>
-            </a:endParaRPr>
-          </a:p>
-        </p:txBody>
-      </p:sp>
-      <p:sp>
-        <p:nvSpPr>
-          <p:cNvPr id="15" name="화살표: 오각형 14">
-            <a:extLst>
-              <a:ext uri="{FF2B5EF4-FFF2-40B4-BE49-F238E27FC236}">
-                <a16:creationId xmlns:a16="http://schemas.microsoft.com/office/drawing/2014/main" id="{4C50A6F1-EC83-6872-4235-EE68F24A976A}"/>
-              </a:ext>
-            </a:extLst>
-          </p:cNvPr>
-          <p:cNvSpPr/>
-          <p:nvPr/>
-        </p:nvSpPr>
-        <p:spPr>
-          <a:xfrm>
-            <a:off x="314124" y="3767620"/>
-            <a:ext cx="1620538" cy="1197601"/>
-          </a:xfrm>
-          <a:prstGeom prst="homePlate">
-            <a:avLst>
-              <a:gd name="adj" fmla="val 16101"/>
-            </a:avLst>
-          </a:prstGeom>
-          <a:solidFill>
-            <a:srgbClr val="C00000"/>
-          </a:solidFill>
-          <a:ln w="28575">
-            <a:noFill/>
-          </a:ln>
-        </p:spPr>
-        <p:style>
-          <a:lnRef idx="2">
-            <a:schemeClr val="accent1">
-              <a:shade val="15000"/>
-            </a:schemeClr>
-          </a:lnRef>
-          <a:fillRef idx="1">
-            <a:schemeClr val="accent1"/>
-          </a:fillRef>
-          <a:effectRef idx="0">
-            <a:schemeClr val="accent1"/>
-          </a:effectRef>
-          <a:fontRef idx="minor">
-            <a:schemeClr val="lt1"/>
-          </a:fontRef>
-        </p:style>
-        <p:txBody>
-          <a:bodyPr rtlCol="0" anchor="ctr"/>
-          <a:lstStyle/>
-          <a:p>
-            <a:pPr algn="ctr"/>
-            <a:r>
-              <a:rPr lang="en-US" altLang="ko-KR" sz="1500" b="1" dirty="0">
-                <a:solidFill>
-                  <a:schemeClr val="bg1"/>
-                </a:solidFill>
-              </a:rPr>
-              <a:t>Reason </a:t>
-            </a:r>
-          </a:p>
-          <a:p>
-            <a:pPr algn="ctr"/>
-            <a:r>
-              <a:rPr lang="en-US" altLang="ko-KR" sz="1500" b="1" dirty="0">
-                <a:solidFill>
-                  <a:schemeClr val="bg1"/>
-                </a:solidFill>
-              </a:rPr>
-              <a:t>of</a:t>
-            </a:r>
-            <a:br>
-              <a:rPr lang="en-US" altLang="ko-KR" sz="1500" b="1" dirty="0">
-                <a:solidFill>
-                  <a:schemeClr val="bg1"/>
-                </a:solidFill>
-              </a:rPr>
-            </a:br>
-            <a:r>
-              <a:rPr lang="en-US" altLang="ko-KR" sz="1500" b="1" dirty="0">
-                <a:solidFill>
-                  <a:schemeClr val="bg1"/>
-                </a:solidFill>
-              </a:rPr>
-              <a:t>Infrastructure</a:t>
-            </a:r>
-            <a:endParaRPr lang="ko-KR" altLang="en-US" sz="1500" b="1" dirty="0">
-              <a:solidFill>
-                <a:schemeClr val="bg1"/>
-              </a:solidFill>
-            </a:endParaRPr>
-          </a:p>
-        </p:txBody>
-      </p:sp>
-      <p:sp>
-        <p:nvSpPr>
-          <p:cNvPr id="17" name="사각형: 둥근 모서리 16">
-            <a:extLst>
-              <a:ext uri="{FF2B5EF4-FFF2-40B4-BE49-F238E27FC236}">
-                <a16:creationId xmlns:a16="http://schemas.microsoft.com/office/drawing/2014/main" id="{9B87F1C6-D134-2CAE-B6D4-193EB1FDAF39}"/>
-              </a:ext>
-            </a:extLst>
-          </p:cNvPr>
-          <p:cNvSpPr/>
-          <p:nvPr/>
-        </p:nvSpPr>
-        <p:spPr>
-          <a:xfrm>
-            <a:off x="2063549" y="1838424"/>
-            <a:ext cx="3015715" cy="860727"/>
-          </a:xfrm>
-          <a:prstGeom prst="roundRect">
-            <a:avLst/>
-          </a:prstGeom>
-          <a:solidFill>
-            <a:schemeClr val="bg1">
-              <a:lumMod val="95000"/>
-            </a:schemeClr>
-          </a:solidFill>
-          <a:ln w="28575">
-            <a:solidFill>
-              <a:schemeClr val="bg1">
-                <a:lumMod val="75000"/>
-              </a:schemeClr>
-            </a:solidFill>
-          </a:ln>
-        </p:spPr>
-        <p:style>
-          <a:lnRef idx="2">
-            <a:schemeClr val="accent1">
-              <a:shade val="15000"/>
-            </a:schemeClr>
-          </a:lnRef>
-          <a:fillRef idx="1">
-            <a:schemeClr val="accent1"/>
-          </a:fillRef>
-          <a:effectRef idx="0">
-            <a:schemeClr val="accent1"/>
-          </a:effectRef>
-          <a:fontRef idx="minor">
-            <a:schemeClr val="lt1"/>
-          </a:fontRef>
-        </p:style>
-        <p:txBody>
-          <a:bodyPr rtlCol="0" anchor="ctr"/>
-          <a:lstStyle/>
-          <a:p>
-            <a:pPr algn="ctr">
-              <a:lnSpc>
-                <a:spcPct val="130000"/>
-              </a:lnSpc>
-            </a:pPr>
-            <a:r>
-              <a:rPr lang="ko-KR" altLang="en-US" sz="1600" dirty="0">
-                <a:ln w="6350">
-                  <a:solidFill>
-                    <a:schemeClr val="tx1"/>
-                  </a:solidFill>
-                </a:ln>
-                <a:solidFill>
-                  <a:schemeClr val="tx1"/>
-                </a:solidFill>
-              </a:rPr>
-              <a:t>기본 웹 페이지 구축</a:t>
-            </a:r>
-            <a:endParaRPr lang="en-US" altLang="ko-KR" sz="1600" dirty="0">
-              <a:ln w="6350">
-                <a:solidFill>
-                  <a:schemeClr val="tx1"/>
-                </a:solidFill>
-              </a:ln>
-              <a:solidFill>
-                <a:schemeClr val="tx1"/>
-              </a:solidFill>
-            </a:endParaRPr>
-          </a:p>
-        </p:txBody>
-      </p:sp>
-      <p:cxnSp>
-        <p:nvCxnSpPr>
-          <p:cNvPr id="21" name="직선 연결선 20">
-            <a:extLst>
-              <a:ext uri="{FF2B5EF4-FFF2-40B4-BE49-F238E27FC236}">
-                <a16:creationId xmlns:a16="http://schemas.microsoft.com/office/drawing/2014/main" id="{0228479C-C0CE-C8BA-AA5A-54E89BF41148}"/>
-              </a:ext>
-            </a:extLst>
-          </p:cNvPr>
-          <p:cNvCxnSpPr/>
-          <p:nvPr/>
-        </p:nvCxnSpPr>
-        <p:spPr>
-          <a:xfrm>
-            <a:off x="317634" y="2743933"/>
-            <a:ext cx="11366403" cy="0"/>
-          </a:xfrm>
-          <a:prstGeom prst="line">
-            <a:avLst/>
-          </a:prstGeom>
-          <a:ln w="12700">
-            <a:solidFill>
-              <a:schemeClr val="bg1">
-                <a:lumMod val="85000"/>
-              </a:schemeClr>
-            </a:solidFill>
-          </a:ln>
-        </p:spPr>
-        <p:style>
-          <a:lnRef idx="1">
-            <a:schemeClr val="accent1"/>
-          </a:lnRef>
-          <a:fillRef idx="0">
-            <a:schemeClr val="accent1"/>
-          </a:fillRef>
-          <a:effectRef idx="0">
-            <a:schemeClr val="accent1"/>
-          </a:effectRef>
-          <a:fontRef idx="minor">
-            <a:schemeClr val="tx1"/>
-          </a:fontRef>
-        </p:style>
-      </p:cxnSp>
-      <p:cxnSp>
-        <p:nvCxnSpPr>
-          <p:cNvPr id="22" name="직선 연결선 21">
-            <a:extLst>
-              <a:ext uri="{FF2B5EF4-FFF2-40B4-BE49-F238E27FC236}">
-                <a16:creationId xmlns:a16="http://schemas.microsoft.com/office/drawing/2014/main" id="{C24568B5-295F-FA30-1512-D44E7A515411}"/>
-              </a:ext>
-            </a:extLst>
-          </p:cNvPr>
-          <p:cNvCxnSpPr/>
-          <p:nvPr/>
-        </p:nvCxnSpPr>
-        <p:spPr>
-          <a:xfrm>
-            <a:off x="317634" y="1781407"/>
-            <a:ext cx="11366403" cy="0"/>
-          </a:xfrm>
-          <a:prstGeom prst="line">
-            <a:avLst/>
-          </a:prstGeom>
-          <a:ln w="12700">
-            <a:solidFill>
-              <a:schemeClr val="bg1">
-                <a:lumMod val="85000"/>
-              </a:schemeClr>
-            </a:solidFill>
-          </a:ln>
-        </p:spPr>
-        <p:style>
-          <a:lnRef idx="1">
-            <a:schemeClr val="accent1"/>
-          </a:lnRef>
-          <a:fillRef idx="0">
-            <a:schemeClr val="accent1"/>
-          </a:fillRef>
-          <a:effectRef idx="0">
-            <a:schemeClr val="accent1"/>
-          </a:effectRef>
-          <a:fontRef idx="minor">
-            <a:schemeClr val="tx1"/>
-          </a:fontRef>
-        </p:style>
-      </p:cxnSp>
-      <p:cxnSp>
-        <p:nvCxnSpPr>
-          <p:cNvPr id="23" name="직선 연결선 22">
-            <a:extLst>
-              <a:ext uri="{FF2B5EF4-FFF2-40B4-BE49-F238E27FC236}">
-                <a16:creationId xmlns:a16="http://schemas.microsoft.com/office/drawing/2014/main" id="{F9B8F939-DC1D-30C1-5A21-8C02C9FC0ED0}"/>
-              </a:ext>
-            </a:extLst>
-          </p:cNvPr>
-          <p:cNvCxnSpPr/>
-          <p:nvPr/>
-        </p:nvCxnSpPr>
-        <p:spPr>
-          <a:xfrm>
-            <a:off x="317634" y="3760478"/>
-            <a:ext cx="11366403" cy="0"/>
-          </a:xfrm>
-          <a:prstGeom prst="line">
-            <a:avLst/>
-          </a:prstGeom>
-          <a:ln w="12700">
-            <a:solidFill>
-              <a:schemeClr val="bg1">
-                <a:lumMod val="85000"/>
-              </a:schemeClr>
-            </a:solidFill>
-          </a:ln>
-        </p:spPr>
-        <p:style>
-          <a:lnRef idx="1">
-            <a:schemeClr val="accent1"/>
-          </a:lnRef>
-          <a:fillRef idx="0">
-            <a:schemeClr val="accent1"/>
-          </a:fillRef>
-          <a:effectRef idx="0">
-            <a:schemeClr val="accent1"/>
-          </a:effectRef>
-          <a:fontRef idx="minor">
-            <a:schemeClr val="tx1"/>
-          </a:fontRef>
-        </p:style>
-      </p:cxnSp>
-      <p:cxnSp>
-        <p:nvCxnSpPr>
-          <p:cNvPr id="25" name="직선 연결선 24">
-            <a:extLst>
-              <a:ext uri="{FF2B5EF4-FFF2-40B4-BE49-F238E27FC236}">
-                <a16:creationId xmlns:a16="http://schemas.microsoft.com/office/drawing/2014/main" id="{6C04DBBB-4152-FFC5-11F0-84C4F675D12C}"/>
-              </a:ext>
-            </a:extLst>
-          </p:cNvPr>
-          <p:cNvCxnSpPr/>
-          <p:nvPr/>
-        </p:nvCxnSpPr>
-        <p:spPr>
-          <a:xfrm>
-            <a:off x="1968622" y="1005839"/>
-            <a:ext cx="0" cy="4846322"/>
-          </a:xfrm>
-          <a:prstGeom prst="line">
-            <a:avLst/>
-          </a:prstGeom>
-          <a:ln w="12700">
-            <a:solidFill>
-              <a:schemeClr val="tx1"/>
-            </a:solidFill>
-          </a:ln>
-        </p:spPr>
-        <p:style>
-          <a:lnRef idx="1">
-            <a:schemeClr val="accent1"/>
-          </a:lnRef>
-          <a:fillRef idx="0">
-            <a:schemeClr val="accent1"/>
-          </a:fillRef>
-          <a:effectRef idx="0">
-            <a:schemeClr val="accent1"/>
-          </a:effectRef>
-          <a:fontRef idx="minor">
-            <a:schemeClr val="tx1"/>
-          </a:fontRef>
-        </p:style>
-      </p:cxnSp>
-      <p:sp>
-        <p:nvSpPr>
-          <p:cNvPr id="30" name="TextBox 29">
-            <a:extLst>
-              <a:ext uri="{FF2B5EF4-FFF2-40B4-BE49-F238E27FC236}">
-                <a16:creationId xmlns:a16="http://schemas.microsoft.com/office/drawing/2014/main" id="{FF2F9993-BC05-A69E-B5F4-AD84AF8B89A6}"/>
-              </a:ext>
-            </a:extLst>
-          </p:cNvPr>
-          <p:cNvSpPr txBox="1"/>
-          <p:nvPr/>
-        </p:nvSpPr>
-        <p:spPr>
-          <a:xfrm>
-            <a:off x="1970445" y="2898974"/>
-            <a:ext cx="3187773" cy="589329"/>
-          </a:xfrm>
-          <a:prstGeom prst="rect">
-            <a:avLst/>
-          </a:prstGeom>
-          <a:noFill/>
-        </p:spPr>
-        <p:txBody>
-          <a:bodyPr wrap="square" rtlCol="0" anchor="ctr">
-            <a:spAutoFit/>
-          </a:bodyPr>
-          <a:lstStyle/>
-          <a:p>
-            <a:pPr>
-              <a:lnSpc>
-                <a:spcPct val="130000"/>
-              </a:lnSpc>
-            </a:pPr>
-            <a:r>
-              <a:rPr lang="en-US" altLang="ko-KR" sz="1050" dirty="0">
-                <a:latin typeface="+mn-ea"/>
-              </a:rPr>
-              <a:t>▶ Google </a:t>
-            </a:r>
-            <a:r>
-              <a:rPr lang="ko-KR" altLang="en-US" sz="1050" dirty="0">
-                <a:latin typeface="+mn-ea"/>
-              </a:rPr>
-              <a:t>플랫폼</a:t>
-            </a:r>
-            <a:r>
-              <a:rPr lang="en-US" altLang="ko-KR" sz="1050" dirty="0">
-                <a:latin typeface="+mn-ea"/>
-              </a:rPr>
-              <a:t> </a:t>
-            </a:r>
-            <a:r>
-              <a:rPr lang="ko-KR" altLang="en-US" sz="1050" dirty="0">
-                <a:latin typeface="+mn-ea"/>
-              </a:rPr>
-              <a:t>서버 사용료</a:t>
-            </a:r>
-            <a:endParaRPr lang="en-US" altLang="ko-KR" sz="1050" dirty="0">
-              <a:latin typeface="+mn-ea"/>
-            </a:endParaRPr>
-          </a:p>
-          <a:p>
-            <a:pPr>
-              <a:lnSpc>
-                <a:spcPct val="130000"/>
-              </a:lnSpc>
-            </a:pPr>
-            <a:endParaRPr lang="en-US" altLang="ko-KR" sz="500" dirty="0">
-              <a:latin typeface="+mn-ea"/>
-            </a:endParaRPr>
-          </a:p>
-          <a:p>
-            <a:pPr>
-              <a:lnSpc>
-                <a:spcPct val="130000"/>
-              </a:lnSpc>
-            </a:pPr>
-            <a:r>
-              <a:rPr lang="en-US" altLang="ko-KR" sz="1050" dirty="0">
-                <a:latin typeface="+mn-ea"/>
-              </a:rPr>
-              <a:t>▶ Naver API </a:t>
-            </a:r>
-            <a:r>
-              <a:rPr lang="ko-KR" altLang="en-US" sz="1050" dirty="0">
-                <a:latin typeface="+mn-ea"/>
-              </a:rPr>
-              <a:t>사용료</a:t>
-            </a:r>
-            <a:endParaRPr lang="en-US" altLang="ko-KR" sz="1050" dirty="0">
-              <a:latin typeface="+mn-ea"/>
-            </a:endParaRPr>
-          </a:p>
-        </p:txBody>
-      </p:sp>
-      <p:sp>
-        <p:nvSpPr>
-          <p:cNvPr id="32" name="TextBox 31">
-            <a:extLst>
-              <a:ext uri="{FF2B5EF4-FFF2-40B4-BE49-F238E27FC236}">
-                <a16:creationId xmlns:a16="http://schemas.microsoft.com/office/drawing/2014/main" id="{24AEBC23-907B-DD92-D1ED-5CFD8B457FC1}"/>
-              </a:ext>
-            </a:extLst>
-          </p:cNvPr>
-          <p:cNvSpPr txBox="1"/>
-          <p:nvPr/>
-        </p:nvSpPr>
-        <p:spPr>
-          <a:xfrm>
-            <a:off x="1986418" y="4059678"/>
-            <a:ext cx="3187773" cy="524246"/>
-          </a:xfrm>
-          <a:prstGeom prst="rect">
-            <a:avLst/>
-          </a:prstGeom>
-          <a:noFill/>
-        </p:spPr>
-        <p:txBody>
-          <a:bodyPr wrap="square" rtlCol="0">
-            <a:spAutoFit/>
-          </a:bodyPr>
-          <a:lstStyle/>
-          <a:p>
-            <a:pPr marL="228600" indent="-228600">
-              <a:lnSpc>
-                <a:spcPct val="150000"/>
-              </a:lnSpc>
-              <a:buAutoNum type="arabicParenR"/>
-            </a:pPr>
-            <a:r>
-              <a:rPr lang="en-US" altLang="ko-KR" sz="1000" dirty="0">
-                <a:latin typeface="+mn-ea"/>
-                <a:ea typeface="+mj-ea"/>
-              </a:rPr>
-              <a:t>24</a:t>
-            </a:r>
-            <a:r>
-              <a:rPr lang="ko-KR" altLang="en-US" sz="1000" dirty="0">
-                <a:latin typeface="+mn-ea"/>
-                <a:ea typeface="+mj-ea"/>
-              </a:rPr>
-              <a:t>시간 구동에 필요한 서버 인프라 사용</a:t>
-            </a:r>
-            <a:endParaRPr lang="en-US" altLang="ko-KR" sz="1000" dirty="0">
-              <a:latin typeface="+mn-ea"/>
-              <a:ea typeface="+mj-ea"/>
-            </a:endParaRPr>
-          </a:p>
-          <a:p>
-            <a:pPr marL="228600" indent="-228600">
-              <a:lnSpc>
-                <a:spcPct val="150000"/>
-              </a:lnSpc>
-              <a:buAutoNum type="arabicParenR"/>
-            </a:pPr>
-            <a:r>
-              <a:rPr lang="ko-KR" altLang="en-US" sz="1000" dirty="0">
-                <a:latin typeface="+mn-ea"/>
-                <a:ea typeface="+mj-ea"/>
-              </a:rPr>
-              <a:t>우편번호 기반 허브 별 배송 거리</a:t>
-            </a:r>
-            <a:r>
-              <a:rPr lang="en-US" altLang="ko-KR" sz="1000" dirty="0">
-                <a:latin typeface="+mn-ea"/>
-                <a:ea typeface="+mj-ea"/>
-              </a:rPr>
-              <a:t>(km) </a:t>
-            </a:r>
-            <a:r>
-              <a:rPr lang="ko-KR" altLang="en-US" sz="1000" dirty="0">
-                <a:latin typeface="+mn-ea"/>
-                <a:ea typeface="+mj-ea"/>
-              </a:rPr>
-              <a:t>계산 사용</a:t>
-            </a:r>
-            <a:endParaRPr lang="en-US" altLang="ko-KR" sz="1000" dirty="0">
-              <a:latin typeface="+mn-ea"/>
-              <a:ea typeface="+mj-ea"/>
-            </a:endParaRPr>
-          </a:p>
-        </p:txBody>
-      </p:sp>
-      <p:sp>
-        <p:nvSpPr>
-          <p:cNvPr id="37" name="화살표: 오각형 36">
-            <a:extLst>
-              <a:ext uri="{FF2B5EF4-FFF2-40B4-BE49-F238E27FC236}">
-                <a16:creationId xmlns:a16="http://schemas.microsoft.com/office/drawing/2014/main" id="{29C0E960-6900-0415-3C9E-24EC3154C4D8}"/>
-              </a:ext>
-            </a:extLst>
-          </p:cNvPr>
-          <p:cNvSpPr/>
-          <p:nvPr/>
-        </p:nvSpPr>
-        <p:spPr>
-          <a:xfrm>
-            <a:off x="9104938" y="1005839"/>
-            <a:ext cx="2579099" cy="433137"/>
-          </a:xfrm>
-          <a:prstGeom prst="homePlate">
-            <a:avLst/>
-          </a:prstGeom>
-          <a:solidFill>
-            <a:srgbClr val="EC6966">
-              <a:alpha val="40000"/>
-            </a:srgbClr>
-          </a:solidFill>
-          <a:ln w="28575">
-            <a:noFill/>
-          </a:ln>
-        </p:spPr>
-        <p:style>
-          <a:lnRef idx="2">
-            <a:schemeClr val="accent1">
-              <a:shade val="15000"/>
-            </a:schemeClr>
-          </a:lnRef>
-          <a:fillRef idx="1">
-            <a:schemeClr val="accent1"/>
-          </a:fillRef>
-          <a:effectRef idx="0">
-            <a:schemeClr val="accent1"/>
-          </a:effectRef>
-          <a:fontRef idx="minor">
-            <a:schemeClr val="lt1"/>
-          </a:fontRef>
-        </p:style>
-        <p:txBody>
-          <a:bodyPr rtlCol="0" anchor="ctr"/>
-          <a:lstStyle/>
-          <a:p>
-            <a:pPr algn="ctr"/>
-            <a:r>
-              <a:rPr lang="en-US" altLang="ko-KR" sz="2000" b="1" dirty="0">
-                <a:solidFill>
-                  <a:schemeClr val="bg1"/>
-                </a:solidFill>
-              </a:rPr>
-              <a:t>Version 3</a:t>
-            </a:r>
-            <a:endParaRPr lang="ko-KR" altLang="en-US" sz="2000" b="1" dirty="0">
-              <a:solidFill>
-                <a:schemeClr val="bg1"/>
-              </a:solidFill>
-            </a:endParaRPr>
-          </a:p>
-        </p:txBody>
-      </p:sp>
-      <p:cxnSp>
-        <p:nvCxnSpPr>
-          <p:cNvPr id="38" name="직선 연결선 37">
-            <a:extLst>
-              <a:ext uri="{FF2B5EF4-FFF2-40B4-BE49-F238E27FC236}">
-                <a16:creationId xmlns:a16="http://schemas.microsoft.com/office/drawing/2014/main" id="{3A674005-8796-59DF-20FC-8E7C0B036BBD}"/>
-              </a:ext>
-            </a:extLst>
-          </p:cNvPr>
-          <p:cNvCxnSpPr/>
-          <p:nvPr/>
-        </p:nvCxnSpPr>
-        <p:spPr>
-          <a:xfrm>
-            <a:off x="9104938" y="1005839"/>
-            <a:ext cx="0" cy="4846322"/>
-          </a:xfrm>
-          <a:prstGeom prst="line">
-            <a:avLst/>
-          </a:prstGeom>
-          <a:ln w="12700">
-            <a:solidFill>
-              <a:schemeClr val="tx1"/>
-            </a:solidFill>
-          </a:ln>
-        </p:spPr>
-        <p:style>
-          <a:lnRef idx="1">
-            <a:schemeClr val="accent1"/>
-          </a:lnRef>
-          <a:fillRef idx="0">
-            <a:schemeClr val="accent1"/>
-          </a:fillRef>
-          <a:effectRef idx="0">
-            <a:schemeClr val="accent1"/>
-          </a:effectRef>
-          <a:fontRef idx="minor">
-            <a:schemeClr val="tx1"/>
-          </a:fontRef>
-        </p:style>
-      </p:cxnSp>
-      <p:sp>
-        <p:nvSpPr>
-          <p:cNvPr id="42" name="TextBox 41">
-            <a:extLst>
-              <a:ext uri="{FF2B5EF4-FFF2-40B4-BE49-F238E27FC236}">
-                <a16:creationId xmlns:a16="http://schemas.microsoft.com/office/drawing/2014/main" id="{70A2406A-7B3C-E63B-20B5-227FEBFDC705}"/>
-              </a:ext>
-            </a:extLst>
-          </p:cNvPr>
-          <p:cNvSpPr txBox="1"/>
-          <p:nvPr/>
-        </p:nvSpPr>
-        <p:spPr>
-          <a:xfrm>
-            <a:off x="1999073" y="1489024"/>
-            <a:ext cx="3175117" cy="253916"/>
-          </a:xfrm>
-          <a:prstGeom prst="rect">
-            <a:avLst/>
-          </a:prstGeom>
-          <a:noFill/>
-        </p:spPr>
-        <p:txBody>
-          <a:bodyPr wrap="square" rtlCol="0">
-            <a:spAutoFit/>
-          </a:bodyPr>
-          <a:lstStyle/>
-          <a:p>
-            <a:pPr algn="ctr"/>
-            <a:r>
-              <a:rPr lang="en-US" altLang="ko-KR" sz="1050" b="1" dirty="0">
-                <a:latin typeface="+mn-ea"/>
-                <a:ea typeface="+mj-ea"/>
-              </a:rPr>
-              <a:t>2025-01 ~ 2025-03</a:t>
-            </a:r>
-          </a:p>
-        </p:txBody>
-      </p:sp>
-      <p:sp>
-        <p:nvSpPr>
-          <p:cNvPr id="44" name="TextBox 43">
-            <a:extLst>
-              <a:ext uri="{FF2B5EF4-FFF2-40B4-BE49-F238E27FC236}">
-                <a16:creationId xmlns:a16="http://schemas.microsoft.com/office/drawing/2014/main" id="{8C9B8B99-15CC-D1B1-BAFE-267ADA2627BF}"/>
-              </a:ext>
-            </a:extLst>
-          </p:cNvPr>
-          <p:cNvSpPr txBox="1"/>
-          <p:nvPr/>
-        </p:nvSpPr>
-        <p:spPr>
-          <a:xfrm>
-            <a:off x="5174190" y="1489024"/>
-            <a:ext cx="3930748" cy="253916"/>
-          </a:xfrm>
-          <a:prstGeom prst="rect">
-            <a:avLst/>
-          </a:prstGeom>
-          <a:noFill/>
-        </p:spPr>
-        <p:txBody>
-          <a:bodyPr wrap="square" rtlCol="0">
-            <a:spAutoFit/>
-          </a:bodyPr>
-          <a:lstStyle/>
-          <a:p>
-            <a:pPr algn="ctr"/>
-            <a:r>
-              <a:rPr lang="en-US" altLang="ko-KR" sz="1050" b="1" dirty="0">
-                <a:latin typeface="+mn-ea"/>
-                <a:ea typeface="+mj-ea"/>
-              </a:rPr>
-              <a:t>2025-03 ~ 2025-07</a:t>
-            </a:r>
-          </a:p>
-        </p:txBody>
-      </p:sp>
-      <p:sp>
-        <p:nvSpPr>
-          <p:cNvPr id="45" name="TextBox 44">
-            <a:extLst>
-              <a:ext uri="{FF2B5EF4-FFF2-40B4-BE49-F238E27FC236}">
-                <a16:creationId xmlns:a16="http://schemas.microsoft.com/office/drawing/2014/main" id="{73B7FC1D-785D-631E-ED60-E94AF92A9DAF}"/>
-              </a:ext>
-            </a:extLst>
-          </p:cNvPr>
-          <p:cNvSpPr txBox="1"/>
-          <p:nvPr/>
-        </p:nvSpPr>
-        <p:spPr>
-          <a:xfrm>
-            <a:off x="9524534" y="1489024"/>
-            <a:ext cx="1739905" cy="253916"/>
-          </a:xfrm>
-          <a:prstGeom prst="rect">
-            <a:avLst/>
-          </a:prstGeom>
-          <a:noFill/>
-        </p:spPr>
-        <p:txBody>
-          <a:bodyPr wrap="square" rtlCol="0">
-            <a:spAutoFit/>
-          </a:bodyPr>
-          <a:lstStyle/>
-          <a:p>
-            <a:pPr algn="ctr"/>
-            <a:r>
-              <a:rPr lang="en-US" altLang="ko-KR" sz="1050" b="1" dirty="0">
-                <a:latin typeface="+mn-ea"/>
-                <a:ea typeface="+mj-ea"/>
-              </a:rPr>
-              <a:t>2025-08 ~</a:t>
-            </a:r>
-          </a:p>
-        </p:txBody>
-      </p:sp>
-      <p:cxnSp>
-        <p:nvCxnSpPr>
-          <p:cNvPr id="3" name="직선 연결선 2">
-            <a:extLst>
-              <a:ext uri="{FF2B5EF4-FFF2-40B4-BE49-F238E27FC236}">
-                <a16:creationId xmlns:a16="http://schemas.microsoft.com/office/drawing/2014/main" id="{E2ECBBB7-9038-F8B1-1835-E1AB86864BA2}"/>
-              </a:ext>
-            </a:extLst>
-          </p:cNvPr>
-          <p:cNvCxnSpPr/>
-          <p:nvPr/>
-        </p:nvCxnSpPr>
-        <p:spPr>
-          <a:xfrm>
-            <a:off x="5174191" y="1005839"/>
-            <a:ext cx="0" cy="4846322"/>
-          </a:xfrm>
-          <a:prstGeom prst="line">
-            <a:avLst/>
-          </a:prstGeom>
-          <a:ln w="12700">
-            <a:solidFill>
-              <a:schemeClr val="tx1"/>
-            </a:solidFill>
-          </a:ln>
-        </p:spPr>
-        <p:style>
-          <a:lnRef idx="1">
-            <a:schemeClr val="accent1"/>
-          </a:lnRef>
-          <a:fillRef idx="0">
-            <a:schemeClr val="accent1"/>
-          </a:fillRef>
-          <a:effectRef idx="0">
-            <a:schemeClr val="accent1"/>
-          </a:effectRef>
-          <a:fontRef idx="minor">
-            <a:schemeClr val="tx1"/>
-          </a:fontRef>
-        </p:style>
-      </p:cxnSp>
-      <p:sp>
-        <p:nvSpPr>
-          <p:cNvPr id="11" name="사각형: 둥근 모서리 10">
-            <a:extLst>
-              <a:ext uri="{FF2B5EF4-FFF2-40B4-BE49-F238E27FC236}">
-                <a16:creationId xmlns:a16="http://schemas.microsoft.com/office/drawing/2014/main" id="{937A0502-A7A9-3FA2-D434-759156967F4D}"/>
-              </a:ext>
-            </a:extLst>
-          </p:cNvPr>
-          <p:cNvSpPr/>
-          <p:nvPr/>
-        </p:nvSpPr>
-        <p:spPr>
-          <a:xfrm>
-            <a:off x="5269119" y="1835972"/>
-            <a:ext cx="3740894" cy="860727"/>
-          </a:xfrm>
-          <a:prstGeom prst="roundRect">
-            <a:avLst/>
-          </a:prstGeom>
-          <a:solidFill>
-            <a:schemeClr val="bg1">
-              <a:lumMod val="95000"/>
-            </a:schemeClr>
-          </a:solidFill>
-          <a:ln w="28575">
-            <a:solidFill>
-              <a:schemeClr val="bg1">
-                <a:lumMod val="75000"/>
-              </a:schemeClr>
-            </a:solidFill>
-          </a:ln>
-        </p:spPr>
-        <p:style>
-          <a:lnRef idx="2">
-            <a:schemeClr val="accent1">
-              <a:shade val="15000"/>
-            </a:schemeClr>
-          </a:lnRef>
-          <a:fillRef idx="1">
-            <a:schemeClr val="accent1"/>
-          </a:fillRef>
-          <a:effectRef idx="0">
-            <a:schemeClr val="accent1"/>
-          </a:effectRef>
-          <a:fontRef idx="minor">
-            <a:schemeClr val="lt1"/>
-          </a:fontRef>
-        </p:style>
-        <p:txBody>
-          <a:bodyPr rtlCol="0" anchor="ctr"/>
-          <a:lstStyle/>
-          <a:p>
-            <a:pPr algn="ctr">
-              <a:lnSpc>
-                <a:spcPct val="130000"/>
-              </a:lnSpc>
-            </a:pPr>
-            <a:r>
-              <a:rPr lang="ko-KR" altLang="en-US" sz="1600" dirty="0">
-                <a:ln w="6350">
-                  <a:solidFill>
-                    <a:schemeClr val="tx1"/>
-                  </a:solidFill>
-                </a:ln>
-                <a:solidFill>
-                  <a:schemeClr val="tx1"/>
-                </a:solidFill>
-              </a:rPr>
-              <a:t>데이터 파이프라인 구축 및 유지 보수</a:t>
-            </a:r>
-            <a:endParaRPr lang="en-US" altLang="ko-KR" sz="1600" dirty="0">
-              <a:ln w="6350">
-                <a:solidFill>
-                  <a:schemeClr val="tx1"/>
-                </a:solidFill>
-              </a:ln>
-              <a:solidFill>
-                <a:schemeClr val="tx1"/>
-              </a:solidFill>
-            </a:endParaRPr>
-          </a:p>
-        </p:txBody>
-      </p:sp>
-      <p:sp>
-        <p:nvSpPr>
-          <p:cNvPr id="20" name="TextBox 19">
-            <a:extLst>
-              <a:ext uri="{FF2B5EF4-FFF2-40B4-BE49-F238E27FC236}">
-                <a16:creationId xmlns:a16="http://schemas.microsoft.com/office/drawing/2014/main" id="{221A1C58-77BD-31C1-1B3C-6DC8B8BCFD5F}"/>
-              </a:ext>
-            </a:extLst>
-          </p:cNvPr>
-          <p:cNvSpPr txBox="1"/>
-          <p:nvPr/>
-        </p:nvSpPr>
-        <p:spPr>
-          <a:xfrm>
-            <a:off x="5171062" y="3054017"/>
-            <a:ext cx="3932054" cy="279244"/>
-          </a:xfrm>
-          <a:prstGeom prst="rect">
-            <a:avLst/>
-          </a:prstGeom>
-          <a:noFill/>
-        </p:spPr>
-        <p:txBody>
-          <a:bodyPr wrap="square" rtlCol="0" anchor="ctr">
-            <a:spAutoFit/>
-          </a:bodyPr>
-          <a:lstStyle/>
-          <a:p>
-            <a:pPr>
-              <a:lnSpc>
-                <a:spcPct val="130000"/>
-              </a:lnSpc>
-            </a:pPr>
-            <a:r>
-              <a:rPr lang="en-US" altLang="ko-KR" sz="1050" dirty="0">
-                <a:latin typeface="+mn-ea"/>
-              </a:rPr>
-              <a:t>▶Google </a:t>
-            </a:r>
-            <a:r>
-              <a:rPr lang="ko-KR" altLang="en-US" sz="1050" dirty="0">
-                <a:latin typeface="+mn-ea"/>
-              </a:rPr>
-              <a:t>플랫폼 데이터 파이프라인 사용료</a:t>
-            </a:r>
-            <a:endParaRPr lang="en-US" altLang="ko-KR" sz="1050" dirty="0">
-              <a:latin typeface="+mn-ea"/>
-            </a:endParaRPr>
-          </a:p>
-        </p:txBody>
-      </p:sp>
-      <p:sp>
-        <p:nvSpPr>
-          <p:cNvPr id="24" name="사각형: 둥근 모서리 23">
-            <a:extLst>
-              <a:ext uri="{FF2B5EF4-FFF2-40B4-BE49-F238E27FC236}">
-                <a16:creationId xmlns:a16="http://schemas.microsoft.com/office/drawing/2014/main" id="{7BE426EF-E89C-4EC2-0F42-90A43232CEEF}"/>
-              </a:ext>
-            </a:extLst>
-          </p:cNvPr>
-          <p:cNvSpPr/>
-          <p:nvPr/>
-        </p:nvSpPr>
-        <p:spPr>
-          <a:xfrm>
-            <a:off x="9199864" y="1837347"/>
-            <a:ext cx="2579100" cy="860727"/>
-          </a:xfrm>
-          <a:prstGeom prst="roundRect">
-            <a:avLst/>
-          </a:prstGeom>
-          <a:solidFill>
-            <a:schemeClr val="bg1">
-              <a:lumMod val="95000"/>
-            </a:schemeClr>
-          </a:solidFill>
-          <a:ln w="28575">
-            <a:solidFill>
-              <a:schemeClr val="bg1"/>
-            </a:solidFill>
-          </a:ln>
-        </p:spPr>
-        <p:style>
-          <a:lnRef idx="2">
-            <a:schemeClr val="accent1">
-              <a:shade val="15000"/>
-            </a:schemeClr>
-          </a:lnRef>
-          <a:fillRef idx="1">
-            <a:schemeClr val="accent1"/>
-          </a:fillRef>
-          <a:effectRef idx="0">
-            <a:schemeClr val="accent1"/>
-          </a:effectRef>
-          <a:fontRef idx="minor">
-            <a:schemeClr val="lt1"/>
-          </a:fontRef>
-        </p:style>
-        <p:txBody>
-          <a:bodyPr rtlCol="0" anchor="ctr"/>
-          <a:lstStyle/>
-          <a:p>
-            <a:pPr algn="ctr">
-              <a:lnSpc>
-                <a:spcPct val="130000"/>
-              </a:lnSpc>
-            </a:pPr>
-            <a:r>
-              <a:rPr lang="ko-KR" altLang="en-US" sz="1600" dirty="0">
-                <a:ln w="6350">
-                  <a:solidFill>
-                    <a:schemeClr val="tx1"/>
-                  </a:solidFill>
-                </a:ln>
-                <a:solidFill>
-                  <a:schemeClr val="tx1"/>
-                </a:solidFill>
-              </a:rPr>
-              <a:t>외부 </a:t>
-            </a:r>
-            <a:r>
-              <a:rPr lang="en-US" altLang="ko-KR" sz="1600" dirty="0">
-                <a:ln w="6350">
-                  <a:solidFill>
-                    <a:schemeClr val="tx1"/>
-                  </a:solidFill>
-                </a:ln>
-                <a:solidFill>
-                  <a:schemeClr val="tx1"/>
-                </a:solidFill>
-              </a:rPr>
-              <a:t>API </a:t>
-            </a:r>
-            <a:r>
-              <a:rPr lang="ko-KR" altLang="en-US" sz="1600" dirty="0">
-                <a:ln w="6350">
-                  <a:solidFill>
-                    <a:schemeClr val="tx1"/>
-                  </a:solidFill>
-                </a:ln>
-                <a:solidFill>
-                  <a:schemeClr val="tx1"/>
-                </a:solidFill>
-              </a:rPr>
-              <a:t>연동</a:t>
-            </a:r>
-            <a:endParaRPr lang="en-US" altLang="ko-KR" sz="1600" dirty="0">
-              <a:ln w="6350">
-                <a:solidFill>
-                  <a:schemeClr val="tx1"/>
-                </a:solidFill>
-              </a:ln>
-              <a:solidFill>
-                <a:schemeClr val="tx1"/>
-              </a:solidFill>
-            </a:endParaRPr>
-          </a:p>
-        </p:txBody>
-      </p:sp>
-      <p:sp>
-        <p:nvSpPr>
-          <p:cNvPr id="4" name="화살표: 오각형 3">
-            <a:extLst>
-              <a:ext uri="{FF2B5EF4-FFF2-40B4-BE49-F238E27FC236}">
-                <a16:creationId xmlns:a16="http://schemas.microsoft.com/office/drawing/2014/main" id="{0B6F00AD-AB99-7428-528F-0129BEBEFD6F}"/>
-              </a:ext>
-            </a:extLst>
-          </p:cNvPr>
-          <p:cNvSpPr/>
-          <p:nvPr/>
-        </p:nvSpPr>
-        <p:spPr>
-          <a:xfrm>
-            <a:off x="323961" y="5089502"/>
-            <a:ext cx="1620538" cy="756752"/>
-          </a:xfrm>
-          <a:prstGeom prst="homePlate">
-            <a:avLst>
-              <a:gd name="adj" fmla="val 16101"/>
-            </a:avLst>
-          </a:prstGeom>
-          <a:solidFill>
-            <a:srgbClr val="C00000"/>
-          </a:solidFill>
-          <a:ln w="28575">
-            <a:noFill/>
-          </a:ln>
-        </p:spPr>
-        <p:style>
-          <a:lnRef idx="2">
-            <a:schemeClr val="accent1">
-              <a:shade val="15000"/>
-            </a:schemeClr>
-          </a:lnRef>
-          <a:fillRef idx="1">
-            <a:schemeClr val="accent1"/>
-          </a:fillRef>
-          <a:effectRef idx="0">
-            <a:schemeClr val="accent1"/>
-          </a:effectRef>
-          <a:fontRef idx="minor">
-            <a:schemeClr val="lt1"/>
-          </a:fontRef>
-        </p:style>
-        <p:txBody>
-          <a:bodyPr rtlCol="0" anchor="ctr"/>
-          <a:lstStyle/>
-          <a:p>
-            <a:pPr algn="ctr"/>
-            <a:r>
-              <a:rPr lang="en-US" altLang="ko-KR" sz="1500" b="1" dirty="0">
-                <a:solidFill>
-                  <a:schemeClr val="bg1"/>
-                </a:solidFill>
-              </a:rPr>
-              <a:t>Estimated</a:t>
-            </a:r>
-          </a:p>
-          <a:p>
-            <a:pPr algn="ctr"/>
-            <a:r>
-              <a:rPr lang="en-US" altLang="ko-KR" sz="1500" b="1" dirty="0">
-                <a:solidFill>
-                  <a:schemeClr val="bg1"/>
-                </a:solidFill>
-              </a:rPr>
-              <a:t>Required Budget</a:t>
-            </a:r>
-            <a:endParaRPr lang="ko-KR" altLang="en-US" sz="1500" b="1" dirty="0">
-              <a:solidFill>
-                <a:schemeClr val="bg1"/>
-              </a:solidFill>
-            </a:endParaRPr>
-          </a:p>
-        </p:txBody>
-      </p:sp>
-      <p:cxnSp>
-        <p:nvCxnSpPr>
-          <p:cNvPr id="7" name="직선 연결선 6">
-            <a:extLst>
-              <a:ext uri="{FF2B5EF4-FFF2-40B4-BE49-F238E27FC236}">
-                <a16:creationId xmlns:a16="http://schemas.microsoft.com/office/drawing/2014/main" id="{F9F88C33-E15B-7E98-9E8A-690AEBF5FCA6}"/>
-              </a:ext>
-            </a:extLst>
-          </p:cNvPr>
-          <p:cNvCxnSpPr/>
-          <p:nvPr/>
-        </p:nvCxnSpPr>
-        <p:spPr>
-          <a:xfrm>
-            <a:off x="327471" y="5082359"/>
-            <a:ext cx="11366403" cy="0"/>
-          </a:xfrm>
-          <a:prstGeom prst="line">
-            <a:avLst/>
-          </a:prstGeom>
-          <a:ln w="12700">
-            <a:solidFill>
-              <a:schemeClr val="bg1">
-                <a:lumMod val="85000"/>
-              </a:schemeClr>
-            </a:solidFill>
-          </a:ln>
-        </p:spPr>
-        <p:style>
-          <a:lnRef idx="1">
-            <a:schemeClr val="accent1"/>
-          </a:lnRef>
-          <a:fillRef idx="0">
-            <a:schemeClr val="accent1"/>
-          </a:fillRef>
-          <a:effectRef idx="0">
-            <a:schemeClr val="accent1"/>
-          </a:effectRef>
-          <a:fontRef idx="minor">
-            <a:schemeClr val="tx1"/>
-          </a:fontRef>
-        </p:style>
-      </p:cxnSp>
-      <p:sp>
-        <p:nvSpPr>
-          <p:cNvPr id="28" name="TextBox 27">
-            <a:extLst>
-              <a:ext uri="{FF2B5EF4-FFF2-40B4-BE49-F238E27FC236}">
-                <a16:creationId xmlns:a16="http://schemas.microsoft.com/office/drawing/2014/main" id="{F789CC51-277E-56B5-BB3B-F6267B883DFD}"/>
-              </a:ext>
-            </a:extLst>
-          </p:cNvPr>
-          <p:cNvSpPr txBox="1"/>
-          <p:nvPr/>
-        </p:nvSpPr>
-        <p:spPr>
-          <a:xfrm>
-            <a:off x="1992744" y="5199498"/>
-            <a:ext cx="3187773" cy="524246"/>
-          </a:xfrm>
-          <a:prstGeom prst="rect">
-            <a:avLst/>
-          </a:prstGeom>
-          <a:noFill/>
-        </p:spPr>
-        <p:txBody>
-          <a:bodyPr wrap="square" rtlCol="0">
-            <a:spAutoFit/>
-          </a:bodyPr>
-          <a:lstStyle/>
-          <a:p>
-            <a:pPr>
-              <a:lnSpc>
-                <a:spcPct val="150000"/>
-              </a:lnSpc>
-            </a:pPr>
-            <a:r>
-              <a:rPr lang="ko-KR" altLang="en-US" sz="1000" dirty="0">
-                <a:latin typeface="+mn-ea"/>
-                <a:ea typeface="+mj-ea"/>
-              </a:rPr>
-              <a:t>서버 이용료 </a:t>
-            </a:r>
-            <a:r>
-              <a:rPr lang="en-US" altLang="ko-KR" sz="1000" dirty="0">
-                <a:latin typeface="+mn-ea"/>
-                <a:ea typeface="+mj-ea"/>
-              </a:rPr>
-              <a:t>: </a:t>
-            </a:r>
-            <a:r>
-              <a:rPr lang="ko-KR" altLang="en-US" sz="1000" dirty="0">
-                <a:latin typeface="+mn-ea"/>
-                <a:ea typeface="+mj-ea"/>
-              </a:rPr>
-              <a:t>월 약 </a:t>
-            </a:r>
-            <a:r>
-              <a:rPr lang="en-US" altLang="ko-KR" sz="1000" dirty="0">
-                <a:latin typeface="+mn-ea"/>
-                <a:ea typeface="+mj-ea"/>
-              </a:rPr>
-              <a:t>\100,000 </a:t>
-            </a:r>
-            <a:r>
-              <a:rPr lang="ko-KR" altLang="en-US" sz="1000" dirty="0">
-                <a:latin typeface="+mn-ea"/>
-                <a:ea typeface="+mj-ea"/>
-              </a:rPr>
-              <a:t>이하</a:t>
-            </a:r>
-            <a:endParaRPr lang="en-US" altLang="ko-KR" sz="1000" dirty="0">
-              <a:latin typeface="+mn-ea"/>
-              <a:ea typeface="+mj-ea"/>
-            </a:endParaRPr>
-          </a:p>
-          <a:p>
-            <a:pPr>
-              <a:lnSpc>
-                <a:spcPct val="150000"/>
-              </a:lnSpc>
-            </a:pPr>
-            <a:r>
-              <a:rPr lang="en-US" altLang="ko-KR" sz="1000" dirty="0">
-                <a:latin typeface="+mn-ea"/>
-                <a:ea typeface="+mj-ea"/>
-              </a:rPr>
-              <a:t>Naver API </a:t>
-            </a:r>
-            <a:r>
-              <a:rPr lang="ko-KR" altLang="en-US" sz="1000" dirty="0">
-                <a:latin typeface="+mn-ea"/>
-                <a:ea typeface="+mj-ea"/>
-              </a:rPr>
-              <a:t>사용료 </a:t>
-            </a:r>
-            <a:r>
-              <a:rPr lang="en-US" altLang="ko-KR" sz="1000" dirty="0">
-                <a:latin typeface="+mn-ea"/>
-                <a:ea typeface="+mj-ea"/>
-              </a:rPr>
-              <a:t>: </a:t>
-            </a:r>
-            <a:r>
-              <a:rPr lang="ko-KR" altLang="en-US" sz="1000" dirty="0">
-                <a:latin typeface="+mn-ea"/>
-                <a:ea typeface="+mj-ea"/>
-              </a:rPr>
-              <a:t>월 </a:t>
-            </a:r>
-            <a:r>
-              <a:rPr lang="en-US" altLang="ko-KR" sz="1000" dirty="0">
-                <a:latin typeface="+mn-ea"/>
-                <a:ea typeface="+mj-ea"/>
-              </a:rPr>
-              <a:t>\50,000 </a:t>
-            </a:r>
-            <a:r>
-              <a:rPr lang="ko-KR" altLang="en-US" sz="1000" dirty="0">
-                <a:latin typeface="+mn-ea"/>
-                <a:ea typeface="+mj-ea"/>
-              </a:rPr>
-              <a:t>이하</a:t>
-            </a:r>
-            <a:endParaRPr lang="en-US" altLang="ko-KR" sz="1000" dirty="0">
-              <a:latin typeface="+mn-ea"/>
-              <a:ea typeface="+mj-ea"/>
-            </a:endParaRPr>
-          </a:p>
-        </p:txBody>
-      </p:sp>
-      <p:sp>
-        <p:nvSpPr>
-          <p:cNvPr id="29" name="TextBox 28">
-            <a:extLst>
-              <a:ext uri="{FF2B5EF4-FFF2-40B4-BE49-F238E27FC236}">
-                <a16:creationId xmlns:a16="http://schemas.microsoft.com/office/drawing/2014/main" id="{55DCB290-E314-EF63-F416-D2D0D310BBB0}"/>
-              </a:ext>
-            </a:extLst>
-          </p:cNvPr>
-          <p:cNvSpPr txBox="1"/>
-          <p:nvPr/>
-        </p:nvSpPr>
-        <p:spPr>
-          <a:xfrm>
-            <a:off x="9101551" y="3054016"/>
-            <a:ext cx="3932054" cy="279244"/>
-          </a:xfrm>
-          <a:prstGeom prst="rect">
-            <a:avLst/>
-          </a:prstGeom>
-          <a:noFill/>
-        </p:spPr>
-        <p:txBody>
-          <a:bodyPr wrap="square" rtlCol="0" anchor="ctr">
-            <a:spAutoFit/>
-          </a:bodyPr>
-          <a:lstStyle/>
-          <a:p>
-            <a:pPr>
-              <a:lnSpc>
-                <a:spcPct val="130000"/>
-              </a:lnSpc>
-            </a:pPr>
-            <a:r>
-              <a:rPr lang="en-US" altLang="ko-KR" sz="1050" dirty="0">
-                <a:latin typeface="+mn-ea"/>
-              </a:rPr>
-              <a:t>▶AI </a:t>
-            </a:r>
-            <a:r>
-              <a:rPr lang="ko-KR" altLang="en-US" sz="1050" dirty="0">
-                <a:latin typeface="+mn-ea"/>
-              </a:rPr>
-              <a:t>테스트 용 데스크탑</a:t>
-            </a:r>
-            <a:endParaRPr lang="en-US" altLang="ko-KR" sz="1050" dirty="0">
-              <a:latin typeface="+mn-ea"/>
-            </a:endParaRPr>
-          </a:p>
-        </p:txBody>
-      </p:sp>
-      <p:sp>
-        <p:nvSpPr>
-          <p:cNvPr id="31" name="TextBox 30">
-            <a:extLst>
-              <a:ext uri="{FF2B5EF4-FFF2-40B4-BE49-F238E27FC236}">
-                <a16:creationId xmlns:a16="http://schemas.microsoft.com/office/drawing/2014/main" id="{4FA65230-97D6-EEFD-59BA-BD7C55AEEEB8}"/>
-              </a:ext>
-            </a:extLst>
-          </p:cNvPr>
-          <p:cNvSpPr txBox="1"/>
-          <p:nvPr/>
-        </p:nvSpPr>
-        <p:spPr>
-          <a:xfrm>
-            <a:off x="5180517" y="4060648"/>
-            <a:ext cx="3914775" cy="524246"/>
-          </a:xfrm>
-          <a:prstGeom prst="rect">
-            <a:avLst/>
-          </a:prstGeom>
-          <a:noFill/>
-        </p:spPr>
-        <p:txBody>
-          <a:bodyPr wrap="square" rtlCol="0">
-            <a:spAutoFit/>
-          </a:bodyPr>
-          <a:lstStyle/>
-          <a:p>
-            <a:pPr marL="228600" indent="-228600">
-              <a:lnSpc>
-                <a:spcPct val="150000"/>
-              </a:lnSpc>
-              <a:buAutoNum type="arabicParenR"/>
-            </a:pPr>
-            <a:r>
-              <a:rPr lang="ko-KR" altLang="en-US" sz="1000" dirty="0">
-                <a:latin typeface="+mn-ea"/>
-                <a:ea typeface="+mj-ea"/>
-              </a:rPr>
-              <a:t>최대 </a:t>
-            </a:r>
-            <a:r>
-              <a:rPr lang="en-US" altLang="ko-KR" sz="1000" dirty="0">
-                <a:latin typeface="+mn-ea"/>
-                <a:ea typeface="+mj-ea"/>
-              </a:rPr>
-              <a:t>50GB </a:t>
-            </a:r>
-            <a:r>
-              <a:rPr lang="ko-KR" altLang="en-US" sz="1000" dirty="0">
-                <a:latin typeface="+mn-ea"/>
-                <a:ea typeface="+mj-ea"/>
-              </a:rPr>
-              <a:t>데이터 실시간 처리 및 분석 사용</a:t>
-            </a:r>
-            <a:endParaRPr lang="en-US" altLang="ko-KR" sz="1000" dirty="0">
-              <a:latin typeface="+mn-ea"/>
-              <a:ea typeface="+mj-ea"/>
-            </a:endParaRPr>
-          </a:p>
-          <a:p>
-            <a:pPr marL="228600" indent="-228600">
-              <a:lnSpc>
-                <a:spcPct val="150000"/>
-              </a:lnSpc>
-              <a:buAutoNum type="arabicParenR"/>
-            </a:pPr>
-            <a:r>
-              <a:rPr lang="ko-KR" altLang="en-US" sz="1000" dirty="0">
-                <a:latin typeface="+mn-ea"/>
-                <a:ea typeface="+mj-ea"/>
-              </a:rPr>
-              <a:t>누적되는 데이터 보관용 </a:t>
-            </a:r>
-            <a:r>
-              <a:rPr lang="en-US" altLang="ko-KR" sz="1000" dirty="0" err="1">
-                <a:latin typeface="+mn-ea"/>
-                <a:ea typeface="+mj-ea"/>
-              </a:rPr>
-              <a:t>DataWareHouse</a:t>
-            </a:r>
-            <a:r>
-              <a:rPr lang="en-US" altLang="ko-KR" sz="1000" dirty="0">
-                <a:latin typeface="+mn-ea"/>
-                <a:ea typeface="+mj-ea"/>
-              </a:rPr>
-              <a:t> </a:t>
-            </a:r>
-            <a:r>
-              <a:rPr lang="ko-KR" altLang="en-US" sz="1000" dirty="0">
-                <a:latin typeface="+mn-ea"/>
-                <a:ea typeface="+mj-ea"/>
-              </a:rPr>
-              <a:t>사용</a:t>
-            </a:r>
-            <a:endParaRPr lang="en-US" altLang="ko-KR" sz="1000" dirty="0">
-              <a:latin typeface="+mn-ea"/>
-              <a:ea typeface="+mj-ea"/>
-            </a:endParaRPr>
-          </a:p>
-        </p:txBody>
-      </p:sp>
-      <p:sp>
-        <p:nvSpPr>
-          <p:cNvPr id="33" name="TextBox 32">
-            <a:extLst>
-              <a:ext uri="{FF2B5EF4-FFF2-40B4-BE49-F238E27FC236}">
-                <a16:creationId xmlns:a16="http://schemas.microsoft.com/office/drawing/2014/main" id="{55B1C94A-5C2C-2A11-3EA4-83490A17B800}"/>
-              </a:ext>
-            </a:extLst>
-          </p:cNvPr>
-          <p:cNvSpPr txBox="1"/>
-          <p:nvPr/>
-        </p:nvSpPr>
-        <p:spPr>
-          <a:xfrm>
-            <a:off x="9118830" y="4061207"/>
-            <a:ext cx="3914775" cy="524246"/>
-          </a:xfrm>
-          <a:prstGeom prst="rect">
-            <a:avLst/>
-          </a:prstGeom>
-          <a:noFill/>
-        </p:spPr>
-        <p:txBody>
-          <a:bodyPr wrap="square" rtlCol="0">
-            <a:spAutoFit/>
-          </a:bodyPr>
-          <a:lstStyle/>
-          <a:p>
-            <a:pPr marL="228600" indent="-228600">
-              <a:lnSpc>
-                <a:spcPct val="150000"/>
-              </a:lnSpc>
-              <a:buAutoNum type="arabicParenR"/>
-            </a:pPr>
-            <a:r>
-              <a:rPr lang="ko-KR" altLang="en-US" sz="1000" dirty="0">
-                <a:latin typeface="+mn-ea"/>
-                <a:ea typeface="+mj-ea"/>
-              </a:rPr>
-              <a:t>타플랫폼 연동 데이터 입력 생성 수정 자동화</a:t>
-            </a:r>
-            <a:endParaRPr lang="en-US" altLang="ko-KR" sz="1000" dirty="0">
-              <a:latin typeface="+mn-ea"/>
-              <a:ea typeface="+mj-ea"/>
-            </a:endParaRPr>
-          </a:p>
-          <a:p>
-            <a:pPr marL="228600" indent="-228600">
-              <a:lnSpc>
-                <a:spcPct val="150000"/>
-              </a:lnSpc>
-              <a:buAutoNum type="arabicParenR"/>
-            </a:pPr>
-            <a:r>
-              <a:rPr lang="en-US" altLang="ko-KR" sz="1000" dirty="0">
-                <a:latin typeface="+mn-ea"/>
-                <a:ea typeface="+mj-ea"/>
-              </a:rPr>
-              <a:t>AI</a:t>
-            </a:r>
-            <a:r>
-              <a:rPr lang="ko-KR" altLang="en-US" sz="1000" dirty="0">
-                <a:latin typeface="+mn-ea"/>
-                <a:ea typeface="+mj-ea"/>
-              </a:rPr>
-              <a:t> 학습 기반 배차 추천 알고리즘 개발 </a:t>
-            </a:r>
-            <a:endParaRPr lang="en-US" altLang="ko-KR" sz="1000" dirty="0">
-              <a:latin typeface="+mn-ea"/>
-              <a:ea typeface="+mj-ea"/>
-            </a:endParaRPr>
-          </a:p>
-        </p:txBody>
-      </p:sp>
-      <p:sp>
-        <p:nvSpPr>
-          <p:cNvPr id="35" name="TextBox 34">
-            <a:extLst>
-              <a:ext uri="{FF2B5EF4-FFF2-40B4-BE49-F238E27FC236}">
-                <a16:creationId xmlns:a16="http://schemas.microsoft.com/office/drawing/2014/main" id="{E0F9E716-2924-A428-8ADC-EE838A980658}"/>
-              </a:ext>
-            </a:extLst>
-          </p:cNvPr>
-          <p:cNvSpPr txBox="1"/>
-          <p:nvPr/>
-        </p:nvSpPr>
-        <p:spPr>
-          <a:xfrm>
-            <a:off x="5158218" y="5206610"/>
-            <a:ext cx="3187773" cy="293414"/>
-          </a:xfrm>
-          <a:prstGeom prst="rect">
-            <a:avLst/>
-          </a:prstGeom>
-          <a:noFill/>
-        </p:spPr>
-        <p:txBody>
-          <a:bodyPr wrap="square" rtlCol="0">
-            <a:spAutoFit/>
-          </a:bodyPr>
-          <a:lstStyle/>
-          <a:p>
-            <a:pPr>
-              <a:lnSpc>
-                <a:spcPct val="150000"/>
-              </a:lnSpc>
-            </a:pPr>
-            <a:r>
-              <a:rPr lang="ko-KR" altLang="en-US" sz="1000" dirty="0">
-                <a:latin typeface="+mn-ea"/>
-                <a:ea typeface="+mj-ea"/>
-              </a:rPr>
-              <a:t>파이프라인 인프라 이용료 </a:t>
-            </a:r>
-            <a:r>
-              <a:rPr lang="en-US" altLang="ko-KR" sz="1000" dirty="0">
-                <a:latin typeface="+mn-ea"/>
-                <a:ea typeface="+mj-ea"/>
-              </a:rPr>
-              <a:t>: </a:t>
-            </a:r>
-            <a:r>
-              <a:rPr lang="ko-KR" altLang="en-US" sz="1000" dirty="0">
-                <a:latin typeface="+mn-ea"/>
-                <a:ea typeface="+mj-ea"/>
-              </a:rPr>
-              <a:t>월 약 </a:t>
-            </a:r>
-            <a:r>
-              <a:rPr lang="en-US" altLang="ko-KR" sz="1000" dirty="0">
-                <a:latin typeface="+mn-ea"/>
-                <a:ea typeface="+mj-ea"/>
-              </a:rPr>
-              <a:t>\150,000 </a:t>
-            </a:r>
-            <a:r>
-              <a:rPr lang="ko-KR" altLang="en-US" sz="1000" dirty="0">
-                <a:latin typeface="+mn-ea"/>
-                <a:ea typeface="+mj-ea"/>
-              </a:rPr>
-              <a:t>이하</a:t>
-            </a:r>
-            <a:endParaRPr lang="en-US" altLang="ko-KR" sz="1000" dirty="0">
-              <a:latin typeface="+mn-ea"/>
-              <a:ea typeface="+mj-ea"/>
-            </a:endParaRPr>
-          </a:p>
-        </p:txBody>
-      </p:sp>
-    </p:spTree>
-    <p:extLst>
-      <p:ext uri="{BB962C8B-B14F-4D97-AF65-F5344CB8AC3E}">
-        <p14:creationId xmlns:p14="http://schemas.microsoft.com/office/powerpoint/2010/main" val="3118372281"/>
       </p:ext>
     </p:extLst>
   </p:cSld>
@@ -7001,6 +4802,34 @@
 </file>
 
 <file path=customXml/item1.xml><?xml version="1.0" encoding="utf-8"?>
+<p:properties xmlns:p="http://schemas.microsoft.com/office/2006/metadata/properties" xmlns:xsi="http://www.w3.org/2001/XMLSchema-instance" xmlns:pc="http://schemas.microsoft.com/office/infopath/2007/PartnerControls">
+  <documentManagement>
+    <Person_x0028_s_x0029__x0020_Responsible_x0020_for_x0020_Policy xmlns="2da9f8d1-1481-480d-b29c-d5b1cf054a28" xsi:nil="true"/>
+    <Policy_x0020_Type xmlns="2da9f8d1-1481-480d-b29c-d5b1cf054a28">Policy</Policy_x0020_Type>
+    <Policy_x0020_Enforcement_x0020_Date xmlns="2da9f8d1-1481-480d-b29c-d5b1cf054a28" xsi:nil="true"/>
+    <Policy_x0020_Status xmlns="2da9f8d1-1481-480d-b29c-d5b1cf054a28">Enforced</Policy_x0020_Status>
+    <Policy_x0020_Ref xmlns="2da9f8d1-1481-480d-b29c-d5b1cf054a28" xsi:nil="true"/>
+    <Policy_x0020_Approved_x0020_By xmlns="2da9f8d1-1481-480d-b29c-d5b1cf054a28" xsi:nil="true"/>
+    <Policy_x0020_Version xmlns="2da9f8d1-1481-480d-b29c-d5b1cf054a28" xsi:nil="true"/>
+    <Policy_x0020_Drafted_x0020_By xmlns="2da9f8d1-1481-480d-b29c-d5b1cf054a28" xsi:nil="true"/>
+    <lcf76f155ced4ddcb4097134ff3c332f xmlns="89bae1a4-8361-4828-90ec-a3360a876cdf">
+      <Terms xmlns="http://schemas.microsoft.com/office/infopath/2007/PartnerControls"/>
+    </lcf76f155ced4ddcb4097134ff3c332f>
+    <TaxCatchAll xmlns="2da9f8d1-1481-480d-b29c-d5b1cf054a28" xsi:nil="true"/>
+  </documentManagement>
+</p:properties>
+</file>
+
+<file path=customXml/item2.xml><?xml version="1.0" encoding="utf-8"?>
+<?mso-contentType ?>
+<FormTemplates xmlns="http://schemas.microsoft.com/sharepoint/v3/contenttype/forms">
+  <Display>DocumentLibraryForm</Display>
+  <Edit>DocumentLibraryForm</Edit>
+  <New>DocumentLibraryForm</New>
+</FormTemplates>
+</file>
+
+<file path=customXml/item3.xml><?xml version="1.0" encoding="utf-8"?>
 <ct:contentTypeSchema xmlns:ct="http://schemas.microsoft.com/office/2006/metadata/contentType" xmlns:ma="http://schemas.microsoft.com/office/2006/metadata/properties/metaAttributes" ct:_="" ma:_="" ma:contentTypeName="Document" ma:contentTypeID="0x010100822459439BA4514C84702488D0E006BA" ma:contentTypeVersion="26" ma:contentTypeDescription="Create a new document." ma:contentTypeScope="" ma:versionID="1adb099fd56db279984540ccda29e0d1">
   <xsd:schema xmlns:xsd="http://www.w3.org/2001/XMLSchema" xmlns:xs="http://www.w3.org/2001/XMLSchema" xmlns:p="http://schemas.microsoft.com/office/2006/metadata/properties" xmlns:ns2="89bae1a4-8361-4828-90ec-a3360a876cdf" xmlns:ns3="2da9f8d1-1481-480d-b29c-d5b1cf054a28" targetNamespace="http://schemas.microsoft.com/office/2006/metadata/properties" ma:root="true" ma:fieldsID="d64d8535f64baee22c4ab121384eb1bc" ns2:_="" ns3:_="">
     <xsd:import namespace="89bae1a4-8361-4828-90ec-a3360a876cdf"/>
@@ -7300,35 +5129,26 @@
 </ct:contentTypeSchema>
 </file>
 
-<file path=customXml/item2.xml><?xml version="1.0" encoding="utf-8"?>
-<?mso-contentType ?>
-<FormTemplates xmlns="http://schemas.microsoft.com/sharepoint/v3/contenttype/forms">
-  <Display>DocumentLibraryForm</Display>
-  <Edit>DocumentLibraryForm</Edit>
-  <New>DocumentLibraryForm</New>
-</FormTemplates>
+<file path=customXml/itemProps1.xml><?xml version="1.0" encoding="utf-8"?>
+<ds:datastoreItem xmlns:ds="http://schemas.openxmlformats.org/officeDocument/2006/customXml" ds:itemID="{6D3890D1-0804-4983-A8E2-EED5DCFD2DB2}">
+  <ds:schemaRefs>
+    <ds:schemaRef ds:uri="http://schemas.microsoft.com/office/2006/metadata/properties"/>
+    <ds:schemaRef ds:uri="http://schemas.microsoft.com/office/infopath/2007/PartnerControls"/>
+    <ds:schemaRef ds:uri="2da9f8d1-1481-480d-b29c-d5b1cf054a28"/>
+    <ds:schemaRef ds:uri="89bae1a4-8361-4828-90ec-a3360a876cdf"/>
+  </ds:schemaRefs>
+</ds:datastoreItem>
 </file>
 
-<file path=customXml/item3.xml><?xml version="1.0" encoding="utf-8"?>
-<p:properties xmlns:p="http://schemas.microsoft.com/office/2006/metadata/properties" xmlns:xsi="http://www.w3.org/2001/XMLSchema-instance" xmlns:pc="http://schemas.microsoft.com/office/infopath/2007/PartnerControls">
-  <documentManagement>
-    <Person_x0028_s_x0029__x0020_Responsible_x0020_for_x0020_Policy xmlns="2da9f8d1-1481-480d-b29c-d5b1cf054a28" xsi:nil="true"/>
-    <Policy_x0020_Type xmlns="2da9f8d1-1481-480d-b29c-d5b1cf054a28">Policy</Policy_x0020_Type>
-    <Policy_x0020_Enforcement_x0020_Date xmlns="2da9f8d1-1481-480d-b29c-d5b1cf054a28" xsi:nil="true"/>
-    <Policy_x0020_Status xmlns="2da9f8d1-1481-480d-b29c-d5b1cf054a28">Enforced</Policy_x0020_Status>
-    <Policy_x0020_Ref xmlns="2da9f8d1-1481-480d-b29c-d5b1cf054a28" xsi:nil="true"/>
-    <Policy_x0020_Approved_x0020_By xmlns="2da9f8d1-1481-480d-b29c-d5b1cf054a28" xsi:nil="true"/>
-    <Policy_x0020_Version xmlns="2da9f8d1-1481-480d-b29c-d5b1cf054a28" xsi:nil="true"/>
-    <Policy_x0020_Drafted_x0020_By xmlns="2da9f8d1-1481-480d-b29c-d5b1cf054a28" xsi:nil="true"/>
-    <lcf76f155ced4ddcb4097134ff3c332f xmlns="89bae1a4-8361-4828-90ec-a3360a876cdf">
-      <Terms xmlns="http://schemas.microsoft.com/office/infopath/2007/PartnerControls"/>
-    </lcf76f155ced4ddcb4097134ff3c332f>
-    <TaxCatchAll xmlns="2da9f8d1-1481-480d-b29c-d5b1cf054a28" xsi:nil="true"/>
-  </documentManagement>
-</p:properties>
+<file path=customXml/itemProps2.xml><?xml version="1.0" encoding="utf-8"?>
+<ds:datastoreItem xmlns:ds="http://schemas.openxmlformats.org/officeDocument/2006/customXml" ds:itemID="{8A6625D8-3E01-4B34-86DB-ED400E79EF4F}">
+  <ds:schemaRefs>
+    <ds:schemaRef ds:uri="http://schemas.microsoft.com/sharepoint/v3/contenttype/forms"/>
+  </ds:schemaRefs>
+</ds:datastoreItem>
 </file>
 
-<file path=customXml/itemProps1.xml><?xml version="1.0" encoding="utf-8"?>
+<file path=customXml/itemProps3.xml><?xml version="1.0" encoding="utf-8"?>
 <ds:datastoreItem xmlns:ds="http://schemas.openxmlformats.org/officeDocument/2006/customXml" ds:itemID="{0B2FBBFA-7C2A-452B-AD67-D78617A449D5}">
   <ds:schemaRefs>
     <ds:schemaRef ds:uri="http://schemas.microsoft.com/office/2006/metadata/contentType"/>
@@ -7345,23 +5165,4 @@
     <ds:schemaRef ds:uri="http://schemas.microsoft.com/internal/obd"/>
   </ds:schemaRefs>
 </ds:datastoreItem>
-</file>
-
-<file path=customXml/itemProps2.xml><?xml version="1.0" encoding="utf-8"?>
-<ds:datastoreItem xmlns:ds="http://schemas.openxmlformats.org/officeDocument/2006/customXml" ds:itemID="{8A6625D8-3E01-4B34-86DB-ED400E79EF4F}">
-  <ds:schemaRefs>
-    <ds:schemaRef ds:uri="http://schemas.microsoft.com/sharepoint/v3/contenttype/forms"/>
-  </ds:schemaRefs>
-</ds:datastoreItem>
-</file>
-
-<file path=customXml/itemProps3.xml><?xml version="1.0" encoding="utf-8"?>
-<ds:datastoreItem xmlns:ds="http://schemas.openxmlformats.org/officeDocument/2006/customXml" ds:itemID="{6D3890D1-0804-4983-A8E2-EED5DCFD2DB2}">
-  <ds:schemaRefs>
-    <ds:schemaRef ds:uri="http://schemas.microsoft.com/office/2006/metadata/properties"/>
-    <ds:schemaRef ds:uri="http://schemas.microsoft.com/office/infopath/2007/PartnerControls"/>
-    <ds:schemaRef ds:uri="2da9f8d1-1481-480d-b29c-d5b1cf054a28"/>
-    <ds:schemaRef ds:uri="89bae1a4-8361-4828-90ec-a3360a876cdf"/>
-  </ds:schemaRefs>
-</ds:datastoreItem>
 </file>
--- a/doc/TWLKR Dispatch Dashboard Project.pptx
+++ b/doc/TWLKR Dispatch Dashboard Project.pptx
@@ -5,10 +5,12 @@
     <p:sldMasterId id="2147483648" r:id="rId4"/>
   </p:sldMasterIdLst>
   <p:notesMasterIdLst>
-    <p:notesMasterId r:id="rId6"/>
+    <p:notesMasterId r:id="rId8"/>
   </p:notesMasterIdLst>
   <p:sldIdLst>
-    <p:sldId id="328" r:id="rId5"/>
+    <p:sldId id="330" r:id="rId5"/>
+    <p:sldId id="328" r:id="rId6"/>
+    <p:sldId id="329" r:id="rId7"/>
   </p:sldIdLst>
   <p:sldSz cx="12192000" cy="6858000"/>
   <p:notesSz cx="6858000" cy="9144000"/>
@@ -215,7 +217,7 @@
           <a:p>
             <a:fld id="{0F0BC9CE-E396-7D47-8BEB-ABE07771CFD4}" type="datetimeFigureOut">
               <a:rPr lang="en-US" smtClean="0"/>
-              <a:t>2/26/2025</a:t>
+              <a:t>5/16/2025</a:t>
             </a:fld>
             <a:endParaRPr lang="en-US"/>
           </a:p>
@@ -1865,7 +1867,7 @@
         <p:cNvPr id="1" name="">
           <a:extLst>
             <a:ext uri="{FF2B5EF4-FFF2-40B4-BE49-F238E27FC236}">
-              <a16:creationId xmlns:a16="http://schemas.microsoft.com/office/drawing/2014/main" id="{16C8BBCC-543A-1AD5-75EC-E3F5291402FB}"/>
+              <a16:creationId xmlns:a16="http://schemas.microsoft.com/office/drawing/2014/main" id="{06B51734-8A96-3A6D-2B7D-27F8387B47C1}"/>
             </a:ext>
           </a:extLst>
         </p:cNvPr>
@@ -1885,7 +1887,7 @@
           <p:cNvPr id="16" name="직사각형 15">
             <a:extLst>
               <a:ext uri="{FF2B5EF4-FFF2-40B4-BE49-F238E27FC236}">
-                <a16:creationId xmlns:a16="http://schemas.microsoft.com/office/drawing/2014/main" id="{B60A7B4E-8B9F-F908-6991-88A7CC7AFDA3}"/>
+                <a16:creationId xmlns:a16="http://schemas.microsoft.com/office/drawing/2014/main" id="{FE952B32-52B4-1ED3-2F25-5FC7AB91A090}"/>
               </a:ext>
             </a:extLst>
           </p:cNvPr>
@@ -1958,7 +1960,7 @@
           <p:cNvPr id="2" name="Slide Number Placeholder 1">
             <a:extLst>
               <a:ext uri="{FF2B5EF4-FFF2-40B4-BE49-F238E27FC236}">
-                <a16:creationId xmlns:a16="http://schemas.microsoft.com/office/drawing/2014/main" id="{B020EDE2-AA5C-4738-B167-41258446A4AF}"/>
+                <a16:creationId xmlns:a16="http://schemas.microsoft.com/office/drawing/2014/main" id="{5FBE3F9F-35F2-FDF6-7935-A9283482AF87}"/>
               </a:ext>
             </a:extLst>
           </p:cNvPr>
@@ -1992,7 +1994,7 @@
           <p:cNvPr id="5" name="Footer Placeholder 4">
             <a:extLst>
               <a:ext uri="{FF2B5EF4-FFF2-40B4-BE49-F238E27FC236}">
-                <a16:creationId xmlns:a16="http://schemas.microsoft.com/office/drawing/2014/main" id="{5851727D-72A0-0ACB-B257-0978924903BC}"/>
+                <a16:creationId xmlns:a16="http://schemas.microsoft.com/office/drawing/2014/main" id="{7F05AE48-872B-30A6-9906-F4B8C4F4E9CF}"/>
               </a:ext>
             </a:extLst>
           </p:cNvPr>
@@ -2020,7 +2022,7 @@
           <p:cNvPr id="6" name="Text Placeholder 5">
             <a:extLst>
               <a:ext uri="{FF2B5EF4-FFF2-40B4-BE49-F238E27FC236}">
-                <a16:creationId xmlns:a16="http://schemas.microsoft.com/office/drawing/2014/main" id="{310199AB-D935-C65F-97D9-49A395E48983}"/>
+                <a16:creationId xmlns:a16="http://schemas.microsoft.com/office/drawing/2014/main" id="{106EFC99-5A3C-23BD-484D-8C99EC6BADFF}"/>
               </a:ext>
             </a:extLst>
           </p:cNvPr>
@@ -2045,7 +2047,7 @@
           <p:cNvPr id="14" name="Title 3">
             <a:extLst>
               <a:ext uri="{FF2B5EF4-FFF2-40B4-BE49-F238E27FC236}">
-                <a16:creationId xmlns:a16="http://schemas.microsoft.com/office/drawing/2014/main" id="{BB9D6E42-93E9-3990-2144-AB2E7A915E13}"/>
+                <a16:creationId xmlns:a16="http://schemas.microsoft.com/office/drawing/2014/main" id="{260520FC-6AD2-5C44-BCB9-4A17D727F429}"/>
               </a:ext>
             </a:extLst>
           </p:cNvPr>
@@ -2111,7 +2113,7 @@
           <p:cNvPr id="8" name="화살표: 오각형 7">
             <a:extLst>
               <a:ext uri="{FF2B5EF4-FFF2-40B4-BE49-F238E27FC236}">
-                <a16:creationId xmlns:a16="http://schemas.microsoft.com/office/drawing/2014/main" id="{C4A0D9C7-7B81-5E23-8E86-83A6F4BABC31}"/>
+                <a16:creationId xmlns:a16="http://schemas.microsoft.com/office/drawing/2014/main" id="{EC2ACE2C-346E-60F6-3471-DA9FA2A111A5}"/>
               </a:ext>
             </a:extLst>
           </p:cNvPr>
@@ -2179,7 +2181,7 @@
           <p:cNvPr id="9" name="화살표: 오각형 8">
             <a:extLst>
               <a:ext uri="{FF2B5EF4-FFF2-40B4-BE49-F238E27FC236}">
-                <a16:creationId xmlns:a16="http://schemas.microsoft.com/office/drawing/2014/main" id="{91B8A9CE-7FA6-F121-C195-649C5C429A8B}"/>
+                <a16:creationId xmlns:a16="http://schemas.microsoft.com/office/drawing/2014/main" id="{495B63CB-321C-EE79-DFD5-56514DF037D0}"/>
               </a:ext>
             </a:extLst>
           </p:cNvPr>
@@ -2247,7 +2249,7 @@
           <p:cNvPr id="10" name="화살표: 오각형 9">
             <a:extLst>
               <a:ext uri="{FF2B5EF4-FFF2-40B4-BE49-F238E27FC236}">
-                <a16:creationId xmlns:a16="http://schemas.microsoft.com/office/drawing/2014/main" id="{5EE49A40-4A75-5C6A-B619-41F0ED31C4D2}"/>
+                <a16:creationId xmlns:a16="http://schemas.microsoft.com/office/drawing/2014/main" id="{80B2761C-FF72-0372-E03B-B729296B0086}"/>
               </a:ext>
             </a:extLst>
           </p:cNvPr>
@@ -2313,7 +2315,7 @@
           <p:cNvPr id="12" name="화살표: 오각형 11">
             <a:extLst>
               <a:ext uri="{FF2B5EF4-FFF2-40B4-BE49-F238E27FC236}">
-                <a16:creationId xmlns:a16="http://schemas.microsoft.com/office/drawing/2014/main" id="{C7012101-B02D-0C97-7839-978EE00BF42E}"/>
+                <a16:creationId xmlns:a16="http://schemas.microsoft.com/office/drawing/2014/main" id="{D4F2902A-B9DE-D68C-E5FB-88518CC0F136}"/>
               </a:ext>
             </a:extLst>
           </p:cNvPr>
@@ -2379,7 +2381,7 @@
           <p:cNvPr id="15" name="화살표: 오각형 14">
             <a:extLst>
               <a:ext uri="{FF2B5EF4-FFF2-40B4-BE49-F238E27FC236}">
-                <a16:creationId xmlns:a16="http://schemas.microsoft.com/office/drawing/2014/main" id="{15FE77D0-EA5D-D4A6-75E0-C9F24DD006B0}"/>
+                <a16:creationId xmlns:a16="http://schemas.microsoft.com/office/drawing/2014/main" id="{2F973828-D8A2-CAEA-E01B-AD4D05474A58}"/>
               </a:ext>
             </a:extLst>
           </p:cNvPr>
@@ -2467,7 +2469,7 @@
           <p:cNvPr id="17" name="사각형: 둥근 모서리 16">
             <a:extLst>
               <a:ext uri="{FF2B5EF4-FFF2-40B4-BE49-F238E27FC236}">
-                <a16:creationId xmlns:a16="http://schemas.microsoft.com/office/drawing/2014/main" id="{306ED67E-A533-E5E8-62C1-D60F23780BCD}"/>
+                <a16:creationId xmlns:a16="http://schemas.microsoft.com/office/drawing/2014/main" id="{700E9534-8766-9801-A3BB-662EAD09F654}"/>
               </a:ext>
             </a:extLst>
           </p:cNvPr>
@@ -2551,7 +2553,7 @@
           <p:cNvPr id="21" name="직선 연결선 20">
             <a:extLst>
               <a:ext uri="{FF2B5EF4-FFF2-40B4-BE49-F238E27FC236}">
-                <a16:creationId xmlns:a16="http://schemas.microsoft.com/office/drawing/2014/main" id="{11F076FC-7C41-C666-60A2-AC9574C30ED0}"/>
+                <a16:creationId xmlns:a16="http://schemas.microsoft.com/office/drawing/2014/main" id="{ED1D0359-38C2-D825-5B3A-D61B884B12ED}"/>
               </a:ext>
             </a:extLst>
           </p:cNvPr>
@@ -2594,7 +2596,7 @@
           <p:cNvPr id="22" name="직선 연결선 21">
             <a:extLst>
               <a:ext uri="{FF2B5EF4-FFF2-40B4-BE49-F238E27FC236}">
-                <a16:creationId xmlns:a16="http://schemas.microsoft.com/office/drawing/2014/main" id="{3E920108-9A0D-8DBC-AF0F-06365945F642}"/>
+                <a16:creationId xmlns:a16="http://schemas.microsoft.com/office/drawing/2014/main" id="{87598A78-1A6C-0864-BF81-D7ABC01F6465}"/>
               </a:ext>
             </a:extLst>
           </p:cNvPr>
@@ -2637,7 +2639,7 @@
           <p:cNvPr id="23" name="직선 연결선 22">
             <a:extLst>
               <a:ext uri="{FF2B5EF4-FFF2-40B4-BE49-F238E27FC236}">
-                <a16:creationId xmlns:a16="http://schemas.microsoft.com/office/drawing/2014/main" id="{763C0E63-CD76-667A-4DA3-1B5F1CED8742}"/>
+                <a16:creationId xmlns:a16="http://schemas.microsoft.com/office/drawing/2014/main" id="{8C160B79-5743-650F-36C2-C9E79473FBC8}"/>
               </a:ext>
             </a:extLst>
           </p:cNvPr>
@@ -2680,7 +2682,7 @@
           <p:cNvPr id="25" name="직선 연결선 24">
             <a:extLst>
               <a:ext uri="{FF2B5EF4-FFF2-40B4-BE49-F238E27FC236}">
-                <a16:creationId xmlns:a16="http://schemas.microsoft.com/office/drawing/2014/main" id="{2339C6D2-DB8B-0C25-EA0E-FE6920D9B932}"/>
+                <a16:creationId xmlns:a16="http://schemas.microsoft.com/office/drawing/2014/main" id="{30C23B8B-5B8E-0910-2E1E-72ABBADB789C}"/>
               </a:ext>
             </a:extLst>
           </p:cNvPr>
@@ -2721,7 +2723,7 @@
           <p:cNvPr id="30" name="TextBox 29">
             <a:extLst>
               <a:ext uri="{FF2B5EF4-FFF2-40B4-BE49-F238E27FC236}">
-                <a16:creationId xmlns:a16="http://schemas.microsoft.com/office/drawing/2014/main" id="{2B96831A-1654-B178-ED0F-4C062DC64812}"/>
+                <a16:creationId xmlns:a16="http://schemas.microsoft.com/office/drawing/2014/main" id="{CC016958-1150-97EB-EBAE-E00714343EE3}"/>
               </a:ext>
             </a:extLst>
           </p:cNvPr>
@@ -2846,7 +2848,7 @@
           <p:cNvPr id="32" name="TextBox 31">
             <a:extLst>
               <a:ext uri="{FF2B5EF4-FFF2-40B4-BE49-F238E27FC236}">
-                <a16:creationId xmlns:a16="http://schemas.microsoft.com/office/drawing/2014/main" id="{89963FB9-DD41-BA6A-9051-71F0B320D361}"/>
+                <a16:creationId xmlns:a16="http://schemas.microsoft.com/office/drawing/2014/main" id="{95C073E3-4F44-8787-D04A-553F35076CAB}"/>
               </a:ext>
             </a:extLst>
           </p:cNvPr>
@@ -3055,7 +3057,7 @@
           <p:cNvPr id="37" name="화살표: 오각형 36">
             <a:extLst>
               <a:ext uri="{FF2B5EF4-FFF2-40B4-BE49-F238E27FC236}">
-                <a16:creationId xmlns:a16="http://schemas.microsoft.com/office/drawing/2014/main" id="{56F15168-B510-6DE4-2910-C7429AC92BD6}"/>
+                <a16:creationId xmlns:a16="http://schemas.microsoft.com/office/drawing/2014/main" id="{AB1159AD-6E7E-ABDC-80EF-23B0D09F3FA5}"/>
               </a:ext>
             </a:extLst>
           </p:cNvPr>
@@ -3121,7 +3123,7 @@
           <p:cNvPr id="38" name="직선 연결선 37">
             <a:extLst>
               <a:ext uri="{FF2B5EF4-FFF2-40B4-BE49-F238E27FC236}">
-                <a16:creationId xmlns:a16="http://schemas.microsoft.com/office/drawing/2014/main" id="{5B069D8A-117C-5C44-7601-B3480470F19A}"/>
+                <a16:creationId xmlns:a16="http://schemas.microsoft.com/office/drawing/2014/main" id="{C618A0DF-94E0-6A0B-9C2A-A6F02091E51E}"/>
               </a:ext>
             </a:extLst>
           </p:cNvPr>
@@ -3162,7 +3164,7 @@
           <p:cNvPr id="40" name="TextBox 39">
             <a:extLst>
               <a:ext uri="{FF2B5EF4-FFF2-40B4-BE49-F238E27FC236}">
-                <a16:creationId xmlns:a16="http://schemas.microsoft.com/office/drawing/2014/main" id="{73E13E4D-ABDF-E046-44CE-75CE2A35AB22}"/>
+                <a16:creationId xmlns:a16="http://schemas.microsoft.com/office/drawing/2014/main" id="{B006B799-D3F9-6C5D-A61B-4150EE1525BC}"/>
               </a:ext>
             </a:extLst>
           </p:cNvPr>
@@ -3172,7 +3174,7 @@
         <p:spPr>
           <a:xfrm>
             <a:off x="9180915" y="2777049"/>
-            <a:ext cx="2503122" cy="1046440"/>
+            <a:ext cx="2503122" cy="518091"/>
           </a:xfrm>
           <a:prstGeom prst="rect">
             <a:avLst/>
@@ -3276,80 +3278,6 @@
               <a:latin typeface="+mn-ea"/>
             </a:endParaRPr>
           </a:p>
-          <a:p>
-            <a:pPr>
-              <a:spcBef>
-                <a:spcPts val="500"/>
-              </a:spcBef>
-              <a:spcAft>
-                <a:spcPts val="300"/>
-              </a:spcAft>
-            </a:pPr>
-            <a:r>
-              <a:rPr lang="en-US" altLang="ko-KR" sz="1050" dirty="0">
-                <a:latin typeface="+mn-ea"/>
-              </a:rPr>
-              <a:t>▶ </a:t>
-            </a:r>
-            <a:r>
-              <a:rPr lang="en-US" altLang="ko-KR" sz="1050" dirty="0" err="1">
-                <a:latin typeface="+mn-ea"/>
-              </a:rPr>
-              <a:t>Detrack</a:t>
-            </a:r>
-            <a:r>
-              <a:rPr lang="en-US" altLang="ko-KR" sz="1050" dirty="0">
-                <a:latin typeface="+mn-ea"/>
-              </a:rPr>
-              <a:t> </a:t>
-            </a:r>
-            <a:r>
-              <a:rPr lang="ko-KR" altLang="en-US" sz="1050" dirty="0">
-                <a:latin typeface="+mn-ea"/>
-              </a:rPr>
-              <a:t>시스템과 </a:t>
-            </a:r>
-            <a:r>
-              <a:rPr lang="en-US" altLang="ko-KR" sz="1050" dirty="0">
-                <a:latin typeface="+mn-ea"/>
-              </a:rPr>
-              <a:t>API </a:t>
-            </a:r>
-            <a:r>
-              <a:rPr lang="ko-KR" altLang="en-US" sz="1050" dirty="0">
-                <a:latin typeface="+mn-ea"/>
-              </a:rPr>
-              <a:t>연동</a:t>
-            </a:r>
-            <a:endParaRPr lang="en-US" altLang="ko-KR" sz="500" dirty="0">
-              <a:latin typeface="+mn-ea"/>
-            </a:endParaRPr>
-          </a:p>
-          <a:p>
-            <a:pPr>
-              <a:spcBef>
-                <a:spcPts val="500"/>
-              </a:spcBef>
-              <a:spcAft>
-                <a:spcPts val="300"/>
-              </a:spcAft>
-            </a:pPr>
-            <a:r>
-              <a:rPr lang="en-US" altLang="ko-KR" sz="1050" dirty="0">
-                <a:latin typeface="+mn-ea"/>
-              </a:rPr>
-              <a:t>▶ AI </a:t>
-            </a:r>
-            <a:r>
-              <a:rPr lang="ko-KR" altLang="en-US" sz="1050" dirty="0">
-                <a:latin typeface="+mn-ea"/>
-              </a:rPr>
-              <a:t>기반 배차 시스템</a:t>
-            </a:r>
-            <a:endParaRPr lang="en-US" altLang="ko-KR" sz="1050" dirty="0">
-              <a:latin typeface="+mn-ea"/>
-            </a:endParaRPr>
-          </a:p>
         </p:txBody>
       </p:sp>
       <p:sp>
@@ -3357,7 +3285,7 @@
           <p:cNvPr id="41" name="TextBox 40">
             <a:extLst>
               <a:ext uri="{FF2B5EF4-FFF2-40B4-BE49-F238E27FC236}">
-                <a16:creationId xmlns:a16="http://schemas.microsoft.com/office/drawing/2014/main" id="{05F303CA-6979-35FE-DF70-4CC70F9046E3}"/>
+                <a16:creationId xmlns:a16="http://schemas.microsoft.com/office/drawing/2014/main" id="{21951F39-7470-47CF-0B90-EA0AC722837C}"/>
               </a:ext>
             </a:extLst>
           </p:cNvPr>
@@ -3367,7 +3295,7 @@
         <p:spPr>
           <a:xfrm>
             <a:off x="9180914" y="4059678"/>
-            <a:ext cx="2503121" cy="890821"/>
+            <a:ext cx="2503121" cy="545855"/>
           </a:xfrm>
           <a:prstGeom prst="rect">
             <a:avLst/>
@@ -3453,38 +3381,6 @@
               <a:ea typeface="+mj-ea"/>
             </a:endParaRPr>
           </a:p>
-          <a:p>
-            <a:pPr marL="228600" indent="-228600">
-              <a:lnSpc>
-                <a:spcPct val="150000"/>
-              </a:lnSpc>
-              <a:spcBef>
-                <a:spcPts val="500"/>
-              </a:spcBef>
-              <a:spcAft>
-                <a:spcPts val="300"/>
-              </a:spcAft>
-              <a:buAutoNum type="arabicParenR"/>
-            </a:pPr>
-            <a:r>
-              <a:rPr lang="en-US" altLang="ko-KR" sz="1050" dirty="0">
-                <a:latin typeface="+mn-ea"/>
-                <a:ea typeface="+mj-ea"/>
-              </a:rPr>
-              <a:t>AI </a:t>
-            </a:r>
-            <a:r>
-              <a:rPr lang="ko-KR" altLang="en-US" sz="1050" dirty="0">
-                <a:latin typeface="+mn-ea"/>
-                <a:ea typeface="+mj-ea"/>
-              </a:rPr>
-              <a:t>기반 배차 시스템 개발 및 적용</a:t>
-            </a:r>
-            <a:endParaRPr lang="en-US" altLang="ko-KR" sz="1050" dirty="0">
-              <a:latin typeface="+mn-ea"/>
-              <a:ea typeface="+mj-ea"/>
-            </a:endParaRPr>
-          </a:p>
         </p:txBody>
       </p:sp>
       <p:sp>
@@ -3492,7 +3388,7 @@
           <p:cNvPr id="42" name="TextBox 41">
             <a:extLst>
               <a:ext uri="{FF2B5EF4-FFF2-40B4-BE49-F238E27FC236}">
-                <a16:creationId xmlns:a16="http://schemas.microsoft.com/office/drawing/2014/main" id="{9D3FD754-49DE-9E63-B60B-B042E7C9BC72}"/>
+                <a16:creationId xmlns:a16="http://schemas.microsoft.com/office/drawing/2014/main" id="{5448E844-80A6-D116-8E17-D8209DB30557}"/>
               </a:ext>
             </a:extLst>
           </p:cNvPr>
@@ -3521,7 +3417,7 @@
                 <a:latin typeface="+mn-ea"/>
                 <a:ea typeface="+mj-ea"/>
               </a:rPr>
-              <a:t>2025-01 ~ 2025-03</a:t>
+              <a:t>2025-01 ~ 2025-05</a:t>
             </a:r>
           </a:p>
         </p:txBody>
@@ -3531,7 +3427,7 @@
           <p:cNvPr id="44" name="TextBox 43">
             <a:extLst>
               <a:ext uri="{FF2B5EF4-FFF2-40B4-BE49-F238E27FC236}">
-                <a16:creationId xmlns:a16="http://schemas.microsoft.com/office/drawing/2014/main" id="{BA5CAB41-3EE6-BEA2-8576-7E82009BE901}"/>
+                <a16:creationId xmlns:a16="http://schemas.microsoft.com/office/drawing/2014/main" id="{2793C079-A897-FAE0-BF6F-AA7109AFA0CB}"/>
               </a:ext>
             </a:extLst>
           </p:cNvPr>
@@ -3556,11 +3452,18 @@
           <a:p>
             <a:pPr algn="ctr"/>
             <a:r>
+              <a:rPr lang="en-US" altLang="ko-KR" sz="1050" b="1">
+                <a:latin typeface="+mn-ea"/>
+                <a:ea typeface="+mj-ea"/>
+              </a:rPr>
+              <a:t>2025-05 </a:t>
+            </a:r>
+            <a:r>
               <a:rPr lang="en-US" altLang="ko-KR" sz="1050" b="1" dirty="0">
                 <a:latin typeface="+mn-ea"/>
                 <a:ea typeface="+mj-ea"/>
               </a:rPr>
-              <a:t>2025-03 ~ 2025-07</a:t>
+              <a:t>~ 2025-08</a:t>
             </a:r>
           </a:p>
         </p:txBody>
@@ -3570,7 +3473,7 @@
           <p:cNvPr id="45" name="TextBox 44">
             <a:extLst>
               <a:ext uri="{FF2B5EF4-FFF2-40B4-BE49-F238E27FC236}">
-                <a16:creationId xmlns:a16="http://schemas.microsoft.com/office/drawing/2014/main" id="{B220B825-9B2B-D836-3837-3AFE9C0C6F28}"/>
+                <a16:creationId xmlns:a16="http://schemas.microsoft.com/office/drawing/2014/main" id="{DD6EA3E7-CBA6-3D53-BE00-3E58D0574825}"/>
               </a:ext>
             </a:extLst>
           </p:cNvPr>
@@ -3599,7 +3502,7 @@
                 <a:latin typeface="+mn-ea"/>
                 <a:ea typeface="+mj-ea"/>
               </a:rPr>
-              <a:t>2025-08 ~</a:t>
+              <a:t>2025-09 ~</a:t>
             </a:r>
           </a:p>
         </p:txBody>
@@ -3609,7 +3512,7 @@
           <p:cNvPr id="3" name="직선 연결선 2">
             <a:extLst>
               <a:ext uri="{FF2B5EF4-FFF2-40B4-BE49-F238E27FC236}">
-                <a16:creationId xmlns:a16="http://schemas.microsoft.com/office/drawing/2014/main" id="{11BAF070-BD5E-F8F1-C172-F9E76D0E4F97}"/>
+                <a16:creationId xmlns:a16="http://schemas.microsoft.com/office/drawing/2014/main" id="{8F36E434-F9FA-7E01-F199-30D4CBF25C7A}"/>
               </a:ext>
             </a:extLst>
           </p:cNvPr>
@@ -3650,7 +3553,7 @@
           <p:cNvPr id="11" name="사각형: 둥근 모서리 10">
             <a:extLst>
               <a:ext uri="{FF2B5EF4-FFF2-40B4-BE49-F238E27FC236}">
-                <a16:creationId xmlns:a16="http://schemas.microsoft.com/office/drawing/2014/main" id="{59945370-FA73-F452-6B5D-197786EDE8EC}"/>
+                <a16:creationId xmlns:a16="http://schemas.microsoft.com/office/drawing/2014/main" id="{C3529C83-F598-57D6-1008-B05E7B76B40F}"/>
               </a:ext>
             </a:extLst>
           </p:cNvPr>
@@ -3734,7 +3637,7 @@
           <p:cNvPr id="20" name="TextBox 19">
             <a:extLst>
               <a:ext uri="{FF2B5EF4-FFF2-40B4-BE49-F238E27FC236}">
-                <a16:creationId xmlns:a16="http://schemas.microsoft.com/office/drawing/2014/main" id="{6ACF17B4-CCF9-6278-F368-5FFD1E50584E}"/>
+                <a16:creationId xmlns:a16="http://schemas.microsoft.com/office/drawing/2014/main" id="{8FE11ACF-3B30-F9E3-BD2C-D8AEF55B947D}"/>
               </a:ext>
             </a:extLst>
           </p:cNvPr>
@@ -3887,7 +3790,7 @@
           <p:cNvPr id="24" name="사각형: 둥근 모서리 23">
             <a:extLst>
               <a:ext uri="{FF2B5EF4-FFF2-40B4-BE49-F238E27FC236}">
-                <a16:creationId xmlns:a16="http://schemas.microsoft.com/office/drawing/2014/main" id="{EA15D034-A4FB-C754-8244-B1A9D7F66791}"/>
+                <a16:creationId xmlns:a16="http://schemas.microsoft.com/office/drawing/2014/main" id="{57129B1A-A9EF-1578-35E0-4350226C62BD}"/>
               </a:ext>
             </a:extLst>
           </p:cNvPr>
@@ -3995,7 +3898,7 @@
           <p:cNvPr id="27" name="TextBox 26">
             <a:extLst>
               <a:ext uri="{FF2B5EF4-FFF2-40B4-BE49-F238E27FC236}">
-                <a16:creationId xmlns:a16="http://schemas.microsoft.com/office/drawing/2014/main" id="{DEC41844-FA0C-62DE-BB5A-38BD30E8E398}"/>
+                <a16:creationId xmlns:a16="http://schemas.microsoft.com/office/drawing/2014/main" id="{45E6939E-06B5-B958-1559-9F12C70221BF}"/>
               </a:ext>
             </a:extLst>
           </p:cNvPr>
@@ -4164,7 +4067,4443 @@
     </p:spTree>
     <p:extLst>
       <p:ext uri="{BB962C8B-B14F-4D97-AF65-F5344CB8AC3E}">
+        <p14:creationId xmlns:p14="http://schemas.microsoft.com/office/powerpoint/2010/main" val="3800385404"/>
+      </p:ext>
+    </p:extLst>
+  </p:cSld>
+  <p:clrMapOvr>
+    <a:masterClrMapping/>
+  </p:clrMapOvr>
+</p:sld>
+</file>
+
+<file path=ppt/slides/slide2.xml><?xml version="1.0" encoding="utf-8"?>
+<p:sld xmlns:a="http://schemas.openxmlformats.org/drawingml/2006/main" xmlns:r="http://schemas.openxmlformats.org/officeDocument/2006/relationships" xmlns:p="http://schemas.openxmlformats.org/presentationml/2006/main">
+  <p:cSld>
+    <p:spTree>
+      <p:nvGrpSpPr>
+        <p:cNvPr id="1" name="">
+          <a:extLst>
+            <a:ext uri="{FF2B5EF4-FFF2-40B4-BE49-F238E27FC236}">
+              <a16:creationId xmlns:a16="http://schemas.microsoft.com/office/drawing/2014/main" id="{16C8BBCC-543A-1AD5-75EC-E3F5291402FB}"/>
+            </a:ext>
+          </a:extLst>
+        </p:cNvPr>
+        <p:cNvGrpSpPr/>
+        <p:nvPr/>
+      </p:nvGrpSpPr>
+      <p:grpSpPr>
+        <a:xfrm>
+          <a:off x="0" y="0"/>
+          <a:ext cx="0" cy="0"/>
+          <a:chOff x="0" y="0"/>
+          <a:chExt cx="0" cy="0"/>
+        </a:xfrm>
+      </p:grpSpPr>
+      <p:sp>
+        <p:nvSpPr>
+          <p:cNvPr id="16" name="직사각형 15">
+            <a:extLst>
+              <a:ext uri="{FF2B5EF4-FFF2-40B4-BE49-F238E27FC236}">
+                <a16:creationId xmlns:a16="http://schemas.microsoft.com/office/drawing/2014/main" id="{B60A7B4E-8B9F-F908-6991-88A7CC7AFDA3}"/>
+              </a:ext>
+            </a:extLst>
+          </p:cNvPr>
+          <p:cNvSpPr/>
+          <p:nvPr/>
+        </p:nvSpPr>
+        <p:spPr>
+          <a:xfrm>
+            <a:off x="0" y="1"/>
+            <a:ext cx="12192000" cy="548640"/>
+          </a:xfrm>
+          <a:prstGeom prst="rect">
+            <a:avLst/>
+          </a:prstGeom>
+          <a:gradFill flip="none" rotWithShape="1">
+            <a:gsLst>
+              <a:gs pos="0">
+                <a:srgbClr val="E2211C">
+                  <a:shade val="30000"/>
+                  <a:satMod val="115000"/>
+                </a:srgbClr>
+              </a:gs>
+              <a:gs pos="50000">
+                <a:srgbClr val="E2211C">
+                  <a:shade val="67500"/>
+                  <a:satMod val="115000"/>
+                </a:srgbClr>
+              </a:gs>
+              <a:gs pos="100000">
+                <a:srgbClr val="E2211C">
+                  <a:shade val="100000"/>
+                  <a:satMod val="115000"/>
+                </a:srgbClr>
+              </a:gs>
+            </a:gsLst>
+            <a:lin ang="0" scaled="1"/>
+            <a:tileRect/>
+          </a:gradFill>
+          <a:ln>
+            <a:noFill/>
+          </a:ln>
+        </p:spPr>
+        <p:style>
+          <a:lnRef idx="2">
+            <a:schemeClr val="accent1">
+              <a:shade val="15000"/>
+            </a:schemeClr>
+          </a:lnRef>
+          <a:fillRef idx="1">
+            <a:schemeClr val="accent1"/>
+          </a:fillRef>
+          <a:effectRef idx="0">
+            <a:schemeClr val="accent1"/>
+          </a:effectRef>
+          <a:fontRef idx="minor">
+            <a:schemeClr val="lt1"/>
+          </a:fontRef>
+        </p:style>
+        <p:txBody>
+          <a:bodyPr rtlCol="0" anchor="ctr"/>
+          <a:lstStyle/>
+          <a:p>
+            <a:pPr algn="ctr"/>
+            <a:endParaRPr lang="ko-KR" altLang="en-US"/>
+          </a:p>
+        </p:txBody>
+      </p:sp>
+      <p:sp>
+        <p:nvSpPr>
+          <p:cNvPr id="2" name="Slide Number Placeholder 1">
+            <a:extLst>
+              <a:ext uri="{FF2B5EF4-FFF2-40B4-BE49-F238E27FC236}">
+                <a16:creationId xmlns:a16="http://schemas.microsoft.com/office/drawing/2014/main" id="{B020EDE2-AA5C-4738-B167-41258446A4AF}"/>
+              </a:ext>
+            </a:extLst>
+          </p:cNvPr>
+          <p:cNvSpPr>
+            <a:spLocks noGrp="1"/>
+          </p:cNvSpPr>
+          <p:nvPr>
+            <p:ph type="sldNum" sz="quarter" idx="11"/>
+          </p:nvPr>
+        </p:nvSpPr>
+        <p:spPr/>
+        <p:txBody>
+          <a:bodyPr/>
+          <a:lstStyle/>
+          <a:p>
+            <a:r>
+              <a:rPr lang="en-US" dirty="0"/>
+              <a:t>/</a:t>
+            </a:r>
+            <a:fld id="{97A5328F-FB68-C941-9722-B8E8F85A3DA3}" type="slidenum">
+              <a:rPr lang="en-US" smtClean="0"/>
+              <a:pPr/>
+              <a:t>2</a:t>
+            </a:fld>
+            <a:endParaRPr lang="en-US" dirty="0"/>
+          </a:p>
+        </p:txBody>
+      </p:sp>
+      <p:sp>
+        <p:nvSpPr>
+          <p:cNvPr id="5" name="Footer Placeholder 4">
+            <a:extLst>
+              <a:ext uri="{FF2B5EF4-FFF2-40B4-BE49-F238E27FC236}">
+                <a16:creationId xmlns:a16="http://schemas.microsoft.com/office/drawing/2014/main" id="{5851727D-72A0-0ACB-B257-0978924903BC}"/>
+              </a:ext>
+            </a:extLst>
+          </p:cNvPr>
+          <p:cNvSpPr>
+            <a:spLocks noGrp="1"/>
+          </p:cNvSpPr>
+          <p:nvPr>
+            <p:ph type="ftr" sz="quarter" idx="10"/>
+          </p:nvPr>
+        </p:nvSpPr>
+        <p:spPr/>
+        <p:txBody>
+          <a:bodyPr/>
+          <a:lstStyle/>
+          <a:p>
+            <a:r>
+              <a:rPr lang="en-US" dirty="0"/>
+              <a:t>© Teckwah 2023. Restricted Information</a:t>
+            </a:r>
+          </a:p>
+        </p:txBody>
+      </p:sp>
+      <p:sp>
+        <p:nvSpPr>
+          <p:cNvPr id="6" name="Text Placeholder 5">
+            <a:extLst>
+              <a:ext uri="{FF2B5EF4-FFF2-40B4-BE49-F238E27FC236}">
+                <a16:creationId xmlns:a16="http://schemas.microsoft.com/office/drawing/2014/main" id="{310199AB-D935-C65F-97D9-49A395E48983}"/>
+              </a:ext>
+            </a:extLst>
+          </p:cNvPr>
+          <p:cNvSpPr>
+            <a:spLocks noGrp="1"/>
+          </p:cNvSpPr>
+          <p:nvPr>
+            <p:ph type="body" sz="quarter" idx="12"/>
+          </p:nvPr>
+        </p:nvSpPr>
+        <p:spPr/>
+        <p:txBody>
+          <a:bodyPr/>
+          <a:lstStyle/>
+          <a:p>
+            <a:endParaRPr lang="en-SG"/>
+          </a:p>
+        </p:txBody>
+      </p:sp>
+      <p:sp>
+        <p:nvSpPr>
+          <p:cNvPr id="14" name="Title 3">
+            <a:extLst>
+              <a:ext uri="{FF2B5EF4-FFF2-40B4-BE49-F238E27FC236}">
+                <a16:creationId xmlns:a16="http://schemas.microsoft.com/office/drawing/2014/main" id="{BB9D6E42-93E9-3990-2144-AB2E7A915E13}"/>
+              </a:ext>
+            </a:extLst>
+          </p:cNvPr>
+          <p:cNvSpPr>
+            <a:spLocks noGrp="1"/>
+          </p:cNvSpPr>
+          <p:nvPr>
+            <p:ph type="title"/>
+          </p:nvPr>
+        </p:nvSpPr>
+        <p:spPr>
+          <a:xfrm>
+            <a:off x="0" y="0"/>
+            <a:ext cx="12191999" cy="548641"/>
+          </a:xfrm>
+        </p:spPr>
+        <p:txBody>
+          <a:bodyPr/>
+          <a:lstStyle/>
+          <a:p>
+            <a:r>
+              <a:rPr lang="en-SG" dirty="0">
+                <a:solidFill>
+                  <a:schemeClr val="bg1"/>
+                </a:solidFill>
+              </a:rPr>
+              <a:t>1. </a:t>
+            </a:r>
+            <a:r>
+              <a:rPr lang="en-SG" dirty="0" err="1">
+                <a:solidFill>
+                  <a:schemeClr val="bg1"/>
+                </a:solidFill>
+              </a:rPr>
+              <a:t>Teckwah</a:t>
+            </a:r>
+            <a:r>
+              <a:rPr lang="en-SG" dirty="0">
+                <a:solidFill>
+                  <a:schemeClr val="bg1"/>
+                </a:solidFill>
+              </a:rPr>
+              <a:t> KR Dispatch Dashboard Project : </a:t>
+            </a:r>
+            <a:r>
+              <a:rPr lang="en-US" dirty="0" err="1">
+                <a:solidFill>
+                  <a:schemeClr val="bg1"/>
+                </a:solidFill>
+              </a:rPr>
+              <a:t>MileStone</a:t>
+            </a:r>
+            <a:endParaRPr lang="en-SG" dirty="0">
+              <a:solidFill>
+                <a:schemeClr val="bg1"/>
+              </a:solidFill>
+            </a:endParaRPr>
+          </a:p>
+        </p:txBody>
+      </p:sp>
+      <p:sp>
+        <p:nvSpPr>
+          <p:cNvPr id="8" name="화살표: 오각형 7">
+            <a:extLst>
+              <a:ext uri="{FF2B5EF4-FFF2-40B4-BE49-F238E27FC236}">
+                <a16:creationId xmlns:a16="http://schemas.microsoft.com/office/drawing/2014/main" id="{C4A0D9C7-7B81-5E23-8E86-83A6F4BABC31}"/>
+              </a:ext>
+            </a:extLst>
+          </p:cNvPr>
+          <p:cNvSpPr/>
+          <p:nvPr/>
+        </p:nvSpPr>
+        <p:spPr>
+          <a:xfrm>
+            <a:off x="1968624" y="1005839"/>
+            <a:ext cx="3205566" cy="433137"/>
+          </a:xfrm>
+          <a:prstGeom prst="homePlate">
+            <a:avLst>
+              <a:gd name="adj" fmla="val 63487"/>
+            </a:avLst>
+          </a:prstGeom>
+          <a:solidFill>
+            <a:srgbClr val="E2211C">
+              <a:alpha val="70000"/>
+            </a:srgbClr>
+          </a:solidFill>
+          <a:ln w="28575">
+            <a:noFill/>
+          </a:ln>
+        </p:spPr>
+        <p:style>
+          <a:lnRef idx="2">
+            <a:schemeClr val="accent1">
+              <a:shade val="15000"/>
+            </a:schemeClr>
+          </a:lnRef>
+          <a:fillRef idx="1">
+            <a:schemeClr val="accent1"/>
+          </a:fillRef>
+          <a:effectRef idx="0">
+            <a:schemeClr val="accent1"/>
+          </a:effectRef>
+          <a:fontRef idx="minor">
+            <a:schemeClr val="lt1"/>
+          </a:fontRef>
+        </p:style>
+        <p:txBody>
+          <a:bodyPr rtlCol="0" anchor="ctr"/>
+          <a:lstStyle/>
+          <a:p>
+            <a:pPr algn="ctr"/>
+            <a:r>
+              <a:rPr lang="en-US" altLang="ko-KR" sz="2000" b="1" dirty="0">
+                <a:solidFill>
+                  <a:schemeClr val="bg1"/>
+                </a:solidFill>
+              </a:rPr>
+              <a:t>Version 1</a:t>
+            </a:r>
+            <a:endParaRPr lang="ko-KR" altLang="en-US" sz="2000" b="1" dirty="0">
+              <a:solidFill>
+                <a:schemeClr val="bg1"/>
+              </a:solidFill>
+            </a:endParaRPr>
+          </a:p>
+        </p:txBody>
+      </p:sp>
+      <p:sp>
+        <p:nvSpPr>
+          <p:cNvPr id="9" name="화살표: 오각형 8">
+            <a:extLst>
+              <a:ext uri="{FF2B5EF4-FFF2-40B4-BE49-F238E27FC236}">
+                <a16:creationId xmlns:a16="http://schemas.microsoft.com/office/drawing/2014/main" id="{91B8A9CE-7FA6-F121-C195-649C5C429A8B}"/>
+              </a:ext>
+            </a:extLst>
+          </p:cNvPr>
+          <p:cNvSpPr/>
+          <p:nvPr/>
+        </p:nvSpPr>
+        <p:spPr>
+          <a:xfrm>
+            <a:off x="5174191" y="1005839"/>
+            <a:ext cx="3930743" cy="433137"/>
+          </a:xfrm>
+          <a:prstGeom prst="homePlate">
+            <a:avLst>
+              <a:gd name="adj" fmla="val 61728"/>
+            </a:avLst>
+          </a:prstGeom>
+          <a:solidFill>
+            <a:srgbClr val="E2211C">
+              <a:alpha val="70000"/>
+            </a:srgbClr>
+          </a:solidFill>
+          <a:ln w="28575">
+            <a:noFill/>
+          </a:ln>
+        </p:spPr>
+        <p:style>
+          <a:lnRef idx="2">
+            <a:schemeClr val="accent1">
+              <a:shade val="15000"/>
+            </a:schemeClr>
+          </a:lnRef>
+          <a:fillRef idx="1">
+            <a:schemeClr val="accent1"/>
+          </a:fillRef>
+          <a:effectRef idx="0">
+            <a:schemeClr val="accent1"/>
+          </a:effectRef>
+          <a:fontRef idx="minor">
+            <a:schemeClr val="lt1"/>
+          </a:fontRef>
+        </p:style>
+        <p:txBody>
+          <a:bodyPr rtlCol="0" anchor="ctr"/>
+          <a:lstStyle/>
+          <a:p>
+            <a:pPr algn="ctr"/>
+            <a:r>
+              <a:rPr lang="en-US" altLang="ko-KR" sz="2000" b="1" dirty="0">
+                <a:solidFill>
+                  <a:schemeClr val="bg1"/>
+                </a:solidFill>
+              </a:rPr>
+              <a:t>Version 2</a:t>
+            </a:r>
+            <a:endParaRPr lang="ko-KR" altLang="en-US" sz="2000" b="1" dirty="0">
+              <a:solidFill>
+                <a:schemeClr val="bg1"/>
+              </a:solidFill>
+            </a:endParaRPr>
+          </a:p>
+        </p:txBody>
+      </p:sp>
+      <p:sp>
+        <p:nvSpPr>
+          <p:cNvPr id="10" name="화살표: 오각형 9">
+            <a:extLst>
+              <a:ext uri="{FF2B5EF4-FFF2-40B4-BE49-F238E27FC236}">
+                <a16:creationId xmlns:a16="http://schemas.microsoft.com/office/drawing/2014/main" id="{5EE49A40-4A75-5C6A-B619-41F0ED31C4D2}"/>
+              </a:ext>
+            </a:extLst>
+          </p:cNvPr>
+          <p:cNvSpPr/>
+          <p:nvPr/>
+        </p:nvSpPr>
+        <p:spPr>
+          <a:xfrm>
+            <a:off x="317634" y="1790299"/>
+            <a:ext cx="1602742" cy="860727"/>
+          </a:xfrm>
+          <a:prstGeom prst="homePlate">
+            <a:avLst>
+              <a:gd name="adj" fmla="val 27701"/>
+            </a:avLst>
+          </a:prstGeom>
+          <a:solidFill>
+            <a:srgbClr val="C00000"/>
+          </a:solidFill>
+          <a:ln w="28575">
+            <a:noFill/>
+          </a:ln>
+        </p:spPr>
+        <p:style>
+          <a:lnRef idx="2">
+            <a:schemeClr val="accent1">
+              <a:shade val="15000"/>
+            </a:schemeClr>
+          </a:lnRef>
+          <a:fillRef idx="1">
+            <a:schemeClr val="accent1"/>
+          </a:fillRef>
+          <a:effectRef idx="0">
+            <a:schemeClr val="accent1"/>
+          </a:effectRef>
+          <a:fontRef idx="minor">
+            <a:schemeClr val="lt1"/>
+          </a:fontRef>
+        </p:style>
+        <p:txBody>
+          <a:bodyPr rtlCol="0" anchor="ctr"/>
+          <a:lstStyle/>
+          <a:p>
+            <a:pPr algn="ctr"/>
+            <a:r>
+              <a:rPr lang="en-US" altLang="ko-KR" sz="1600" b="1" dirty="0">
+                <a:solidFill>
+                  <a:schemeClr val="bg1"/>
+                </a:solidFill>
+              </a:rPr>
+              <a:t>Topic</a:t>
+            </a:r>
+            <a:endParaRPr lang="ko-KR" altLang="en-US" sz="1600" b="1" dirty="0">
+              <a:solidFill>
+                <a:schemeClr val="bg1"/>
+              </a:solidFill>
+            </a:endParaRPr>
+          </a:p>
+        </p:txBody>
+      </p:sp>
+      <p:sp>
+        <p:nvSpPr>
+          <p:cNvPr id="12" name="화살표: 오각형 11">
+            <a:extLst>
+              <a:ext uri="{FF2B5EF4-FFF2-40B4-BE49-F238E27FC236}">
+                <a16:creationId xmlns:a16="http://schemas.microsoft.com/office/drawing/2014/main" id="{C7012101-B02D-0C97-7839-978EE00BF42E}"/>
+              </a:ext>
+            </a:extLst>
+          </p:cNvPr>
+          <p:cNvSpPr/>
+          <p:nvPr/>
+        </p:nvSpPr>
+        <p:spPr>
+          <a:xfrm>
+            <a:off x="317634" y="2743933"/>
+            <a:ext cx="1620538" cy="1222408"/>
+          </a:xfrm>
+          <a:prstGeom prst="homePlate">
+            <a:avLst>
+              <a:gd name="adj" fmla="val 18504"/>
+            </a:avLst>
+          </a:prstGeom>
+          <a:solidFill>
+            <a:srgbClr val="C00000"/>
+          </a:solidFill>
+          <a:ln w="28575">
+            <a:noFill/>
+          </a:ln>
+        </p:spPr>
+        <p:style>
+          <a:lnRef idx="2">
+            <a:schemeClr val="accent1">
+              <a:shade val="15000"/>
+            </a:schemeClr>
+          </a:lnRef>
+          <a:fillRef idx="1">
+            <a:schemeClr val="accent1"/>
+          </a:fillRef>
+          <a:effectRef idx="0">
+            <a:schemeClr val="accent1"/>
+          </a:effectRef>
+          <a:fontRef idx="minor">
+            <a:schemeClr val="lt1"/>
+          </a:fontRef>
+        </p:style>
+        <p:txBody>
+          <a:bodyPr rtlCol="0" anchor="ctr"/>
+          <a:lstStyle/>
+          <a:p>
+            <a:pPr algn="ctr"/>
+            <a:r>
+              <a:rPr lang="en-US" altLang="ko-KR" sz="1600" b="1" dirty="0">
+                <a:solidFill>
+                  <a:schemeClr val="bg1"/>
+                </a:solidFill>
+              </a:rPr>
+              <a:t>Target</a:t>
+            </a:r>
+            <a:endParaRPr lang="ko-KR" altLang="en-US" sz="1600" b="1" dirty="0">
+              <a:solidFill>
+                <a:schemeClr val="bg1"/>
+              </a:solidFill>
+            </a:endParaRPr>
+          </a:p>
+        </p:txBody>
+      </p:sp>
+      <p:sp>
+        <p:nvSpPr>
+          <p:cNvPr id="15" name="화살표: 오각형 14">
+            <a:extLst>
+              <a:ext uri="{FF2B5EF4-FFF2-40B4-BE49-F238E27FC236}">
+                <a16:creationId xmlns:a16="http://schemas.microsoft.com/office/drawing/2014/main" id="{15FE77D0-EA5D-D4A6-75E0-C9F24DD006B0}"/>
+              </a:ext>
+            </a:extLst>
+          </p:cNvPr>
+          <p:cNvSpPr/>
+          <p:nvPr/>
+        </p:nvSpPr>
+        <p:spPr>
+          <a:xfrm>
+            <a:off x="317634" y="4059248"/>
+            <a:ext cx="1620538" cy="1792913"/>
+          </a:xfrm>
+          <a:prstGeom prst="homePlate">
+            <a:avLst>
+              <a:gd name="adj" fmla="val 16101"/>
+            </a:avLst>
+          </a:prstGeom>
+          <a:solidFill>
+            <a:srgbClr val="C00000"/>
+          </a:solidFill>
+          <a:ln w="28575">
+            <a:noFill/>
+          </a:ln>
+        </p:spPr>
+        <p:style>
+          <a:lnRef idx="2">
+            <a:schemeClr val="accent1">
+              <a:shade val="15000"/>
+            </a:schemeClr>
+          </a:lnRef>
+          <a:fillRef idx="1">
+            <a:schemeClr val="accent1"/>
+          </a:fillRef>
+          <a:effectRef idx="0">
+            <a:schemeClr val="accent1"/>
+          </a:effectRef>
+          <a:fontRef idx="minor">
+            <a:schemeClr val="lt1"/>
+          </a:fontRef>
+        </p:style>
+        <p:txBody>
+          <a:bodyPr rtlCol="0" anchor="ctr"/>
+          <a:lstStyle/>
+          <a:p>
+            <a:pPr algn="ctr"/>
+            <a:r>
+              <a:rPr lang="en-US" altLang="ko-KR" sz="1600" b="1" dirty="0">
+                <a:solidFill>
+                  <a:schemeClr val="bg1"/>
+                </a:solidFill>
+              </a:rPr>
+              <a:t>Output</a:t>
+            </a:r>
+          </a:p>
+          <a:p>
+            <a:pPr algn="ctr"/>
+            <a:r>
+              <a:rPr lang="en-US" altLang="ko-KR" sz="1600" b="1" dirty="0">
+                <a:solidFill>
+                  <a:schemeClr val="bg1"/>
+                </a:solidFill>
+              </a:rPr>
+              <a:t>&amp;</a:t>
+            </a:r>
+          </a:p>
+          <a:p>
+            <a:pPr algn="ctr"/>
+            <a:r>
+              <a:rPr lang="en-US" altLang="ko-KR" sz="1600" b="1" dirty="0">
+                <a:solidFill>
+                  <a:schemeClr val="bg1"/>
+                </a:solidFill>
+              </a:rPr>
+              <a:t>Remark</a:t>
+            </a:r>
+            <a:endParaRPr lang="ko-KR" altLang="en-US" sz="1600" b="1" dirty="0">
+              <a:solidFill>
+                <a:schemeClr val="bg1"/>
+              </a:solidFill>
+            </a:endParaRPr>
+          </a:p>
+        </p:txBody>
+      </p:sp>
+      <p:sp>
+        <p:nvSpPr>
+          <p:cNvPr id="17" name="사각형: 둥근 모서리 16">
+            <a:extLst>
+              <a:ext uri="{FF2B5EF4-FFF2-40B4-BE49-F238E27FC236}">
+                <a16:creationId xmlns:a16="http://schemas.microsoft.com/office/drawing/2014/main" id="{306ED67E-A533-E5E8-62C1-D60F23780BCD}"/>
+              </a:ext>
+            </a:extLst>
+          </p:cNvPr>
+          <p:cNvSpPr/>
+          <p:nvPr/>
+        </p:nvSpPr>
+        <p:spPr>
+          <a:xfrm>
+            <a:off x="2063549" y="1838424"/>
+            <a:ext cx="3015715" cy="860727"/>
+          </a:xfrm>
+          <a:prstGeom prst="roundRect">
+            <a:avLst/>
+          </a:prstGeom>
+          <a:solidFill>
+            <a:schemeClr val="bg1">
+              <a:lumMod val="95000"/>
+            </a:schemeClr>
+          </a:solidFill>
+          <a:ln w="28575">
+            <a:solidFill>
+              <a:schemeClr val="bg1">
+                <a:lumMod val="75000"/>
+              </a:schemeClr>
+            </a:solidFill>
+          </a:ln>
+        </p:spPr>
+        <p:style>
+          <a:lnRef idx="2">
+            <a:schemeClr val="accent1">
+              <a:shade val="15000"/>
+            </a:schemeClr>
+          </a:lnRef>
+          <a:fillRef idx="1">
+            <a:schemeClr val="accent1"/>
+          </a:fillRef>
+          <a:effectRef idx="0">
+            <a:schemeClr val="accent1"/>
+          </a:effectRef>
+          <a:fontRef idx="minor">
+            <a:schemeClr val="lt1"/>
+          </a:fontRef>
+        </p:style>
+        <p:txBody>
+          <a:bodyPr rtlCol="0" anchor="ctr"/>
+          <a:lstStyle/>
+          <a:p>
+            <a:pPr algn="ctr">
+              <a:lnSpc>
+                <a:spcPct val="130000"/>
+              </a:lnSpc>
+            </a:pPr>
+            <a:r>
+              <a:rPr lang="ko-KR" altLang="en-US" sz="1600" dirty="0">
+                <a:ln w="6350">
+                  <a:solidFill>
+                    <a:schemeClr val="tx1"/>
+                  </a:solidFill>
+                </a:ln>
+                <a:solidFill>
+                  <a:schemeClr val="tx1"/>
+                </a:solidFill>
+              </a:rPr>
+              <a:t>기본 웹 페이지 구축</a:t>
+            </a:r>
+            <a:endParaRPr lang="en-US" altLang="ko-KR" sz="1600" dirty="0">
+              <a:ln w="6350">
+                <a:solidFill>
+                  <a:schemeClr val="tx1"/>
+                </a:solidFill>
+              </a:ln>
+              <a:solidFill>
+                <a:schemeClr val="tx1"/>
+              </a:solidFill>
+            </a:endParaRPr>
+          </a:p>
+        </p:txBody>
+      </p:sp>
+      <p:cxnSp>
+        <p:nvCxnSpPr>
+          <p:cNvPr id="21" name="직선 연결선 20">
+            <a:extLst>
+              <a:ext uri="{FF2B5EF4-FFF2-40B4-BE49-F238E27FC236}">
+                <a16:creationId xmlns:a16="http://schemas.microsoft.com/office/drawing/2014/main" id="{11F076FC-7C41-C666-60A2-AC9574C30ED0}"/>
+              </a:ext>
+            </a:extLst>
+          </p:cNvPr>
+          <p:cNvCxnSpPr/>
+          <p:nvPr/>
+        </p:nvCxnSpPr>
+        <p:spPr>
+          <a:xfrm>
+            <a:off x="317634" y="2743933"/>
+            <a:ext cx="11366403" cy="0"/>
+          </a:xfrm>
+          <a:prstGeom prst="line">
+            <a:avLst/>
+          </a:prstGeom>
+          <a:ln w="12700">
+            <a:solidFill>
+              <a:schemeClr val="bg1">
+                <a:lumMod val="85000"/>
+              </a:schemeClr>
+            </a:solidFill>
+          </a:ln>
+        </p:spPr>
+        <p:style>
+          <a:lnRef idx="1">
+            <a:schemeClr val="accent1"/>
+          </a:lnRef>
+          <a:fillRef idx="0">
+            <a:schemeClr val="accent1"/>
+          </a:fillRef>
+          <a:effectRef idx="0">
+            <a:schemeClr val="accent1"/>
+          </a:effectRef>
+          <a:fontRef idx="minor">
+            <a:schemeClr val="tx1"/>
+          </a:fontRef>
+        </p:style>
+      </p:cxnSp>
+      <p:cxnSp>
+        <p:nvCxnSpPr>
+          <p:cNvPr id="22" name="직선 연결선 21">
+            <a:extLst>
+              <a:ext uri="{FF2B5EF4-FFF2-40B4-BE49-F238E27FC236}">
+                <a16:creationId xmlns:a16="http://schemas.microsoft.com/office/drawing/2014/main" id="{3E920108-9A0D-8DBC-AF0F-06365945F642}"/>
+              </a:ext>
+            </a:extLst>
+          </p:cNvPr>
+          <p:cNvCxnSpPr/>
+          <p:nvPr/>
+        </p:nvCxnSpPr>
+        <p:spPr>
+          <a:xfrm>
+            <a:off x="317634" y="1781407"/>
+            <a:ext cx="11366403" cy="0"/>
+          </a:xfrm>
+          <a:prstGeom prst="line">
+            <a:avLst/>
+          </a:prstGeom>
+          <a:ln w="12700">
+            <a:solidFill>
+              <a:schemeClr val="bg1">
+                <a:lumMod val="85000"/>
+              </a:schemeClr>
+            </a:solidFill>
+          </a:ln>
+        </p:spPr>
+        <p:style>
+          <a:lnRef idx="1">
+            <a:schemeClr val="accent1"/>
+          </a:lnRef>
+          <a:fillRef idx="0">
+            <a:schemeClr val="accent1"/>
+          </a:fillRef>
+          <a:effectRef idx="0">
+            <a:schemeClr val="accent1"/>
+          </a:effectRef>
+          <a:fontRef idx="minor">
+            <a:schemeClr val="tx1"/>
+          </a:fontRef>
+        </p:style>
+      </p:cxnSp>
+      <p:cxnSp>
+        <p:nvCxnSpPr>
+          <p:cNvPr id="23" name="직선 연결선 22">
+            <a:extLst>
+              <a:ext uri="{FF2B5EF4-FFF2-40B4-BE49-F238E27FC236}">
+                <a16:creationId xmlns:a16="http://schemas.microsoft.com/office/drawing/2014/main" id="{763C0E63-CD76-667A-4DA3-1B5F1CED8742}"/>
+              </a:ext>
+            </a:extLst>
+          </p:cNvPr>
+          <p:cNvCxnSpPr/>
+          <p:nvPr/>
+        </p:nvCxnSpPr>
+        <p:spPr>
+          <a:xfrm>
+            <a:off x="317634" y="4059248"/>
+            <a:ext cx="11366403" cy="0"/>
+          </a:xfrm>
+          <a:prstGeom prst="line">
+            <a:avLst/>
+          </a:prstGeom>
+          <a:ln w="12700">
+            <a:solidFill>
+              <a:schemeClr val="bg1">
+                <a:lumMod val="85000"/>
+              </a:schemeClr>
+            </a:solidFill>
+          </a:ln>
+        </p:spPr>
+        <p:style>
+          <a:lnRef idx="1">
+            <a:schemeClr val="accent1"/>
+          </a:lnRef>
+          <a:fillRef idx="0">
+            <a:schemeClr val="accent1"/>
+          </a:fillRef>
+          <a:effectRef idx="0">
+            <a:schemeClr val="accent1"/>
+          </a:effectRef>
+          <a:fontRef idx="minor">
+            <a:schemeClr val="tx1"/>
+          </a:fontRef>
+        </p:style>
+      </p:cxnSp>
+      <p:cxnSp>
+        <p:nvCxnSpPr>
+          <p:cNvPr id="25" name="직선 연결선 24">
+            <a:extLst>
+              <a:ext uri="{FF2B5EF4-FFF2-40B4-BE49-F238E27FC236}">
+                <a16:creationId xmlns:a16="http://schemas.microsoft.com/office/drawing/2014/main" id="{2339C6D2-DB8B-0C25-EA0E-FE6920D9B932}"/>
+              </a:ext>
+            </a:extLst>
+          </p:cNvPr>
+          <p:cNvCxnSpPr/>
+          <p:nvPr/>
+        </p:nvCxnSpPr>
+        <p:spPr>
+          <a:xfrm>
+            <a:off x="1968622" y="1005839"/>
+            <a:ext cx="0" cy="4846322"/>
+          </a:xfrm>
+          <a:prstGeom prst="line">
+            <a:avLst/>
+          </a:prstGeom>
+          <a:ln w="12700">
+            <a:solidFill>
+              <a:schemeClr val="tx1"/>
+            </a:solidFill>
+          </a:ln>
+        </p:spPr>
+        <p:style>
+          <a:lnRef idx="1">
+            <a:schemeClr val="accent1"/>
+          </a:lnRef>
+          <a:fillRef idx="0">
+            <a:schemeClr val="accent1"/>
+          </a:fillRef>
+          <a:effectRef idx="0">
+            <a:schemeClr val="accent1"/>
+          </a:effectRef>
+          <a:fontRef idx="minor">
+            <a:schemeClr val="tx1"/>
+          </a:fontRef>
+        </p:style>
+      </p:cxnSp>
+      <p:sp>
+        <p:nvSpPr>
+          <p:cNvPr id="30" name="TextBox 29">
+            <a:extLst>
+              <a:ext uri="{FF2B5EF4-FFF2-40B4-BE49-F238E27FC236}">
+                <a16:creationId xmlns:a16="http://schemas.microsoft.com/office/drawing/2014/main" id="{2B96831A-1654-B178-ED0F-4C062DC64812}"/>
+              </a:ext>
+            </a:extLst>
+          </p:cNvPr>
+          <p:cNvSpPr txBox="1"/>
+          <p:nvPr/>
+        </p:nvSpPr>
+        <p:spPr>
+          <a:xfrm>
+            <a:off x="1981467" y="2777049"/>
+            <a:ext cx="3187773" cy="904543"/>
+          </a:xfrm>
+          <a:prstGeom prst="rect">
+            <a:avLst/>
+          </a:prstGeom>
+          <a:noFill/>
+        </p:spPr>
+        <p:txBody>
+          <a:bodyPr wrap="square" rtlCol="0" anchor="ctr">
+            <a:spAutoFit/>
+          </a:bodyPr>
+          <a:lstStyle/>
+          <a:p>
+            <a:pPr>
+              <a:lnSpc>
+                <a:spcPct val="130000"/>
+              </a:lnSpc>
+              <a:spcBef>
+                <a:spcPts val="500"/>
+              </a:spcBef>
+              <a:spcAft>
+                <a:spcPts val="300"/>
+              </a:spcAft>
+            </a:pPr>
+            <a:r>
+              <a:rPr lang="en-US" altLang="ko-KR" sz="1050" dirty="0">
+                <a:latin typeface="+mn-ea"/>
+              </a:rPr>
+              <a:t>▶ </a:t>
+            </a:r>
+            <a:r>
+              <a:rPr lang="ko-KR" altLang="en-US" sz="1050" dirty="0">
+                <a:latin typeface="+mn-ea"/>
+              </a:rPr>
+              <a:t>배차 대시보드 웹페이지 개발 및 배포</a:t>
+            </a:r>
+            <a:endParaRPr lang="en-US" altLang="ko-KR" sz="500" dirty="0">
+              <a:latin typeface="+mn-ea"/>
+            </a:endParaRPr>
+          </a:p>
+          <a:p>
+            <a:pPr>
+              <a:lnSpc>
+                <a:spcPct val="130000"/>
+              </a:lnSpc>
+              <a:spcBef>
+                <a:spcPts val="500"/>
+              </a:spcBef>
+              <a:spcAft>
+                <a:spcPts val="300"/>
+              </a:spcAft>
+            </a:pPr>
+            <a:r>
+              <a:rPr lang="en-US" altLang="ko-KR" sz="1050" dirty="0">
+                <a:latin typeface="+mn-ea"/>
+              </a:rPr>
+              <a:t>▶ </a:t>
+            </a:r>
+            <a:r>
+              <a:rPr lang="ko-KR" altLang="en-US" sz="1050" dirty="0">
+                <a:latin typeface="+mn-ea"/>
+              </a:rPr>
+              <a:t>필요 데이터 수집 및 서버 </a:t>
+            </a:r>
+            <a:r>
+              <a:rPr lang="en-US" altLang="ko-KR" sz="1050" dirty="0">
+                <a:latin typeface="+mn-ea"/>
+              </a:rPr>
+              <a:t>DB </a:t>
+            </a:r>
+            <a:r>
+              <a:rPr lang="ko-KR" altLang="en-US" sz="1050" dirty="0">
+                <a:latin typeface="+mn-ea"/>
+              </a:rPr>
+              <a:t>데이터 구축</a:t>
+            </a:r>
+            <a:endParaRPr lang="en-US" altLang="ko-KR" sz="500" dirty="0">
+              <a:latin typeface="+mn-ea"/>
+            </a:endParaRPr>
+          </a:p>
+          <a:p>
+            <a:pPr>
+              <a:lnSpc>
+                <a:spcPct val="130000"/>
+              </a:lnSpc>
+              <a:spcBef>
+                <a:spcPts val="500"/>
+              </a:spcBef>
+              <a:spcAft>
+                <a:spcPts val="300"/>
+              </a:spcAft>
+            </a:pPr>
+            <a:r>
+              <a:rPr lang="en-US" altLang="ko-KR" sz="1050" dirty="0">
+                <a:latin typeface="+mn-ea"/>
+              </a:rPr>
+              <a:t>▶ </a:t>
+            </a:r>
+            <a:r>
+              <a:rPr lang="ko-KR" altLang="en-US" sz="1050" dirty="0">
+                <a:latin typeface="+mn-ea"/>
+              </a:rPr>
+              <a:t>서버 효율 및 트래픽 안정화 </a:t>
+            </a:r>
+            <a:endParaRPr lang="en-US" altLang="ko-KR" sz="1050" dirty="0">
+              <a:latin typeface="+mn-ea"/>
+            </a:endParaRPr>
+          </a:p>
+        </p:txBody>
+      </p:sp>
+      <p:sp>
+        <p:nvSpPr>
+          <p:cNvPr id="32" name="TextBox 31">
+            <a:extLst>
+              <a:ext uri="{FF2B5EF4-FFF2-40B4-BE49-F238E27FC236}">
+                <a16:creationId xmlns:a16="http://schemas.microsoft.com/office/drawing/2014/main" id="{89963FB9-DD41-BA6A-9051-71F0B320D361}"/>
+              </a:ext>
+            </a:extLst>
+          </p:cNvPr>
+          <p:cNvSpPr txBox="1"/>
+          <p:nvPr/>
+        </p:nvSpPr>
+        <p:spPr>
+          <a:xfrm>
+            <a:off x="1986418" y="4059678"/>
+            <a:ext cx="3187773" cy="1720536"/>
+          </a:xfrm>
+          <a:prstGeom prst="rect">
+            <a:avLst/>
+          </a:prstGeom>
+          <a:noFill/>
+        </p:spPr>
+        <p:txBody>
+          <a:bodyPr wrap="square" rtlCol="0">
+            <a:spAutoFit/>
+          </a:bodyPr>
+          <a:lstStyle/>
+          <a:p>
+            <a:pPr marL="228600" indent="-228600">
+              <a:lnSpc>
+                <a:spcPct val="150000"/>
+              </a:lnSpc>
+              <a:spcBef>
+                <a:spcPts val="500"/>
+              </a:spcBef>
+              <a:spcAft>
+                <a:spcPts val="300"/>
+              </a:spcAft>
+              <a:buAutoNum type="arabicParenR"/>
+            </a:pPr>
+            <a:r>
+              <a:rPr lang="ko-KR" altLang="en-US" sz="1050" dirty="0">
+                <a:latin typeface="+mn-ea"/>
+                <a:ea typeface="+mj-ea"/>
+              </a:rPr>
+              <a:t>서울 허브에서 이루어지고 있는 </a:t>
+            </a:r>
+            <a:r>
+              <a:rPr lang="en-US" altLang="ko-KR" sz="1050" dirty="0">
+                <a:latin typeface="+mn-ea"/>
+                <a:ea typeface="+mj-ea"/>
+              </a:rPr>
+              <a:t>SBD </a:t>
+            </a:r>
+            <a:r>
+              <a:rPr lang="ko-KR" altLang="en-US" sz="1050" dirty="0">
+                <a:latin typeface="+mn-ea"/>
+                <a:ea typeface="+mj-ea"/>
+              </a:rPr>
+              <a:t>오더 현황 파악</a:t>
+            </a:r>
+            <a:r>
+              <a:rPr lang="en-US" altLang="ko-KR" sz="1050" dirty="0">
+                <a:latin typeface="+mn-ea"/>
+                <a:ea typeface="+mj-ea"/>
+              </a:rPr>
+              <a:t>, </a:t>
+            </a:r>
+            <a:r>
+              <a:rPr lang="ko-KR" altLang="en-US" sz="1050" dirty="0">
+                <a:latin typeface="+mn-ea"/>
+                <a:ea typeface="+mj-ea"/>
+              </a:rPr>
+              <a:t>배송 타입 및 부서별 현황 파악</a:t>
+            </a:r>
+            <a:endParaRPr lang="en-US" altLang="ko-KR" sz="500" dirty="0">
+              <a:latin typeface="+mn-ea"/>
+              <a:ea typeface="+mj-ea"/>
+            </a:endParaRPr>
+          </a:p>
+          <a:p>
+            <a:pPr marL="228600" indent="-228600">
+              <a:lnSpc>
+                <a:spcPct val="150000"/>
+              </a:lnSpc>
+              <a:spcBef>
+                <a:spcPts val="500"/>
+              </a:spcBef>
+              <a:spcAft>
+                <a:spcPts val="300"/>
+              </a:spcAft>
+              <a:buAutoNum type="arabicParenR"/>
+            </a:pPr>
+            <a:r>
+              <a:rPr lang="ko-KR" altLang="en-US" sz="1050" dirty="0">
+                <a:latin typeface="+mn-ea"/>
+                <a:ea typeface="+mj-ea"/>
+              </a:rPr>
+              <a:t>서울 기준 우편번호 데이터 수집 </a:t>
+            </a:r>
+            <a:r>
+              <a:rPr lang="en-US" altLang="ko-KR" sz="1050" dirty="0">
+                <a:latin typeface="+mn-ea"/>
+                <a:ea typeface="+mj-ea"/>
+              </a:rPr>
+              <a:t>             </a:t>
+            </a:r>
+            <a:r>
+              <a:rPr lang="ko-KR" altLang="en-US" sz="1050" dirty="0">
+                <a:latin typeface="+mn-ea"/>
+                <a:ea typeface="+mj-ea"/>
+              </a:rPr>
+              <a:t>거리별 </a:t>
+            </a:r>
+            <a:r>
+              <a:rPr lang="en-US" altLang="ko-KR" sz="1050" dirty="0">
+                <a:latin typeface="+mn-ea"/>
+                <a:ea typeface="+mj-ea"/>
+              </a:rPr>
+              <a:t>DB </a:t>
+            </a:r>
+            <a:r>
+              <a:rPr lang="ko-KR" altLang="en-US" sz="1050" dirty="0">
+                <a:latin typeface="+mn-ea"/>
+                <a:ea typeface="+mj-ea"/>
+              </a:rPr>
+              <a:t>및 </a:t>
+            </a:r>
+            <a:r>
+              <a:rPr lang="en-US" altLang="ko-KR" sz="1050" dirty="0">
+                <a:latin typeface="+mn-ea"/>
+                <a:ea typeface="+mj-ea"/>
+              </a:rPr>
+              <a:t>Billing Distance </a:t>
+            </a:r>
+            <a:r>
+              <a:rPr lang="ko-KR" altLang="en-US" sz="1050" dirty="0">
+                <a:latin typeface="+mn-ea"/>
+                <a:ea typeface="+mj-ea"/>
+              </a:rPr>
+              <a:t>구축</a:t>
+            </a:r>
+            <a:endParaRPr lang="en-US" altLang="ko-KR" sz="1050" dirty="0">
+              <a:latin typeface="+mn-ea"/>
+              <a:ea typeface="+mj-ea"/>
+            </a:endParaRPr>
+          </a:p>
+          <a:p>
+            <a:pPr marL="228600" indent="-228600">
+              <a:lnSpc>
+                <a:spcPct val="150000"/>
+              </a:lnSpc>
+              <a:spcBef>
+                <a:spcPts val="500"/>
+              </a:spcBef>
+              <a:spcAft>
+                <a:spcPts val="300"/>
+              </a:spcAft>
+              <a:buAutoNum type="arabicParenR" startAt="3"/>
+            </a:pPr>
+            <a:r>
+              <a:rPr lang="en-US" altLang="ko-KR" sz="1050" dirty="0">
+                <a:latin typeface="+mn-ea"/>
+                <a:ea typeface="+mj-ea"/>
+              </a:rPr>
+              <a:t>DB </a:t>
+            </a:r>
+            <a:r>
+              <a:rPr lang="ko-KR" altLang="en-US" sz="1050" dirty="0">
+                <a:latin typeface="+mn-ea"/>
+                <a:ea typeface="+mj-ea"/>
+              </a:rPr>
+              <a:t>구축 및 </a:t>
+            </a:r>
+            <a:r>
+              <a:rPr lang="en-US" altLang="ko-KR" sz="1050" dirty="0">
+                <a:latin typeface="+mn-ea"/>
+                <a:ea typeface="+mj-ea"/>
+              </a:rPr>
+              <a:t>Draft Test</a:t>
+            </a:r>
+            <a:r>
+              <a:rPr lang="ko-KR" altLang="en-US" sz="1050" dirty="0">
+                <a:latin typeface="+mn-ea"/>
+                <a:ea typeface="+mj-ea"/>
+              </a:rPr>
+              <a:t>를 통한 서버 </a:t>
+            </a:r>
+            <a:r>
+              <a:rPr lang="en-US" altLang="ko-KR" sz="1050" dirty="0">
+                <a:latin typeface="+mn-ea"/>
+                <a:ea typeface="+mj-ea"/>
+              </a:rPr>
+              <a:t>Capacity </a:t>
+            </a:r>
+            <a:r>
+              <a:rPr lang="ko-KR" altLang="en-US" sz="1050" dirty="0">
+                <a:latin typeface="+mn-ea"/>
+                <a:ea typeface="+mj-ea"/>
+              </a:rPr>
+              <a:t>및 안정성 검토</a:t>
+            </a:r>
+            <a:endParaRPr lang="ko-KR" altLang="en-US" sz="1050" dirty="0">
+              <a:latin typeface="+mj-ea"/>
+              <a:ea typeface="+mj-ea"/>
+            </a:endParaRPr>
+          </a:p>
+        </p:txBody>
+      </p:sp>
+      <p:sp>
+        <p:nvSpPr>
+          <p:cNvPr id="37" name="화살표: 오각형 36">
+            <a:extLst>
+              <a:ext uri="{FF2B5EF4-FFF2-40B4-BE49-F238E27FC236}">
+                <a16:creationId xmlns:a16="http://schemas.microsoft.com/office/drawing/2014/main" id="{56F15168-B510-6DE4-2910-C7429AC92BD6}"/>
+              </a:ext>
+            </a:extLst>
+          </p:cNvPr>
+          <p:cNvSpPr/>
+          <p:nvPr/>
+        </p:nvSpPr>
+        <p:spPr>
+          <a:xfrm>
+            <a:off x="9104938" y="1005839"/>
+            <a:ext cx="2579099" cy="433137"/>
+          </a:xfrm>
+          <a:prstGeom prst="homePlate">
+            <a:avLst/>
+          </a:prstGeom>
+          <a:solidFill>
+            <a:srgbClr val="EC6966">
+              <a:alpha val="40000"/>
+            </a:srgbClr>
+          </a:solidFill>
+          <a:ln w="28575">
+            <a:noFill/>
+          </a:ln>
+        </p:spPr>
+        <p:style>
+          <a:lnRef idx="2">
+            <a:schemeClr val="accent1">
+              <a:shade val="15000"/>
+            </a:schemeClr>
+          </a:lnRef>
+          <a:fillRef idx="1">
+            <a:schemeClr val="accent1"/>
+          </a:fillRef>
+          <a:effectRef idx="0">
+            <a:schemeClr val="accent1"/>
+          </a:effectRef>
+          <a:fontRef idx="minor">
+            <a:schemeClr val="lt1"/>
+          </a:fontRef>
+        </p:style>
+        <p:txBody>
+          <a:bodyPr rtlCol="0" anchor="ctr"/>
+          <a:lstStyle/>
+          <a:p>
+            <a:pPr algn="ctr"/>
+            <a:r>
+              <a:rPr lang="en-US" altLang="ko-KR" sz="2000" b="1" dirty="0">
+                <a:solidFill>
+                  <a:schemeClr val="bg1"/>
+                </a:solidFill>
+              </a:rPr>
+              <a:t>Version 3</a:t>
+            </a:r>
+            <a:endParaRPr lang="ko-KR" altLang="en-US" sz="2000" b="1" dirty="0">
+              <a:solidFill>
+                <a:schemeClr val="bg1"/>
+              </a:solidFill>
+            </a:endParaRPr>
+          </a:p>
+        </p:txBody>
+      </p:sp>
+      <p:cxnSp>
+        <p:nvCxnSpPr>
+          <p:cNvPr id="38" name="직선 연결선 37">
+            <a:extLst>
+              <a:ext uri="{FF2B5EF4-FFF2-40B4-BE49-F238E27FC236}">
+                <a16:creationId xmlns:a16="http://schemas.microsoft.com/office/drawing/2014/main" id="{5B069D8A-117C-5C44-7601-B3480470F19A}"/>
+              </a:ext>
+            </a:extLst>
+          </p:cNvPr>
+          <p:cNvCxnSpPr/>
+          <p:nvPr/>
+        </p:nvCxnSpPr>
+        <p:spPr>
+          <a:xfrm>
+            <a:off x="9104938" y="1005839"/>
+            <a:ext cx="0" cy="4846322"/>
+          </a:xfrm>
+          <a:prstGeom prst="line">
+            <a:avLst/>
+          </a:prstGeom>
+          <a:ln w="12700">
+            <a:solidFill>
+              <a:schemeClr val="tx1"/>
+            </a:solidFill>
+          </a:ln>
+        </p:spPr>
+        <p:style>
+          <a:lnRef idx="1">
+            <a:schemeClr val="accent1"/>
+          </a:lnRef>
+          <a:fillRef idx="0">
+            <a:schemeClr val="accent1"/>
+          </a:fillRef>
+          <a:effectRef idx="0">
+            <a:schemeClr val="accent1"/>
+          </a:effectRef>
+          <a:fontRef idx="minor">
+            <a:schemeClr val="tx1"/>
+          </a:fontRef>
+        </p:style>
+      </p:cxnSp>
+      <p:sp>
+        <p:nvSpPr>
+          <p:cNvPr id="40" name="TextBox 39">
+            <a:extLst>
+              <a:ext uri="{FF2B5EF4-FFF2-40B4-BE49-F238E27FC236}">
+                <a16:creationId xmlns:a16="http://schemas.microsoft.com/office/drawing/2014/main" id="{73E13E4D-ABDF-E046-44CE-75CE2A35AB22}"/>
+              </a:ext>
+            </a:extLst>
+          </p:cNvPr>
+          <p:cNvSpPr txBox="1"/>
+          <p:nvPr/>
+        </p:nvSpPr>
+        <p:spPr>
+          <a:xfrm>
+            <a:off x="9180915" y="2777049"/>
+            <a:ext cx="2503122" cy="518091"/>
+          </a:xfrm>
+          <a:prstGeom prst="rect">
+            <a:avLst/>
+          </a:prstGeom>
+          <a:noFill/>
+        </p:spPr>
+        <p:txBody>
+          <a:bodyPr wrap="square" rtlCol="0">
+            <a:spAutoFit/>
+          </a:bodyPr>
+          <a:lstStyle/>
+          <a:p>
+            <a:pPr>
+              <a:spcBef>
+                <a:spcPts val="500"/>
+              </a:spcBef>
+              <a:spcAft>
+                <a:spcPts val="300"/>
+              </a:spcAft>
+            </a:pPr>
+            <a:r>
+              <a:rPr lang="en-US" altLang="ko-KR" sz="1050" dirty="0">
+                <a:latin typeface="+mn-ea"/>
+              </a:rPr>
+              <a:t>▶ </a:t>
+            </a:r>
+            <a:r>
+              <a:rPr lang="ko-KR" altLang="en-US" sz="1050" dirty="0" err="1">
+                <a:latin typeface="+mn-ea"/>
+              </a:rPr>
+              <a:t>퀵</a:t>
+            </a:r>
+            <a:r>
+              <a:rPr lang="ko-KR" altLang="en-US" sz="1050" dirty="0">
+                <a:latin typeface="+mn-ea"/>
+              </a:rPr>
+              <a:t> 배차 시스템과 </a:t>
+            </a:r>
+            <a:r>
+              <a:rPr lang="en-US" altLang="ko-KR" sz="1050" dirty="0">
+                <a:latin typeface="+mn-ea"/>
+              </a:rPr>
+              <a:t>API </a:t>
+            </a:r>
+            <a:r>
+              <a:rPr lang="ko-KR" altLang="en-US" sz="1050" dirty="0">
+                <a:latin typeface="+mn-ea"/>
+              </a:rPr>
+              <a:t>연동</a:t>
+            </a:r>
+            <a:endParaRPr lang="en-US" altLang="ko-KR" sz="500" dirty="0">
+              <a:latin typeface="+mn-ea"/>
+            </a:endParaRPr>
+          </a:p>
+          <a:p>
+            <a:pPr>
+              <a:spcBef>
+                <a:spcPts val="500"/>
+              </a:spcBef>
+              <a:spcAft>
+                <a:spcPts val="300"/>
+              </a:spcAft>
+            </a:pPr>
+            <a:r>
+              <a:rPr lang="en-US" altLang="ko-KR" sz="1050" dirty="0">
+                <a:latin typeface="+mn-ea"/>
+              </a:rPr>
+              <a:t>▶ </a:t>
+            </a:r>
+            <a:r>
+              <a:rPr lang="en-US" altLang="ko-KR" sz="1050" dirty="0" err="1">
+                <a:latin typeface="+mn-ea"/>
+              </a:rPr>
+              <a:t>Vinfiniti</a:t>
+            </a:r>
+            <a:r>
+              <a:rPr lang="en-US" altLang="ko-KR" sz="1050" dirty="0">
+                <a:latin typeface="+mn-ea"/>
+              </a:rPr>
+              <a:t> </a:t>
+            </a:r>
+            <a:r>
+              <a:rPr lang="ko-KR" altLang="en-US" sz="1050" dirty="0">
+                <a:latin typeface="+mn-ea"/>
+              </a:rPr>
+              <a:t>시스템과 </a:t>
+            </a:r>
+            <a:r>
+              <a:rPr lang="en-US" altLang="ko-KR" sz="1050" dirty="0">
+                <a:latin typeface="+mn-ea"/>
+              </a:rPr>
+              <a:t>API </a:t>
+            </a:r>
+            <a:r>
+              <a:rPr lang="ko-KR" altLang="en-US" sz="1050" dirty="0">
+                <a:latin typeface="+mn-ea"/>
+              </a:rPr>
+              <a:t>연동</a:t>
+            </a:r>
+            <a:endParaRPr lang="en-US" altLang="ko-KR" sz="500" dirty="0">
+              <a:latin typeface="+mn-ea"/>
+            </a:endParaRPr>
+          </a:p>
+        </p:txBody>
+      </p:sp>
+      <p:sp>
+        <p:nvSpPr>
+          <p:cNvPr id="41" name="TextBox 40">
+            <a:extLst>
+              <a:ext uri="{FF2B5EF4-FFF2-40B4-BE49-F238E27FC236}">
+                <a16:creationId xmlns:a16="http://schemas.microsoft.com/office/drawing/2014/main" id="{05F303CA-6979-35FE-DF70-4CC70F9046E3}"/>
+              </a:ext>
+            </a:extLst>
+          </p:cNvPr>
+          <p:cNvSpPr txBox="1"/>
+          <p:nvPr/>
+        </p:nvSpPr>
+        <p:spPr>
+          <a:xfrm>
+            <a:off x="9180914" y="4059678"/>
+            <a:ext cx="2503121" cy="545855"/>
+          </a:xfrm>
+          <a:prstGeom prst="rect">
+            <a:avLst/>
+          </a:prstGeom>
+          <a:noFill/>
+        </p:spPr>
+        <p:txBody>
+          <a:bodyPr wrap="square" rtlCol="0">
+            <a:spAutoFit/>
+          </a:bodyPr>
+          <a:lstStyle/>
+          <a:p>
+            <a:pPr marL="228600" indent="-228600">
+              <a:lnSpc>
+                <a:spcPct val="150000"/>
+              </a:lnSpc>
+              <a:spcBef>
+                <a:spcPts val="500"/>
+              </a:spcBef>
+              <a:spcAft>
+                <a:spcPts val="300"/>
+              </a:spcAft>
+              <a:buAutoNum type="arabicParenR"/>
+            </a:pPr>
+            <a:r>
+              <a:rPr lang="en-US" altLang="ko-KR" sz="1050" dirty="0">
+                <a:latin typeface="+mn-ea"/>
+                <a:ea typeface="+mj-ea"/>
+              </a:rPr>
+              <a:t>Human</a:t>
+            </a:r>
+            <a:r>
+              <a:rPr lang="ko-KR" altLang="en-US" sz="1050" dirty="0">
+                <a:latin typeface="+mn-ea"/>
+                <a:ea typeface="+mj-ea"/>
+              </a:rPr>
+              <a:t> </a:t>
+            </a:r>
+            <a:r>
+              <a:rPr lang="en-US" altLang="ko-KR" sz="1050" dirty="0">
+                <a:latin typeface="+mn-ea"/>
+                <a:ea typeface="+mj-ea"/>
+              </a:rPr>
+              <a:t>Resources </a:t>
+            </a:r>
+            <a:r>
+              <a:rPr lang="ko-KR" altLang="en-US" sz="1050" dirty="0">
+                <a:latin typeface="+mn-ea"/>
+                <a:ea typeface="+mj-ea"/>
+              </a:rPr>
+              <a:t>감소를 위한 </a:t>
+            </a:r>
+            <a:r>
+              <a:rPr lang="en-US" altLang="ko-KR" sz="1050" dirty="0">
+                <a:latin typeface="+mn-ea"/>
+                <a:ea typeface="+mj-ea"/>
+              </a:rPr>
+              <a:t>   </a:t>
+            </a:r>
+            <a:r>
+              <a:rPr lang="ko-KR" altLang="en-US" sz="1050" dirty="0">
+                <a:latin typeface="+mn-ea"/>
+                <a:ea typeface="+mj-ea"/>
+              </a:rPr>
+              <a:t>타 시스템 </a:t>
+            </a:r>
+            <a:r>
+              <a:rPr lang="en-US" altLang="ko-KR" sz="1050" dirty="0">
+                <a:latin typeface="+mn-ea"/>
+                <a:ea typeface="+mj-ea"/>
+              </a:rPr>
+              <a:t>API </a:t>
+            </a:r>
+            <a:r>
+              <a:rPr lang="ko-KR" altLang="en-US" sz="1050" dirty="0">
+                <a:latin typeface="+mn-ea"/>
+                <a:ea typeface="+mj-ea"/>
+              </a:rPr>
+              <a:t>연동</a:t>
+            </a:r>
+            <a:endParaRPr lang="en-US" altLang="ko-KR" sz="1050" dirty="0">
+              <a:latin typeface="+mn-ea"/>
+              <a:ea typeface="+mj-ea"/>
+            </a:endParaRPr>
+          </a:p>
+        </p:txBody>
+      </p:sp>
+      <p:sp>
+        <p:nvSpPr>
+          <p:cNvPr id="42" name="TextBox 41">
+            <a:extLst>
+              <a:ext uri="{FF2B5EF4-FFF2-40B4-BE49-F238E27FC236}">
+                <a16:creationId xmlns:a16="http://schemas.microsoft.com/office/drawing/2014/main" id="{9D3FD754-49DE-9E63-B60B-B042E7C9BC72}"/>
+              </a:ext>
+            </a:extLst>
+          </p:cNvPr>
+          <p:cNvSpPr txBox="1"/>
+          <p:nvPr/>
+        </p:nvSpPr>
+        <p:spPr>
+          <a:xfrm>
+            <a:off x="1999073" y="1489024"/>
+            <a:ext cx="3175117" cy="253916"/>
+          </a:xfrm>
+          <a:prstGeom prst="rect">
+            <a:avLst/>
+          </a:prstGeom>
+          <a:noFill/>
+        </p:spPr>
+        <p:txBody>
+          <a:bodyPr wrap="square" rtlCol="0">
+            <a:spAutoFit/>
+          </a:bodyPr>
+          <a:lstStyle/>
+          <a:p>
+            <a:pPr algn="ctr"/>
+            <a:r>
+              <a:rPr lang="en-US" altLang="ko-KR" sz="1050" b="1" dirty="0">
+                <a:latin typeface="+mn-ea"/>
+                <a:ea typeface="+mj-ea"/>
+              </a:rPr>
+              <a:t>2025-01 ~ 2025-05</a:t>
+            </a:r>
+          </a:p>
+        </p:txBody>
+      </p:sp>
+      <p:sp>
+        <p:nvSpPr>
+          <p:cNvPr id="44" name="TextBox 43">
+            <a:extLst>
+              <a:ext uri="{FF2B5EF4-FFF2-40B4-BE49-F238E27FC236}">
+                <a16:creationId xmlns:a16="http://schemas.microsoft.com/office/drawing/2014/main" id="{BA5CAB41-3EE6-BEA2-8576-7E82009BE901}"/>
+              </a:ext>
+            </a:extLst>
+          </p:cNvPr>
+          <p:cNvSpPr txBox="1"/>
+          <p:nvPr/>
+        </p:nvSpPr>
+        <p:spPr>
+          <a:xfrm>
+            <a:off x="5174190" y="1489024"/>
+            <a:ext cx="3930748" cy="253916"/>
+          </a:xfrm>
+          <a:prstGeom prst="rect">
+            <a:avLst/>
+          </a:prstGeom>
+          <a:noFill/>
+        </p:spPr>
+        <p:txBody>
+          <a:bodyPr wrap="square" rtlCol="0">
+            <a:spAutoFit/>
+          </a:bodyPr>
+          <a:lstStyle/>
+          <a:p>
+            <a:pPr algn="ctr"/>
+            <a:r>
+              <a:rPr lang="en-US" altLang="ko-KR" sz="1050" b="1">
+                <a:latin typeface="+mn-ea"/>
+                <a:ea typeface="+mj-ea"/>
+              </a:rPr>
+              <a:t>2025-05 </a:t>
+            </a:r>
+            <a:r>
+              <a:rPr lang="en-US" altLang="ko-KR" sz="1050" b="1" dirty="0">
+                <a:latin typeface="+mn-ea"/>
+                <a:ea typeface="+mj-ea"/>
+              </a:rPr>
+              <a:t>~ 2025-08</a:t>
+            </a:r>
+          </a:p>
+        </p:txBody>
+      </p:sp>
+      <p:sp>
+        <p:nvSpPr>
+          <p:cNvPr id="45" name="TextBox 44">
+            <a:extLst>
+              <a:ext uri="{FF2B5EF4-FFF2-40B4-BE49-F238E27FC236}">
+                <a16:creationId xmlns:a16="http://schemas.microsoft.com/office/drawing/2014/main" id="{B220B825-9B2B-D836-3837-3AFE9C0C6F28}"/>
+              </a:ext>
+            </a:extLst>
+          </p:cNvPr>
+          <p:cNvSpPr txBox="1"/>
+          <p:nvPr/>
+        </p:nvSpPr>
+        <p:spPr>
+          <a:xfrm>
+            <a:off x="9524534" y="1489024"/>
+            <a:ext cx="1739905" cy="253916"/>
+          </a:xfrm>
+          <a:prstGeom prst="rect">
+            <a:avLst/>
+          </a:prstGeom>
+          <a:noFill/>
+        </p:spPr>
+        <p:txBody>
+          <a:bodyPr wrap="square" rtlCol="0">
+            <a:spAutoFit/>
+          </a:bodyPr>
+          <a:lstStyle/>
+          <a:p>
+            <a:pPr algn="ctr"/>
+            <a:r>
+              <a:rPr lang="en-US" altLang="ko-KR" sz="1050" b="1" dirty="0">
+                <a:latin typeface="+mn-ea"/>
+                <a:ea typeface="+mj-ea"/>
+              </a:rPr>
+              <a:t>2025-09 ~</a:t>
+            </a:r>
+          </a:p>
+        </p:txBody>
+      </p:sp>
+      <p:cxnSp>
+        <p:nvCxnSpPr>
+          <p:cNvPr id="3" name="직선 연결선 2">
+            <a:extLst>
+              <a:ext uri="{FF2B5EF4-FFF2-40B4-BE49-F238E27FC236}">
+                <a16:creationId xmlns:a16="http://schemas.microsoft.com/office/drawing/2014/main" id="{11BAF070-BD5E-F8F1-C172-F9E76D0E4F97}"/>
+              </a:ext>
+            </a:extLst>
+          </p:cNvPr>
+          <p:cNvCxnSpPr/>
+          <p:nvPr/>
+        </p:nvCxnSpPr>
+        <p:spPr>
+          <a:xfrm>
+            <a:off x="5174191" y="1005839"/>
+            <a:ext cx="0" cy="4846322"/>
+          </a:xfrm>
+          <a:prstGeom prst="line">
+            <a:avLst/>
+          </a:prstGeom>
+          <a:ln w="12700">
+            <a:solidFill>
+              <a:schemeClr val="tx1"/>
+            </a:solidFill>
+          </a:ln>
+        </p:spPr>
+        <p:style>
+          <a:lnRef idx="1">
+            <a:schemeClr val="accent1"/>
+          </a:lnRef>
+          <a:fillRef idx="0">
+            <a:schemeClr val="accent1"/>
+          </a:fillRef>
+          <a:effectRef idx="0">
+            <a:schemeClr val="accent1"/>
+          </a:effectRef>
+          <a:fontRef idx="minor">
+            <a:schemeClr val="tx1"/>
+          </a:fontRef>
+        </p:style>
+      </p:cxnSp>
+      <p:sp>
+        <p:nvSpPr>
+          <p:cNvPr id="11" name="사각형: 둥근 모서리 10">
+            <a:extLst>
+              <a:ext uri="{FF2B5EF4-FFF2-40B4-BE49-F238E27FC236}">
+                <a16:creationId xmlns:a16="http://schemas.microsoft.com/office/drawing/2014/main" id="{59945370-FA73-F452-6B5D-197786EDE8EC}"/>
+              </a:ext>
+            </a:extLst>
+          </p:cNvPr>
+          <p:cNvSpPr/>
+          <p:nvPr/>
+        </p:nvSpPr>
+        <p:spPr>
+          <a:xfrm>
+            <a:off x="5269119" y="1835972"/>
+            <a:ext cx="3740894" cy="860727"/>
+          </a:xfrm>
+          <a:prstGeom prst="roundRect">
+            <a:avLst/>
+          </a:prstGeom>
+          <a:solidFill>
+            <a:schemeClr val="bg1">
+              <a:lumMod val="95000"/>
+            </a:schemeClr>
+          </a:solidFill>
+          <a:ln w="28575">
+            <a:solidFill>
+              <a:schemeClr val="bg1">
+                <a:lumMod val="75000"/>
+              </a:schemeClr>
+            </a:solidFill>
+          </a:ln>
+        </p:spPr>
+        <p:style>
+          <a:lnRef idx="2">
+            <a:schemeClr val="accent1">
+              <a:shade val="15000"/>
+            </a:schemeClr>
+          </a:lnRef>
+          <a:fillRef idx="1">
+            <a:schemeClr val="accent1"/>
+          </a:fillRef>
+          <a:effectRef idx="0">
+            <a:schemeClr val="accent1"/>
+          </a:effectRef>
+          <a:fontRef idx="minor">
+            <a:schemeClr val="lt1"/>
+          </a:fontRef>
+        </p:style>
+        <p:txBody>
+          <a:bodyPr rtlCol="0" anchor="ctr"/>
+          <a:lstStyle/>
+          <a:p>
+            <a:pPr algn="ctr">
+              <a:lnSpc>
+                <a:spcPct val="130000"/>
+              </a:lnSpc>
+            </a:pPr>
+            <a:r>
+              <a:rPr lang="ko-KR" altLang="en-US" sz="1600" dirty="0">
+                <a:ln w="6350">
+                  <a:solidFill>
+                    <a:schemeClr val="tx1"/>
+                  </a:solidFill>
+                </a:ln>
+                <a:solidFill>
+                  <a:schemeClr val="tx1"/>
+                </a:solidFill>
+              </a:rPr>
+              <a:t>데이터 파이프라인 구축 및 유지 보수</a:t>
+            </a:r>
+            <a:endParaRPr lang="en-US" altLang="ko-KR" sz="1600" dirty="0">
+              <a:ln w="6350">
+                <a:solidFill>
+                  <a:schemeClr val="tx1"/>
+                </a:solidFill>
+              </a:ln>
+              <a:solidFill>
+                <a:schemeClr val="tx1"/>
+              </a:solidFill>
+            </a:endParaRPr>
+          </a:p>
+        </p:txBody>
+      </p:sp>
+      <p:sp>
+        <p:nvSpPr>
+          <p:cNvPr id="20" name="TextBox 19">
+            <a:extLst>
+              <a:ext uri="{FF2B5EF4-FFF2-40B4-BE49-F238E27FC236}">
+                <a16:creationId xmlns:a16="http://schemas.microsoft.com/office/drawing/2014/main" id="{6ACF17B4-CCF9-6278-F368-5FFD1E50584E}"/>
+              </a:ext>
+            </a:extLst>
+          </p:cNvPr>
+          <p:cNvSpPr txBox="1"/>
+          <p:nvPr/>
+        </p:nvSpPr>
+        <p:spPr>
+          <a:xfrm>
+            <a:off x="5182084" y="2777049"/>
+            <a:ext cx="3932054" cy="1217193"/>
+          </a:xfrm>
+          <a:prstGeom prst="rect">
+            <a:avLst/>
+          </a:prstGeom>
+          <a:noFill/>
+        </p:spPr>
+        <p:txBody>
+          <a:bodyPr wrap="square" rtlCol="0" anchor="ctr">
+            <a:spAutoFit/>
+          </a:bodyPr>
+          <a:lstStyle/>
+          <a:p>
+            <a:pPr>
+              <a:lnSpc>
+                <a:spcPct val="130000"/>
+              </a:lnSpc>
+              <a:spcBef>
+                <a:spcPts val="500"/>
+              </a:spcBef>
+              <a:spcAft>
+                <a:spcPts val="300"/>
+              </a:spcAft>
+            </a:pPr>
+            <a:r>
+              <a:rPr lang="en-US" altLang="ko-KR" sz="1050" dirty="0">
+                <a:latin typeface="+mn-ea"/>
+              </a:rPr>
+              <a:t>▶ </a:t>
+            </a:r>
+            <a:r>
+              <a:rPr lang="ko-KR" altLang="en-US" sz="1050" dirty="0">
+                <a:latin typeface="+mn-ea"/>
+              </a:rPr>
+              <a:t>실시간 데이터 수집 및 적재 파이프라인 개발</a:t>
+            </a:r>
+            <a:endParaRPr lang="en-US" altLang="ko-KR" sz="500" dirty="0">
+              <a:latin typeface="+mn-ea"/>
+            </a:endParaRPr>
+          </a:p>
+          <a:p>
+            <a:pPr>
+              <a:lnSpc>
+                <a:spcPct val="130000"/>
+              </a:lnSpc>
+              <a:spcBef>
+                <a:spcPts val="500"/>
+              </a:spcBef>
+              <a:spcAft>
+                <a:spcPts val="300"/>
+              </a:spcAft>
+            </a:pPr>
+            <a:r>
+              <a:rPr lang="en-US" altLang="ko-KR" sz="1050" dirty="0">
+                <a:latin typeface="+mn-ea"/>
+              </a:rPr>
+              <a:t>▶ </a:t>
+            </a:r>
+            <a:r>
+              <a:rPr lang="ko-KR" altLang="en-US" sz="1050" dirty="0">
+                <a:latin typeface="+mn-ea"/>
+              </a:rPr>
+              <a:t>실시간 데이터 분석 및 시각화 알고리즘 개발</a:t>
+            </a:r>
+            <a:endParaRPr lang="en-US" altLang="ko-KR" sz="500" dirty="0">
+              <a:latin typeface="+mn-ea"/>
+            </a:endParaRPr>
+          </a:p>
+          <a:p>
+            <a:pPr>
+              <a:lnSpc>
+                <a:spcPct val="130000"/>
+              </a:lnSpc>
+              <a:spcBef>
+                <a:spcPts val="500"/>
+              </a:spcBef>
+              <a:spcAft>
+                <a:spcPts val="300"/>
+              </a:spcAft>
+            </a:pPr>
+            <a:r>
+              <a:rPr lang="en-US" altLang="ko-KR" sz="1050" dirty="0">
+                <a:latin typeface="+mn-ea"/>
+              </a:rPr>
+              <a:t>▶ Version 3</a:t>
+            </a:r>
+            <a:r>
+              <a:rPr lang="ko-KR" altLang="en-US" sz="1050" dirty="0">
+                <a:latin typeface="+mn-ea"/>
+              </a:rPr>
+              <a:t> 단계 위한 </a:t>
+            </a:r>
+            <a:r>
+              <a:rPr lang="en-US" altLang="ko-KR" sz="1050" dirty="0">
+                <a:latin typeface="+mn-ea"/>
+              </a:rPr>
+              <a:t>RealTime Streaming </a:t>
+            </a:r>
+            <a:r>
+              <a:rPr lang="ko-KR" altLang="en-US" sz="1050" dirty="0">
+                <a:latin typeface="+mn-ea"/>
+              </a:rPr>
+              <a:t>서비스 개발</a:t>
+            </a:r>
+            <a:endParaRPr lang="en-US" altLang="ko-KR" sz="500" dirty="0">
+              <a:latin typeface="+mn-ea"/>
+            </a:endParaRPr>
+          </a:p>
+          <a:p>
+            <a:pPr>
+              <a:lnSpc>
+                <a:spcPct val="130000"/>
+              </a:lnSpc>
+              <a:spcBef>
+                <a:spcPts val="500"/>
+              </a:spcBef>
+              <a:spcAft>
+                <a:spcPts val="300"/>
+              </a:spcAft>
+            </a:pPr>
+            <a:r>
+              <a:rPr lang="en-US" altLang="ko-KR" sz="1050" dirty="0">
+                <a:latin typeface="+mn-ea"/>
+              </a:rPr>
+              <a:t>▶ </a:t>
+            </a:r>
+            <a:r>
+              <a:rPr lang="ko-KR" altLang="en-US" sz="1050" dirty="0">
+                <a:latin typeface="+mn-ea"/>
+              </a:rPr>
+              <a:t>안정화 위한 지속적인 서버 유지 보수 및 개선 사항 적용</a:t>
+            </a:r>
+            <a:endParaRPr lang="en-US" altLang="ko-KR" sz="1050" dirty="0">
+              <a:latin typeface="+mn-ea"/>
+            </a:endParaRPr>
+          </a:p>
+        </p:txBody>
+      </p:sp>
+      <p:sp>
+        <p:nvSpPr>
+          <p:cNvPr id="24" name="사각형: 둥근 모서리 23">
+            <a:extLst>
+              <a:ext uri="{FF2B5EF4-FFF2-40B4-BE49-F238E27FC236}">
+                <a16:creationId xmlns:a16="http://schemas.microsoft.com/office/drawing/2014/main" id="{EA15D034-A4FB-C754-8244-B1A9D7F66791}"/>
+              </a:ext>
+            </a:extLst>
+          </p:cNvPr>
+          <p:cNvSpPr/>
+          <p:nvPr/>
+        </p:nvSpPr>
+        <p:spPr>
+          <a:xfrm>
+            <a:off x="9199864" y="1837347"/>
+            <a:ext cx="2579100" cy="860727"/>
+          </a:xfrm>
+          <a:prstGeom prst="roundRect">
+            <a:avLst/>
+          </a:prstGeom>
+          <a:solidFill>
+            <a:schemeClr val="bg1">
+              <a:lumMod val="95000"/>
+            </a:schemeClr>
+          </a:solidFill>
+          <a:ln w="28575">
+            <a:solidFill>
+              <a:schemeClr val="bg1"/>
+            </a:solidFill>
+          </a:ln>
+        </p:spPr>
+        <p:style>
+          <a:lnRef idx="2">
+            <a:schemeClr val="accent1">
+              <a:shade val="15000"/>
+            </a:schemeClr>
+          </a:lnRef>
+          <a:fillRef idx="1">
+            <a:schemeClr val="accent1"/>
+          </a:fillRef>
+          <a:effectRef idx="0">
+            <a:schemeClr val="accent1"/>
+          </a:effectRef>
+          <a:fontRef idx="minor">
+            <a:schemeClr val="lt1"/>
+          </a:fontRef>
+        </p:style>
+        <p:txBody>
+          <a:bodyPr rtlCol="0" anchor="ctr"/>
+          <a:lstStyle/>
+          <a:p>
+            <a:pPr algn="ctr">
+              <a:lnSpc>
+                <a:spcPct val="130000"/>
+              </a:lnSpc>
+            </a:pPr>
+            <a:r>
+              <a:rPr lang="ko-KR" altLang="en-US" sz="1600" dirty="0">
+                <a:ln w="6350">
+                  <a:solidFill>
+                    <a:schemeClr val="tx1"/>
+                  </a:solidFill>
+                </a:ln>
+                <a:solidFill>
+                  <a:schemeClr val="tx1"/>
+                </a:solidFill>
+              </a:rPr>
+              <a:t>외부 </a:t>
+            </a:r>
+            <a:r>
+              <a:rPr lang="en-US" altLang="ko-KR" sz="1600" dirty="0">
+                <a:ln w="6350">
+                  <a:solidFill>
+                    <a:schemeClr val="tx1"/>
+                  </a:solidFill>
+                </a:ln>
+                <a:solidFill>
+                  <a:schemeClr val="tx1"/>
+                </a:solidFill>
+              </a:rPr>
+              <a:t>API </a:t>
+            </a:r>
+            <a:r>
+              <a:rPr lang="ko-KR" altLang="en-US" sz="1600" dirty="0">
+                <a:ln w="6350">
+                  <a:solidFill>
+                    <a:schemeClr val="tx1"/>
+                  </a:solidFill>
+                </a:ln>
+                <a:solidFill>
+                  <a:schemeClr val="tx1"/>
+                </a:solidFill>
+              </a:rPr>
+              <a:t>연동</a:t>
+            </a:r>
+            <a:endParaRPr lang="en-US" altLang="ko-KR" sz="1600" dirty="0">
+              <a:ln w="6350">
+                <a:solidFill>
+                  <a:schemeClr val="tx1"/>
+                </a:solidFill>
+              </a:ln>
+              <a:solidFill>
+                <a:schemeClr val="tx1"/>
+              </a:solidFill>
+            </a:endParaRPr>
+          </a:p>
+        </p:txBody>
+      </p:sp>
+      <p:sp>
+        <p:nvSpPr>
+          <p:cNvPr id="27" name="TextBox 26">
+            <a:extLst>
+              <a:ext uri="{FF2B5EF4-FFF2-40B4-BE49-F238E27FC236}">
+                <a16:creationId xmlns:a16="http://schemas.microsoft.com/office/drawing/2014/main" id="{DEC41844-FA0C-62DE-BB5A-38BD30E8E398}"/>
+              </a:ext>
+            </a:extLst>
+          </p:cNvPr>
+          <p:cNvSpPr txBox="1"/>
+          <p:nvPr/>
+        </p:nvSpPr>
+        <p:spPr>
+          <a:xfrm>
+            <a:off x="5171062" y="4059678"/>
+            <a:ext cx="3930744" cy="1338380"/>
+          </a:xfrm>
+          <a:prstGeom prst="rect">
+            <a:avLst/>
+          </a:prstGeom>
+          <a:noFill/>
+        </p:spPr>
+        <p:txBody>
+          <a:bodyPr wrap="square" rtlCol="0">
+            <a:spAutoFit/>
+          </a:bodyPr>
+          <a:lstStyle/>
+          <a:p>
+            <a:pPr marL="228600" indent="-228600">
+              <a:lnSpc>
+                <a:spcPct val="150000"/>
+              </a:lnSpc>
+              <a:spcBef>
+                <a:spcPts val="500"/>
+              </a:spcBef>
+              <a:spcAft>
+                <a:spcPts val="300"/>
+              </a:spcAft>
+              <a:buAutoNum type="arabicParenR"/>
+            </a:pPr>
+            <a:r>
+              <a:rPr lang="ko-KR" altLang="en-US" sz="1050" dirty="0">
+                <a:latin typeface="+mn-ea"/>
+                <a:ea typeface="+mj-ea"/>
+              </a:rPr>
+              <a:t>알고리즘 적용을 통한 실시간 데이터 수집 및 관리</a:t>
+            </a:r>
+            <a:endParaRPr lang="en-US" altLang="ko-KR" sz="500" dirty="0">
+              <a:latin typeface="+mn-ea"/>
+              <a:ea typeface="+mj-ea"/>
+            </a:endParaRPr>
+          </a:p>
+          <a:p>
+            <a:pPr marL="228600" indent="-228600">
+              <a:lnSpc>
+                <a:spcPct val="150000"/>
+              </a:lnSpc>
+              <a:spcBef>
+                <a:spcPts val="500"/>
+              </a:spcBef>
+              <a:spcAft>
+                <a:spcPts val="300"/>
+              </a:spcAft>
+              <a:buAutoNum type="arabicParenR" startAt="2"/>
+            </a:pPr>
+            <a:r>
+              <a:rPr lang="ko-KR" altLang="en-US" sz="1050" dirty="0">
+                <a:latin typeface="+mn-ea"/>
+                <a:ea typeface="+mj-ea"/>
+              </a:rPr>
+              <a:t>가공된 배차 데이터 기반 실시간</a:t>
+            </a:r>
+            <a:r>
+              <a:rPr lang="en-US" altLang="ko-KR" sz="1050" dirty="0">
+                <a:latin typeface="+mn-ea"/>
+                <a:ea typeface="+mj-ea"/>
+              </a:rPr>
+              <a:t>/</a:t>
+            </a:r>
+            <a:r>
+              <a:rPr lang="ko-KR" altLang="en-US" sz="1050" dirty="0">
+                <a:latin typeface="+mn-ea"/>
+                <a:ea typeface="+mj-ea"/>
+              </a:rPr>
+              <a:t>시각적 분석</a:t>
+            </a:r>
+            <a:endParaRPr lang="en-US" altLang="ko-KR" sz="500" dirty="0">
+              <a:latin typeface="+mn-ea"/>
+              <a:ea typeface="+mj-ea"/>
+            </a:endParaRPr>
+          </a:p>
+          <a:p>
+            <a:pPr marL="228600" indent="-228600">
+              <a:lnSpc>
+                <a:spcPct val="150000"/>
+              </a:lnSpc>
+              <a:spcBef>
+                <a:spcPts val="500"/>
+              </a:spcBef>
+              <a:spcAft>
+                <a:spcPts val="300"/>
+              </a:spcAft>
+              <a:buAutoNum type="arabicParenR" startAt="3"/>
+            </a:pPr>
+            <a:r>
+              <a:rPr lang="ko-KR" altLang="en-US" sz="1050" dirty="0">
+                <a:latin typeface="+mn-ea"/>
+                <a:ea typeface="+mj-ea"/>
+              </a:rPr>
+              <a:t>분석 작업 고도화 단계를 통한 </a:t>
+            </a:r>
+            <a:r>
+              <a:rPr lang="en-US" altLang="ko-KR" sz="1050" dirty="0">
+                <a:latin typeface="+mn-ea"/>
+                <a:ea typeface="+mj-ea"/>
+              </a:rPr>
+              <a:t>API </a:t>
+            </a:r>
+            <a:r>
+              <a:rPr lang="ko-KR" altLang="en-US" sz="1050" dirty="0">
+                <a:latin typeface="+mn-ea"/>
+                <a:ea typeface="+mj-ea"/>
+              </a:rPr>
+              <a:t>연동 대비</a:t>
+            </a:r>
+            <a:endParaRPr lang="en-US" altLang="ko-KR" sz="500" dirty="0">
+              <a:latin typeface="+mn-ea"/>
+              <a:ea typeface="+mj-ea"/>
+            </a:endParaRPr>
+          </a:p>
+          <a:p>
+            <a:pPr marL="228600" indent="-228600">
+              <a:lnSpc>
+                <a:spcPct val="150000"/>
+              </a:lnSpc>
+              <a:spcBef>
+                <a:spcPts val="500"/>
+              </a:spcBef>
+              <a:spcAft>
+                <a:spcPts val="300"/>
+              </a:spcAft>
+              <a:buAutoNum type="arabicParenR" startAt="3"/>
+            </a:pPr>
+            <a:r>
+              <a:rPr lang="ko-KR" altLang="en-US" sz="1050" dirty="0">
+                <a:latin typeface="+mn-ea"/>
+                <a:ea typeface="+mj-ea"/>
+              </a:rPr>
+              <a:t>서버 안정성 관리 및 추가 확장</a:t>
+            </a:r>
+            <a:r>
+              <a:rPr lang="en-US" altLang="ko-KR" sz="1050" dirty="0">
+                <a:latin typeface="+mn-ea"/>
+                <a:ea typeface="+mj-ea"/>
+              </a:rPr>
+              <a:t>/</a:t>
+            </a:r>
+            <a:r>
+              <a:rPr lang="ko-KR" altLang="en-US" sz="1050" dirty="0">
+                <a:latin typeface="+mn-ea"/>
+                <a:ea typeface="+mj-ea"/>
+              </a:rPr>
+              <a:t>검토 여부 결정</a:t>
+            </a:r>
+            <a:endParaRPr lang="ko-KR" altLang="en-US" sz="1050" dirty="0">
+              <a:latin typeface="+mj-ea"/>
+              <a:ea typeface="+mj-ea"/>
+            </a:endParaRPr>
+          </a:p>
+        </p:txBody>
+      </p:sp>
+    </p:spTree>
+    <p:extLst>
+      <p:ext uri="{BB962C8B-B14F-4D97-AF65-F5344CB8AC3E}">
         <p14:creationId xmlns:p14="http://schemas.microsoft.com/office/powerpoint/2010/main" val="1667086694"/>
+      </p:ext>
+    </p:extLst>
+  </p:cSld>
+  <p:clrMapOvr>
+    <a:masterClrMapping/>
+  </p:clrMapOvr>
+</p:sld>
+</file>
+
+<file path=ppt/slides/slide3.xml><?xml version="1.0" encoding="utf-8"?>
+<p:sld xmlns:a="http://schemas.openxmlformats.org/drawingml/2006/main" xmlns:r="http://schemas.openxmlformats.org/officeDocument/2006/relationships" xmlns:p="http://schemas.openxmlformats.org/presentationml/2006/main">
+  <p:cSld>
+    <p:spTree>
+      <p:nvGrpSpPr>
+        <p:cNvPr id="1" name="">
+          <a:extLst>
+            <a:ext uri="{FF2B5EF4-FFF2-40B4-BE49-F238E27FC236}">
+              <a16:creationId xmlns:a16="http://schemas.microsoft.com/office/drawing/2014/main" id="{CC5E296C-0E39-3FFF-46DD-4227EA28C978}"/>
+            </a:ext>
+          </a:extLst>
+        </p:cNvPr>
+        <p:cNvGrpSpPr/>
+        <p:nvPr/>
+      </p:nvGrpSpPr>
+      <p:grpSpPr>
+        <a:xfrm>
+          <a:off x="0" y="0"/>
+          <a:ext cx="0" cy="0"/>
+          <a:chOff x="0" y="0"/>
+          <a:chExt cx="0" cy="0"/>
+        </a:xfrm>
+      </p:grpSpPr>
+      <p:sp>
+        <p:nvSpPr>
+          <p:cNvPr id="16" name="직사각형 15">
+            <a:extLst>
+              <a:ext uri="{FF2B5EF4-FFF2-40B4-BE49-F238E27FC236}">
+                <a16:creationId xmlns:a16="http://schemas.microsoft.com/office/drawing/2014/main" id="{C0D7F80C-D706-9567-2340-6A32ABC09495}"/>
+              </a:ext>
+            </a:extLst>
+          </p:cNvPr>
+          <p:cNvSpPr/>
+          <p:nvPr/>
+        </p:nvSpPr>
+        <p:spPr>
+          <a:xfrm>
+            <a:off x="0" y="1"/>
+            <a:ext cx="12192000" cy="548640"/>
+          </a:xfrm>
+          <a:prstGeom prst="rect">
+            <a:avLst/>
+          </a:prstGeom>
+          <a:gradFill flip="none" rotWithShape="1">
+            <a:gsLst>
+              <a:gs pos="0">
+                <a:srgbClr val="E2211C">
+                  <a:shade val="30000"/>
+                  <a:satMod val="115000"/>
+                </a:srgbClr>
+              </a:gs>
+              <a:gs pos="50000">
+                <a:srgbClr val="E2211C">
+                  <a:shade val="67500"/>
+                  <a:satMod val="115000"/>
+                </a:srgbClr>
+              </a:gs>
+              <a:gs pos="100000">
+                <a:srgbClr val="E2211C">
+                  <a:shade val="100000"/>
+                  <a:satMod val="115000"/>
+                </a:srgbClr>
+              </a:gs>
+            </a:gsLst>
+            <a:lin ang="0" scaled="1"/>
+            <a:tileRect/>
+          </a:gradFill>
+          <a:ln>
+            <a:noFill/>
+          </a:ln>
+        </p:spPr>
+        <p:style>
+          <a:lnRef idx="2">
+            <a:schemeClr val="accent1">
+              <a:shade val="15000"/>
+            </a:schemeClr>
+          </a:lnRef>
+          <a:fillRef idx="1">
+            <a:schemeClr val="accent1"/>
+          </a:fillRef>
+          <a:effectRef idx="0">
+            <a:schemeClr val="accent1"/>
+          </a:effectRef>
+          <a:fontRef idx="minor">
+            <a:schemeClr val="lt1"/>
+          </a:fontRef>
+        </p:style>
+        <p:txBody>
+          <a:bodyPr rtlCol="0" anchor="ctr"/>
+          <a:lstStyle/>
+          <a:p>
+            <a:pPr algn="ctr"/>
+            <a:endParaRPr lang="ko-KR" altLang="en-US"/>
+          </a:p>
+        </p:txBody>
+      </p:sp>
+      <p:sp>
+        <p:nvSpPr>
+          <p:cNvPr id="2" name="Slide Number Placeholder 1">
+            <a:extLst>
+              <a:ext uri="{FF2B5EF4-FFF2-40B4-BE49-F238E27FC236}">
+                <a16:creationId xmlns:a16="http://schemas.microsoft.com/office/drawing/2014/main" id="{4431C384-4394-02CA-79E0-17D44163340D}"/>
+              </a:ext>
+            </a:extLst>
+          </p:cNvPr>
+          <p:cNvSpPr>
+            <a:spLocks noGrp="1"/>
+          </p:cNvSpPr>
+          <p:nvPr>
+            <p:ph type="sldNum" sz="quarter" idx="11"/>
+          </p:nvPr>
+        </p:nvSpPr>
+        <p:spPr/>
+        <p:txBody>
+          <a:bodyPr/>
+          <a:lstStyle/>
+          <a:p>
+            <a:r>
+              <a:rPr lang="en-US" dirty="0"/>
+              <a:t>/</a:t>
+            </a:r>
+            <a:fld id="{97A5328F-FB68-C941-9722-B8E8F85A3DA3}" type="slidenum">
+              <a:rPr lang="en-US" smtClean="0"/>
+              <a:pPr/>
+              <a:t>3</a:t>
+            </a:fld>
+            <a:endParaRPr lang="en-US" dirty="0"/>
+          </a:p>
+        </p:txBody>
+      </p:sp>
+      <p:sp>
+        <p:nvSpPr>
+          <p:cNvPr id="5" name="Footer Placeholder 4">
+            <a:extLst>
+              <a:ext uri="{FF2B5EF4-FFF2-40B4-BE49-F238E27FC236}">
+                <a16:creationId xmlns:a16="http://schemas.microsoft.com/office/drawing/2014/main" id="{FA82E191-65A3-93E1-B683-66433E1242AF}"/>
+              </a:ext>
+            </a:extLst>
+          </p:cNvPr>
+          <p:cNvSpPr>
+            <a:spLocks noGrp="1"/>
+          </p:cNvSpPr>
+          <p:nvPr>
+            <p:ph type="ftr" sz="quarter" idx="10"/>
+          </p:nvPr>
+        </p:nvSpPr>
+        <p:spPr/>
+        <p:txBody>
+          <a:bodyPr/>
+          <a:lstStyle/>
+          <a:p>
+            <a:r>
+              <a:rPr lang="en-US" dirty="0"/>
+              <a:t>© Teckwah 2023. Restricted Information</a:t>
+            </a:r>
+          </a:p>
+        </p:txBody>
+      </p:sp>
+      <p:sp>
+        <p:nvSpPr>
+          <p:cNvPr id="6" name="Text Placeholder 5">
+            <a:extLst>
+              <a:ext uri="{FF2B5EF4-FFF2-40B4-BE49-F238E27FC236}">
+                <a16:creationId xmlns:a16="http://schemas.microsoft.com/office/drawing/2014/main" id="{6E19AF67-6A3E-84CF-BCC0-97B6B1ED3D4E}"/>
+              </a:ext>
+            </a:extLst>
+          </p:cNvPr>
+          <p:cNvSpPr>
+            <a:spLocks noGrp="1"/>
+          </p:cNvSpPr>
+          <p:nvPr>
+            <p:ph type="body" sz="quarter" idx="12"/>
+          </p:nvPr>
+        </p:nvSpPr>
+        <p:spPr/>
+        <p:txBody>
+          <a:bodyPr/>
+          <a:lstStyle/>
+          <a:p>
+            <a:endParaRPr lang="en-SG"/>
+          </a:p>
+        </p:txBody>
+      </p:sp>
+      <p:sp>
+        <p:nvSpPr>
+          <p:cNvPr id="14" name="Title 3">
+            <a:extLst>
+              <a:ext uri="{FF2B5EF4-FFF2-40B4-BE49-F238E27FC236}">
+                <a16:creationId xmlns:a16="http://schemas.microsoft.com/office/drawing/2014/main" id="{A751C12D-4523-9BE3-89C7-01EFC3D4D279}"/>
+              </a:ext>
+            </a:extLst>
+          </p:cNvPr>
+          <p:cNvSpPr>
+            <a:spLocks noGrp="1"/>
+          </p:cNvSpPr>
+          <p:nvPr>
+            <p:ph type="title"/>
+          </p:nvPr>
+        </p:nvSpPr>
+        <p:spPr>
+          <a:xfrm>
+            <a:off x="0" y="0"/>
+            <a:ext cx="12191999" cy="548641"/>
+          </a:xfrm>
+        </p:spPr>
+        <p:txBody>
+          <a:bodyPr/>
+          <a:lstStyle/>
+          <a:p>
+            <a:r>
+              <a:rPr lang="en-SG" dirty="0">
+                <a:solidFill>
+                  <a:schemeClr val="bg1"/>
+                </a:solidFill>
+              </a:rPr>
+              <a:t>1. </a:t>
+            </a:r>
+            <a:r>
+              <a:rPr lang="en-SG" dirty="0" err="1">
+                <a:solidFill>
+                  <a:schemeClr val="bg1"/>
+                </a:solidFill>
+              </a:rPr>
+              <a:t>Teckwah</a:t>
+            </a:r>
+            <a:r>
+              <a:rPr lang="en-SG" dirty="0">
+                <a:solidFill>
+                  <a:schemeClr val="bg1"/>
+                </a:solidFill>
+              </a:rPr>
+              <a:t> KR Dispatch Dashboard Project : </a:t>
+            </a:r>
+            <a:r>
+              <a:rPr lang="en-US" dirty="0" err="1">
+                <a:solidFill>
+                  <a:schemeClr val="bg1"/>
+                </a:solidFill>
+              </a:rPr>
+              <a:t>MileStone</a:t>
+            </a:r>
+            <a:endParaRPr lang="en-SG" dirty="0">
+              <a:solidFill>
+                <a:schemeClr val="bg1"/>
+              </a:solidFill>
+            </a:endParaRPr>
+          </a:p>
+        </p:txBody>
+      </p:sp>
+      <p:sp>
+        <p:nvSpPr>
+          <p:cNvPr id="8" name="화살표: 오각형 7">
+            <a:extLst>
+              <a:ext uri="{FF2B5EF4-FFF2-40B4-BE49-F238E27FC236}">
+                <a16:creationId xmlns:a16="http://schemas.microsoft.com/office/drawing/2014/main" id="{950D1493-AA80-522C-94C9-48C2CE8F8DDF}"/>
+              </a:ext>
+            </a:extLst>
+          </p:cNvPr>
+          <p:cNvSpPr/>
+          <p:nvPr/>
+        </p:nvSpPr>
+        <p:spPr>
+          <a:xfrm>
+            <a:off x="1968624" y="1005839"/>
+            <a:ext cx="3205566" cy="433137"/>
+          </a:xfrm>
+          <a:prstGeom prst="homePlate">
+            <a:avLst>
+              <a:gd name="adj" fmla="val 63487"/>
+            </a:avLst>
+          </a:prstGeom>
+          <a:solidFill>
+            <a:srgbClr val="E2211C">
+              <a:alpha val="70000"/>
+            </a:srgbClr>
+          </a:solidFill>
+          <a:ln w="28575">
+            <a:noFill/>
+          </a:ln>
+        </p:spPr>
+        <p:style>
+          <a:lnRef idx="2">
+            <a:schemeClr val="accent1">
+              <a:shade val="15000"/>
+            </a:schemeClr>
+          </a:lnRef>
+          <a:fillRef idx="1">
+            <a:schemeClr val="accent1"/>
+          </a:fillRef>
+          <a:effectRef idx="0">
+            <a:schemeClr val="accent1"/>
+          </a:effectRef>
+          <a:fontRef idx="minor">
+            <a:schemeClr val="lt1"/>
+          </a:fontRef>
+        </p:style>
+        <p:txBody>
+          <a:bodyPr rtlCol="0" anchor="ctr"/>
+          <a:lstStyle/>
+          <a:p>
+            <a:pPr algn="ctr"/>
+            <a:r>
+              <a:rPr lang="en-US" altLang="ko-KR" sz="2000" b="1" dirty="0">
+                <a:solidFill>
+                  <a:schemeClr val="bg1"/>
+                </a:solidFill>
+              </a:rPr>
+              <a:t>Version 1</a:t>
+            </a:r>
+            <a:endParaRPr lang="ko-KR" altLang="en-US" sz="2000" b="1" dirty="0">
+              <a:solidFill>
+                <a:schemeClr val="bg1"/>
+              </a:solidFill>
+            </a:endParaRPr>
+          </a:p>
+        </p:txBody>
+      </p:sp>
+      <p:sp>
+        <p:nvSpPr>
+          <p:cNvPr id="9" name="화살표: 오각형 8">
+            <a:extLst>
+              <a:ext uri="{FF2B5EF4-FFF2-40B4-BE49-F238E27FC236}">
+                <a16:creationId xmlns:a16="http://schemas.microsoft.com/office/drawing/2014/main" id="{561A180F-3241-0A2D-CC96-2A7C927E4DEC}"/>
+              </a:ext>
+            </a:extLst>
+          </p:cNvPr>
+          <p:cNvSpPr/>
+          <p:nvPr/>
+        </p:nvSpPr>
+        <p:spPr>
+          <a:xfrm>
+            <a:off x="5174191" y="1005839"/>
+            <a:ext cx="3930743" cy="433137"/>
+          </a:xfrm>
+          <a:prstGeom prst="homePlate">
+            <a:avLst>
+              <a:gd name="adj" fmla="val 61728"/>
+            </a:avLst>
+          </a:prstGeom>
+          <a:solidFill>
+            <a:srgbClr val="E2211C">
+              <a:alpha val="70000"/>
+            </a:srgbClr>
+          </a:solidFill>
+          <a:ln w="28575">
+            <a:noFill/>
+          </a:ln>
+        </p:spPr>
+        <p:style>
+          <a:lnRef idx="2">
+            <a:schemeClr val="accent1">
+              <a:shade val="15000"/>
+            </a:schemeClr>
+          </a:lnRef>
+          <a:fillRef idx="1">
+            <a:schemeClr val="accent1"/>
+          </a:fillRef>
+          <a:effectRef idx="0">
+            <a:schemeClr val="accent1"/>
+          </a:effectRef>
+          <a:fontRef idx="minor">
+            <a:schemeClr val="lt1"/>
+          </a:fontRef>
+        </p:style>
+        <p:txBody>
+          <a:bodyPr rtlCol="0" anchor="ctr"/>
+          <a:lstStyle/>
+          <a:p>
+            <a:pPr algn="ctr"/>
+            <a:r>
+              <a:rPr lang="en-US" altLang="ko-KR" sz="2000" b="1" dirty="0">
+                <a:solidFill>
+                  <a:schemeClr val="bg1"/>
+                </a:solidFill>
+              </a:rPr>
+              <a:t>Version 2</a:t>
+            </a:r>
+            <a:endParaRPr lang="ko-KR" altLang="en-US" sz="2000" b="1" dirty="0">
+              <a:solidFill>
+                <a:schemeClr val="bg1"/>
+              </a:solidFill>
+            </a:endParaRPr>
+          </a:p>
+        </p:txBody>
+      </p:sp>
+      <p:sp>
+        <p:nvSpPr>
+          <p:cNvPr id="10" name="화살표: 오각형 9">
+            <a:extLst>
+              <a:ext uri="{FF2B5EF4-FFF2-40B4-BE49-F238E27FC236}">
+                <a16:creationId xmlns:a16="http://schemas.microsoft.com/office/drawing/2014/main" id="{4D31668B-8053-43CF-4FAD-A78F2AF49207}"/>
+              </a:ext>
+            </a:extLst>
+          </p:cNvPr>
+          <p:cNvSpPr/>
+          <p:nvPr/>
+        </p:nvSpPr>
+        <p:spPr>
+          <a:xfrm>
+            <a:off x="317634" y="1790299"/>
+            <a:ext cx="1602742" cy="860727"/>
+          </a:xfrm>
+          <a:prstGeom prst="homePlate">
+            <a:avLst>
+              <a:gd name="adj" fmla="val 27701"/>
+            </a:avLst>
+          </a:prstGeom>
+          <a:solidFill>
+            <a:srgbClr val="C00000"/>
+          </a:solidFill>
+          <a:ln w="28575">
+            <a:noFill/>
+          </a:ln>
+        </p:spPr>
+        <p:style>
+          <a:lnRef idx="2">
+            <a:schemeClr val="accent1">
+              <a:shade val="15000"/>
+            </a:schemeClr>
+          </a:lnRef>
+          <a:fillRef idx="1">
+            <a:schemeClr val="accent1"/>
+          </a:fillRef>
+          <a:effectRef idx="0">
+            <a:schemeClr val="accent1"/>
+          </a:effectRef>
+          <a:fontRef idx="minor">
+            <a:schemeClr val="lt1"/>
+          </a:fontRef>
+        </p:style>
+        <p:txBody>
+          <a:bodyPr rtlCol="0" anchor="ctr"/>
+          <a:lstStyle/>
+          <a:p>
+            <a:pPr algn="ctr"/>
+            <a:r>
+              <a:rPr lang="en-US" altLang="ko-KR" sz="1600" b="1" dirty="0">
+                <a:solidFill>
+                  <a:schemeClr val="bg1"/>
+                </a:solidFill>
+              </a:rPr>
+              <a:t>Topic</a:t>
+            </a:r>
+            <a:endParaRPr lang="ko-KR" altLang="en-US" sz="1600" b="1" dirty="0">
+              <a:solidFill>
+                <a:schemeClr val="bg1"/>
+              </a:solidFill>
+            </a:endParaRPr>
+          </a:p>
+        </p:txBody>
+      </p:sp>
+      <p:sp>
+        <p:nvSpPr>
+          <p:cNvPr id="12" name="화살표: 오각형 11">
+            <a:extLst>
+              <a:ext uri="{FF2B5EF4-FFF2-40B4-BE49-F238E27FC236}">
+                <a16:creationId xmlns:a16="http://schemas.microsoft.com/office/drawing/2014/main" id="{1D407AA6-0CD1-5542-E0F8-3129B019E153}"/>
+              </a:ext>
+            </a:extLst>
+          </p:cNvPr>
+          <p:cNvSpPr/>
+          <p:nvPr/>
+        </p:nvSpPr>
+        <p:spPr>
+          <a:xfrm>
+            <a:off x="317634" y="2743933"/>
+            <a:ext cx="1620538" cy="1222408"/>
+          </a:xfrm>
+          <a:prstGeom prst="homePlate">
+            <a:avLst>
+              <a:gd name="adj" fmla="val 18504"/>
+            </a:avLst>
+          </a:prstGeom>
+          <a:solidFill>
+            <a:srgbClr val="C00000"/>
+          </a:solidFill>
+          <a:ln w="28575">
+            <a:noFill/>
+          </a:ln>
+        </p:spPr>
+        <p:style>
+          <a:lnRef idx="2">
+            <a:schemeClr val="accent1">
+              <a:shade val="15000"/>
+            </a:schemeClr>
+          </a:lnRef>
+          <a:fillRef idx="1">
+            <a:schemeClr val="accent1"/>
+          </a:fillRef>
+          <a:effectRef idx="0">
+            <a:schemeClr val="accent1"/>
+          </a:effectRef>
+          <a:fontRef idx="minor">
+            <a:schemeClr val="lt1"/>
+          </a:fontRef>
+        </p:style>
+        <p:txBody>
+          <a:bodyPr rtlCol="0" anchor="ctr"/>
+          <a:lstStyle/>
+          <a:p>
+            <a:pPr algn="ctr"/>
+            <a:r>
+              <a:rPr lang="en-US" altLang="ko-KR" sz="1600" b="1" dirty="0">
+                <a:solidFill>
+                  <a:schemeClr val="bg1"/>
+                </a:solidFill>
+              </a:rPr>
+              <a:t>Target</a:t>
+            </a:r>
+            <a:endParaRPr lang="ko-KR" altLang="en-US" sz="1600" b="1" dirty="0">
+              <a:solidFill>
+                <a:schemeClr val="bg1"/>
+              </a:solidFill>
+            </a:endParaRPr>
+          </a:p>
+        </p:txBody>
+      </p:sp>
+      <p:sp>
+        <p:nvSpPr>
+          <p:cNvPr id="15" name="화살표: 오각형 14">
+            <a:extLst>
+              <a:ext uri="{FF2B5EF4-FFF2-40B4-BE49-F238E27FC236}">
+                <a16:creationId xmlns:a16="http://schemas.microsoft.com/office/drawing/2014/main" id="{03A69B70-DD82-2C97-F2B0-45A3720E63AD}"/>
+              </a:ext>
+            </a:extLst>
+          </p:cNvPr>
+          <p:cNvSpPr/>
+          <p:nvPr/>
+        </p:nvSpPr>
+        <p:spPr>
+          <a:xfrm>
+            <a:off x="317634" y="4059248"/>
+            <a:ext cx="1620538" cy="1792913"/>
+          </a:xfrm>
+          <a:prstGeom prst="homePlate">
+            <a:avLst>
+              <a:gd name="adj" fmla="val 16101"/>
+            </a:avLst>
+          </a:prstGeom>
+          <a:solidFill>
+            <a:srgbClr val="C00000"/>
+          </a:solidFill>
+          <a:ln w="28575">
+            <a:noFill/>
+          </a:ln>
+        </p:spPr>
+        <p:style>
+          <a:lnRef idx="2">
+            <a:schemeClr val="accent1">
+              <a:shade val="15000"/>
+            </a:schemeClr>
+          </a:lnRef>
+          <a:fillRef idx="1">
+            <a:schemeClr val="accent1"/>
+          </a:fillRef>
+          <a:effectRef idx="0">
+            <a:schemeClr val="accent1"/>
+          </a:effectRef>
+          <a:fontRef idx="minor">
+            <a:schemeClr val="lt1"/>
+          </a:fontRef>
+        </p:style>
+        <p:txBody>
+          <a:bodyPr rtlCol="0" anchor="ctr"/>
+          <a:lstStyle/>
+          <a:p>
+            <a:pPr algn="ctr"/>
+            <a:r>
+              <a:rPr lang="en-US" altLang="ko-KR" sz="1600" b="1" dirty="0">
+                <a:solidFill>
+                  <a:schemeClr val="bg1"/>
+                </a:solidFill>
+              </a:rPr>
+              <a:t>Output</a:t>
+            </a:r>
+          </a:p>
+          <a:p>
+            <a:pPr algn="ctr"/>
+            <a:r>
+              <a:rPr lang="en-US" altLang="ko-KR" sz="1600" b="1" dirty="0">
+                <a:solidFill>
+                  <a:schemeClr val="bg1"/>
+                </a:solidFill>
+              </a:rPr>
+              <a:t>&amp;</a:t>
+            </a:r>
+          </a:p>
+          <a:p>
+            <a:pPr algn="ctr"/>
+            <a:r>
+              <a:rPr lang="en-US" altLang="ko-KR" sz="1600" b="1" dirty="0">
+                <a:solidFill>
+                  <a:schemeClr val="bg1"/>
+                </a:solidFill>
+              </a:rPr>
+              <a:t>Remark</a:t>
+            </a:r>
+            <a:endParaRPr lang="ko-KR" altLang="en-US" sz="1600" b="1" dirty="0">
+              <a:solidFill>
+                <a:schemeClr val="bg1"/>
+              </a:solidFill>
+            </a:endParaRPr>
+          </a:p>
+        </p:txBody>
+      </p:sp>
+      <p:sp>
+        <p:nvSpPr>
+          <p:cNvPr id="17" name="사각형: 둥근 모서리 16">
+            <a:extLst>
+              <a:ext uri="{FF2B5EF4-FFF2-40B4-BE49-F238E27FC236}">
+                <a16:creationId xmlns:a16="http://schemas.microsoft.com/office/drawing/2014/main" id="{A13515DA-34C5-0DE4-AC86-4A6D87E32057}"/>
+              </a:ext>
+            </a:extLst>
+          </p:cNvPr>
+          <p:cNvSpPr/>
+          <p:nvPr/>
+        </p:nvSpPr>
+        <p:spPr>
+          <a:xfrm>
+            <a:off x="2063549" y="1838424"/>
+            <a:ext cx="3015715" cy="860727"/>
+          </a:xfrm>
+          <a:prstGeom prst="roundRect">
+            <a:avLst/>
+          </a:prstGeom>
+          <a:solidFill>
+            <a:schemeClr val="bg1">
+              <a:lumMod val="95000"/>
+            </a:schemeClr>
+          </a:solidFill>
+          <a:ln w="28575">
+            <a:solidFill>
+              <a:schemeClr val="bg1">
+                <a:lumMod val="75000"/>
+              </a:schemeClr>
+            </a:solidFill>
+          </a:ln>
+        </p:spPr>
+        <p:style>
+          <a:lnRef idx="2">
+            <a:schemeClr val="accent1">
+              <a:shade val="15000"/>
+            </a:schemeClr>
+          </a:lnRef>
+          <a:fillRef idx="1">
+            <a:schemeClr val="accent1"/>
+          </a:fillRef>
+          <a:effectRef idx="0">
+            <a:schemeClr val="accent1"/>
+          </a:effectRef>
+          <a:fontRef idx="minor">
+            <a:schemeClr val="lt1"/>
+          </a:fontRef>
+        </p:style>
+        <p:txBody>
+          <a:bodyPr rtlCol="0" anchor="ctr"/>
+          <a:lstStyle/>
+          <a:p>
+            <a:pPr algn="ctr">
+              <a:lnSpc>
+                <a:spcPct val="130000"/>
+              </a:lnSpc>
+            </a:pPr>
+            <a:r>
+              <a:rPr lang="ko-KR" altLang="en-US" sz="1600" dirty="0">
+                <a:ln w="6350">
+                  <a:solidFill>
+                    <a:schemeClr val="tx1"/>
+                  </a:solidFill>
+                </a:ln>
+                <a:solidFill>
+                  <a:schemeClr val="tx1"/>
+                </a:solidFill>
+              </a:rPr>
+              <a:t>기본 웹 페이지 구축</a:t>
+            </a:r>
+            <a:endParaRPr lang="en-US" altLang="ko-KR" sz="1600" dirty="0">
+              <a:ln w="6350">
+                <a:solidFill>
+                  <a:schemeClr val="tx1"/>
+                </a:solidFill>
+              </a:ln>
+              <a:solidFill>
+                <a:schemeClr val="tx1"/>
+              </a:solidFill>
+            </a:endParaRPr>
+          </a:p>
+        </p:txBody>
+      </p:sp>
+      <p:cxnSp>
+        <p:nvCxnSpPr>
+          <p:cNvPr id="21" name="직선 연결선 20">
+            <a:extLst>
+              <a:ext uri="{FF2B5EF4-FFF2-40B4-BE49-F238E27FC236}">
+                <a16:creationId xmlns:a16="http://schemas.microsoft.com/office/drawing/2014/main" id="{FF80FA14-D951-A651-6687-E465B91C4740}"/>
+              </a:ext>
+            </a:extLst>
+          </p:cNvPr>
+          <p:cNvCxnSpPr/>
+          <p:nvPr/>
+        </p:nvCxnSpPr>
+        <p:spPr>
+          <a:xfrm>
+            <a:off x="317634" y="2743933"/>
+            <a:ext cx="11366403" cy="0"/>
+          </a:xfrm>
+          <a:prstGeom prst="line">
+            <a:avLst/>
+          </a:prstGeom>
+          <a:ln w="12700">
+            <a:solidFill>
+              <a:schemeClr val="bg1">
+                <a:lumMod val="85000"/>
+              </a:schemeClr>
+            </a:solidFill>
+          </a:ln>
+        </p:spPr>
+        <p:style>
+          <a:lnRef idx="1">
+            <a:schemeClr val="accent1"/>
+          </a:lnRef>
+          <a:fillRef idx="0">
+            <a:schemeClr val="accent1"/>
+          </a:fillRef>
+          <a:effectRef idx="0">
+            <a:schemeClr val="accent1"/>
+          </a:effectRef>
+          <a:fontRef idx="minor">
+            <a:schemeClr val="tx1"/>
+          </a:fontRef>
+        </p:style>
+      </p:cxnSp>
+      <p:cxnSp>
+        <p:nvCxnSpPr>
+          <p:cNvPr id="22" name="직선 연결선 21">
+            <a:extLst>
+              <a:ext uri="{FF2B5EF4-FFF2-40B4-BE49-F238E27FC236}">
+                <a16:creationId xmlns:a16="http://schemas.microsoft.com/office/drawing/2014/main" id="{7B8C22B2-9ED0-0A76-38A8-BC9252F16EF2}"/>
+              </a:ext>
+            </a:extLst>
+          </p:cNvPr>
+          <p:cNvCxnSpPr/>
+          <p:nvPr/>
+        </p:nvCxnSpPr>
+        <p:spPr>
+          <a:xfrm>
+            <a:off x="317634" y="1781407"/>
+            <a:ext cx="11366403" cy="0"/>
+          </a:xfrm>
+          <a:prstGeom prst="line">
+            <a:avLst/>
+          </a:prstGeom>
+          <a:ln w="12700">
+            <a:solidFill>
+              <a:schemeClr val="bg1">
+                <a:lumMod val="85000"/>
+              </a:schemeClr>
+            </a:solidFill>
+          </a:ln>
+        </p:spPr>
+        <p:style>
+          <a:lnRef idx="1">
+            <a:schemeClr val="accent1"/>
+          </a:lnRef>
+          <a:fillRef idx="0">
+            <a:schemeClr val="accent1"/>
+          </a:fillRef>
+          <a:effectRef idx="0">
+            <a:schemeClr val="accent1"/>
+          </a:effectRef>
+          <a:fontRef idx="minor">
+            <a:schemeClr val="tx1"/>
+          </a:fontRef>
+        </p:style>
+      </p:cxnSp>
+      <p:cxnSp>
+        <p:nvCxnSpPr>
+          <p:cNvPr id="23" name="직선 연결선 22">
+            <a:extLst>
+              <a:ext uri="{FF2B5EF4-FFF2-40B4-BE49-F238E27FC236}">
+                <a16:creationId xmlns:a16="http://schemas.microsoft.com/office/drawing/2014/main" id="{40DE019B-F3E2-B348-2158-385579EC132D}"/>
+              </a:ext>
+            </a:extLst>
+          </p:cNvPr>
+          <p:cNvCxnSpPr/>
+          <p:nvPr/>
+        </p:nvCxnSpPr>
+        <p:spPr>
+          <a:xfrm>
+            <a:off x="317634" y="4059248"/>
+            <a:ext cx="11366403" cy="0"/>
+          </a:xfrm>
+          <a:prstGeom prst="line">
+            <a:avLst/>
+          </a:prstGeom>
+          <a:ln w="12700">
+            <a:solidFill>
+              <a:schemeClr val="bg1">
+                <a:lumMod val="85000"/>
+              </a:schemeClr>
+            </a:solidFill>
+          </a:ln>
+        </p:spPr>
+        <p:style>
+          <a:lnRef idx="1">
+            <a:schemeClr val="accent1"/>
+          </a:lnRef>
+          <a:fillRef idx="0">
+            <a:schemeClr val="accent1"/>
+          </a:fillRef>
+          <a:effectRef idx="0">
+            <a:schemeClr val="accent1"/>
+          </a:effectRef>
+          <a:fontRef idx="minor">
+            <a:schemeClr val="tx1"/>
+          </a:fontRef>
+        </p:style>
+      </p:cxnSp>
+      <p:cxnSp>
+        <p:nvCxnSpPr>
+          <p:cNvPr id="25" name="직선 연결선 24">
+            <a:extLst>
+              <a:ext uri="{FF2B5EF4-FFF2-40B4-BE49-F238E27FC236}">
+                <a16:creationId xmlns:a16="http://schemas.microsoft.com/office/drawing/2014/main" id="{46F435B1-D246-064E-696F-3C1541941101}"/>
+              </a:ext>
+            </a:extLst>
+          </p:cNvPr>
+          <p:cNvCxnSpPr/>
+          <p:nvPr/>
+        </p:nvCxnSpPr>
+        <p:spPr>
+          <a:xfrm>
+            <a:off x="1968622" y="1005839"/>
+            <a:ext cx="0" cy="4846322"/>
+          </a:xfrm>
+          <a:prstGeom prst="line">
+            <a:avLst/>
+          </a:prstGeom>
+          <a:ln w="12700">
+            <a:solidFill>
+              <a:schemeClr val="tx1"/>
+            </a:solidFill>
+          </a:ln>
+        </p:spPr>
+        <p:style>
+          <a:lnRef idx="1">
+            <a:schemeClr val="accent1"/>
+          </a:lnRef>
+          <a:fillRef idx="0">
+            <a:schemeClr val="accent1"/>
+          </a:fillRef>
+          <a:effectRef idx="0">
+            <a:schemeClr val="accent1"/>
+          </a:effectRef>
+          <a:fontRef idx="minor">
+            <a:schemeClr val="tx1"/>
+          </a:fontRef>
+        </p:style>
+      </p:cxnSp>
+      <p:sp>
+        <p:nvSpPr>
+          <p:cNvPr id="30" name="TextBox 29">
+            <a:extLst>
+              <a:ext uri="{FF2B5EF4-FFF2-40B4-BE49-F238E27FC236}">
+                <a16:creationId xmlns:a16="http://schemas.microsoft.com/office/drawing/2014/main" id="{C5862AF7-D560-9E15-0544-0EA6C98FB3CE}"/>
+              </a:ext>
+            </a:extLst>
+          </p:cNvPr>
+          <p:cNvSpPr txBox="1"/>
+          <p:nvPr/>
+        </p:nvSpPr>
+        <p:spPr>
+          <a:xfrm>
+            <a:off x="1981467" y="2777049"/>
+            <a:ext cx="3187773" cy="904543"/>
+          </a:xfrm>
+          <a:prstGeom prst="rect">
+            <a:avLst/>
+          </a:prstGeom>
+          <a:noFill/>
+        </p:spPr>
+        <p:txBody>
+          <a:bodyPr wrap="square" rtlCol="0" anchor="ctr">
+            <a:spAutoFit/>
+          </a:bodyPr>
+          <a:lstStyle/>
+          <a:p>
+            <a:pPr>
+              <a:lnSpc>
+                <a:spcPct val="130000"/>
+              </a:lnSpc>
+              <a:spcBef>
+                <a:spcPts val="500"/>
+              </a:spcBef>
+              <a:spcAft>
+                <a:spcPts val="300"/>
+              </a:spcAft>
+            </a:pPr>
+            <a:r>
+              <a:rPr lang="en-US" altLang="ko-KR" sz="1050" dirty="0">
+                <a:latin typeface="+mn-ea"/>
+              </a:rPr>
+              <a:t>▶ </a:t>
+            </a:r>
+            <a:r>
+              <a:rPr lang="ko-KR" altLang="en-US" sz="1050" dirty="0">
+                <a:latin typeface="+mn-ea"/>
+              </a:rPr>
+              <a:t>배차 대시보드 웹페이지 개발 및 배포</a:t>
+            </a:r>
+            <a:endParaRPr lang="en-US" altLang="ko-KR" sz="500" dirty="0">
+              <a:latin typeface="+mn-ea"/>
+            </a:endParaRPr>
+          </a:p>
+          <a:p>
+            <a:pPr>
+              <a:lnSpc>
+                <a:spcPct val="130000"/>
+              </a:lnSpc>
+              <a:spcBef>
+                <a:spcPts val="500"/>
+              </a:spcBef>
+              <a:spcAft>
+                <a:spcPts val="300"/>
+              </a:spcAft>
+            </a:pPr>
+            <a:r>
+              <a:rPr lang="en-US" altLang="ko-KR" sz="1050" dirty="0">
+                <a:latin typeface="+mn-ea"/>
+              </a:rPr>
+              <a:t>▶ </a:t>
+            </a:r>
+            <a:r>
+              <a:rPr lang="ko-KR" altLang="en-US" sz="1050" dirty="0">
+                <a:latin typeface="+mn-ea"/>
+              </a:rPr>
+              <a:t>필요 데이터 수집 및 서버 </a:t>
+            </a:r>
+            <a:r>
+              <a:rPr lang="en-US" altLang="ko-KR" sz="1050" dirty="0">
+                <a:latin typeface="+mn-ea"/>
+              </a:rPr>
+              <a:t>DB </a:t>
+            </a:r>
+            <a:r>
+              <a:rPr lang="ko-KR" altLang="en-US" sz="1050" dirty="0">
+                <a:latin typeface="+mn-ea"/>
+              </a:rPr>
+              <a:t>데이터 구축</a:t>
+            </a:r>
+            <a:endParaRPr lang="en-US" altLang="ko-KR" sz="500" dirty="0">
+              <a:latin typeface="+mn-ea"/>
+            </a:endParaRPr>
+          </a:p>
+          <a:p>
+            <a:pPr>
+              <a:lnSpc>
+                <a:spcPct val="130000"/>
+              </a:lnSpc>
+              <a:spcBef>
+                <a:spcPts val="500"/>
+              </a:spcBef>
+              <a:spcAft>
+                <a:spcPts val="300"/>
+              </a:spcAft>
+            </a:pPr>
+            <a:r>
+              <a:rPr lang="en-US" altLang="ko-KR" sz="1050" dirty="0">
+                <a:latin typeface="+mn-ea"/>
+              </a:rPr>
+              <a:t>▶ </a:t>
+            </a:r>
+            <a:r>
+              <a:rPr lang="ko-KR" altLang="en-US" sz="1050" dirty="0">
+                <a:latin typeface="+mn-ea"/>
+              </a:rPr>
+              <a:t>서버 효율 및 트래픽 안정화 </a:t>
+            </a:r>
+            <a:endParaRPr lang="en-US" altLang="ko-KR" sz="1050" dirty="0">
+              <a:latin typeface="+mn-ea"/>
+            </a:endParaRPr>
+          </a:p>
+        </p:txBody>
+      </p:sp>
+      <p:sp>
+        <p:nvSpPr>
+          <p:cNvPr id="32" name="TextBox 31">
+            <a:extLst>
+              <a:ext uri="{FF2B5EF4-FFF2-40B4-BE49-F238E27FC236}">
+                <a16:creationId xmlns:a16="http://schemas.microsoft.com/office/drawing/2014/main" id="{0BC01057-71C0-1BA4-E1D2-91E0AAE815DD}"/>
+              </a:ext>
+            </a:extLst>
+          </p:cNvPr>
+          <p:cNvSpPr txBox="1"/>
+          <p:nvPr/>
+        </p:nvSpPr>
+        <p:spPr>
+          <a:xfrm>
+            <a:off x="1986418" y="4059678"/>
+            <a:ext cx="3187773" cy="1720536"/>
+          </a:xfrm>
+          <a:prstGeom prst="rect">
+            <a:avLst/>
+          </a:prstGeom>
+          <a:noFill/>
+        </p:spPr>
+        <p:txBody>
+          <a:bodyPr wrap="square" rtlCol="0">
+            <a:spAutoFit/>
+          </a:bodyPr>
+          <a:lstStyle/>
+          <a:p>
+            <a:pPr marL="228600" indent="-228600">
+              <a:lnSpc>
+                <a:spcPct val="150000"/>
+              </a:lnSpc>
+              <a:spcBef>
+                <a:spcPts val="500"/>
+              </a:spcBef>
+              <a:spcAft>
+                <a:spcPts val="300"/>
+              </a:spcAft>
+              <a:buAutoNum type="arabicParenR"/>
+            </a:pPr>
+            <a:r>
+              <a:rPr lang="ko-KR" altLang="en-US" sz="1050" dirty="0">
+                <a:latin typeface="+mn-ea"/>
+                <a:ea typeface="+mj-ea"/>
+              </a:rPr>
+              <a:t>서울 허브에서 이루어지고 있는 </a:t>
+            </a:r>
+            <a:r>
+              <a:rPr lang="en-US" altLang="ko-KR" sz="1050" dirty="0">
+                <a:latin typeface="+mn-ea"/>
+                <a:ea typeface="+mj-ea"/>
+              </a:rPr>
+              <a:t>SBD </a:t>
+            </a:r>
+            <a:r>
+              <a:rPr lang="ko-KR" altLang="en-US" sz="1050" dirty="0">
+                <a:latin typeface="+mn-ea"/>
+                <a:ea typeface="+mj-ea"/>
+              </a:rPr>
+              <a:t>오더 현황 파악</a:t>
+            </a:r>
+            <a:r>
+              <a:rPr lang="en-US" altLang="ko-KR" sz="1050" dirty="0">
+                <a:latin typeface="+mn-ea"/>
+                <a:ea typeface="+mj-ea"/>
+              </a:rPr>
+              <a:t>, </a:t>
+            </a:r>
+            <a:r>
+              <a:rPr lang="ko-KR" altLang="en-US" sz="1050" dirty="0">
+                <a:latin typeface="+mn-ea"/>
+                <a:ea typeface="+mj-ea"/>
+              </a:rPr>
+              <a:t>배송 타입 및 부서별 현황 파악</a:t>
+            </a:r>
+            <a:endParaRPr lang="en-US" altLang="ko-KR" sz="500" dirty="0">
+              <a:latin typeface="+mn-ea"/>
+              <a:ea typeface="+mj-ea"/>
+            </a:endParaRPr>
+          </a:p>
+          <a:p>
+            <a:pPr marL="228600" indent="-228600">
+              <a:lnSpc>
+                <a:spcPct val="150000"/>
+              </a:lnSpc>
+              <a:spcBef>
+                <a:spcPts val="500"/>
+              </a:spcBef>
+              <a:spcAft>
+                <a:spcPts val="300"/>
+              </a:spcAft>
+              <a:buAutoNum type="arabicParenR"/>
+            </a:pPr>
+            <a:r>
+              <a:rPr lang="ko-KR" altLang="en-US" sz="1050" dirty="0">
+                <a:latin typeface="+mn-ea"/>
+                <a:ea typeface="+mj-ea"/>
+              </a:rPr>
+              <a:t>서울 기준 우편번호 데이터 수집 </a:t>
+            </a:r>
+            <a:r>
+              <a:rPr lang="en-US" altLang="ko-KR" sz="1050" dirty="0">
+                <a:latin typeface="+mn-ea"/>
+                <a:ea typeface="+mj-ea"/>
+              </a:rPr>
+              <a:t>             </a:t>
+            </a:r>
+            <a:r>
+              <a:rPr lang="ko-KR" altLang="en-US" sz="1050" dirty="0">
+                <a:latin typeface="+mn-ea"/>
+                <a:ea typeface="+mj-ea"/>
+              </a:rPr>
+              <a:t>거리별 </a:t>
+            </a:r>
+            <a:r>
+              <a:rPr lang="en-US" altLang="ko-KR" sz="1050" dirty="0">
+                <a:latin typeface="+mn-ea"/>
+                <a:ea typeface="+mj-ea"/>
+              </a:rPr>
+              <a:t>DB </a:t>
+            </a:r>
+            <a:r>
+              <a:rPr lang="ko-KR" altLang="en-US" sz="1050" dirty="0">
+                <a:latin typeface="+mn-ea"/>
+                <a:ea typeface="+mj-ea"/>
+              </a:rPr>
+              <a:t>및 </a:t>
+            </a:r>
+            <a:r>
+              <a:rPr lang="en-US" altLang="ko-KR" sz="1050" dirty="0">
+                <a:latin typeface="+mn-ea"/>
+                <a:ea typeface="+mj-ea"/>
+              </a:rPr>
+              <a:t>Billing Distance </a:t>
+            </a:r>
+            <a:r>
+              <a:rPr lang="ko-KR" altLang="en-US" sz="1050" dirty="0">
+                <a:latin typeface="+mn-ea"/>
+                <a:ea typeface="+mj-ea"/>
+              </a:rPr>
+              <a:t>구축</a:t>
+            </a:r>
+            <a:endParaRPr lang="en-US" altLang="ko-KR" sz="1050" dirty="0">
+              <a:latin typeface="+mn-ea"/>
+              <a:ea typeface="+mj-ea"/>
+            </a:endParaRPr>
+          </a:p>
+          <a:p>
+            <a:pPr marL="228600" indent="-228600">
+              <a:lnSpc>
+                <a:spcPct val="150000"/>
+              </a:lnSpc>
+              <a:spcBef>
+                <a:spcPts val="500"/>
+              </a:spcBef>
+              <a:spcAft>
+                <a:spcPts val="300"/>
+              </a:spcAft>
+              <a:buAutoNum type="arabicParenR" startAt="3"/>
+            </a:pPr>
+            <a:r>
+              <a:rPr lang="en-US" altLang="ko-KR" sz="1050" dirty="0">
+                <a:latin typeface="+mn-ea"/>
+                <a:ea typeface="+mj-ea"/>
+              </a:rPr>
+              <a:t>DB </a:t>
+            </a:r>
+            <a:r>
+              <a:rPr lang="ko-KR" altLang="en-US" sz="1050" dirty="0">
+                <a:latin typeface="+mn-ea"/>
+                <a:ea typeface="+mj-ea"/>
+              </a:rPr>
+              <a:t>구축 및 </a:t>
+            </a:r>
+            <a:r>
+              <a:rPr lang="en-US" altLang="ko-KR" sz="1050" dirty="0">
+                <a:latin typeface="+mn-ea"/>
+                <a:ea typeface="+mj-ea"/>
+              </a:rPr>
+              <a:t>Draft Test</a:t>
+            </a:r>
+            <a:r>
+              <a:rPr lang="ko-KR" altLang="en-US" sz="1050" dirty="0">
+                <a:latin typeface="+mn-ea"/>
+                <a:ea typeface="+mj-ea"/>
+              </a:rPr>
+              <a:t>를 통한 서버 </a:t>
+            </a:r>
+            <a:r>
+              <a:rPr lang="en-US" altLang="ko-KR" sz="1050" dirty="0">
+                <a:latin typeface="+mn-ea"/>
+                <a:ea typeface="+mj-ea"/>
+              </a:rPr>
+              <a:t>Capacity </a:t>
+            </a:r>
+            <a:r>
+              <a:rPr lang="ko-KR" altLang="en-US" sz="1050" dirty="0">
+                <a:latin typeface="+mn-ea"/>
+                <a:ea typeface="+mj-ea"/>
+              </a:rPr>
+              <a:t>및 안정성 검토</a:t>
+            </a:r>
+            <a:endParaRPr lang="ko-KR" altLang="en-US" sz="1050" dirty="0">
+              <a:latin typeface="+mj-ea"/>
+              <a:ea typeface="+mj-ea"/>
+            </a:endParaRPr>
+          </a:p>
+        </p:txBody>
+      </p:sp>
+      <p:sp>
+        <p:nvSpPr>
+          <p:cNvPr id="37" name="화살표: 오각형 36">
+            <a:extLst>
+              <a:ext uri="{FF2B5EF4-FFF2-40B4-BE49-F238E27FC236}">
+                <a16:creationId xmlns:a16="http://schemas.microsoft.com/office/drawing/2014/main" id="{4439B85E-D650-86F0-1936-272CFA69E1DE}"/>
+              </a:ext>
+            </a:extLst>
+          </p:cNvPr>
+          <p:cNvSpPr/>
+          <p:nvPr/>
+        </p:nvSpPr>
+        <p:spPr>
+          <a:xfrm>
+            <a:off x="9104938" y="1005839"/>
+            <a:ext cx="2579099" cy="433137"/>
+          </a:xfrm>
+          <a:prstGeom prst="homePlate">
+            <a:avLst/>
+          </a:prstGeom>
+          <a:solidFill>
+            <a:srgbClr val="EC6966">
+              <a:alpha val="40000"/>
+            </a:srgbClr>
+          </a:solidFill>
+          <a:ln w="28575">
+            <a:noFill/>
+          </a:ln>
+        </p:spPr>
+        <p:style>
+          <a:lnRef idx="2">
+            <a:schemeClr val="accent1">
+              <a:shade val="15000"/>
+            </a:schemeClr>
+          </a:lnRef>
+          <a:fillRef idx="1">
+            <a:schemeClr val="accent1"/>
+          </a:fillRef>
+          <a:effectRef idx="0">
+            <a:schemeClr val="accent1"/>
+          </a:effectRef>
+          <a:fontRef idx="minor">
+            <a:schemeClr val="lt1"/>
+          </a:fontRef>
+        </p:style>
+        <p:txBody>
+          <a:bodyPr rtlCol="0" anchor="ctr"/>
+          <a:lstStyle/>
+          <a:p>
+            <a:pPr algn="ctr"/>
+            <a:r>
+              <a:rPr lang="en-US" altLang="ko-KR" sz="2000" b="1" dirty="0">
+                <a:solidFill>
+                  <a:schemeClr val="bg1"/>
+                </a:solidFill>
+              </a:rPr>
+              <a:t>Version 3</a:t>
+            </a:r>
+            <a:endParaRPr lang="ko-KR" altLang="en-US" sz="2000" b="1" dirty="0">
+              <a:solidFill>
+                <a:schemeClr val="bg1"/>
+              </a:solidFill>
+            </a:endParaRPr>
+          </a:p>
+        </p:txBody>
+      </p:sp>
+      <p:cxnSp>
+        <p:nvCxnSpPr>
+          <p:cNvPr id="38" name="직선 연결선 37">
+            <a:extLst>
+              <a:ext uri="{FF2B5EF4-FFF2-40B4-BE49-F238E27FC236}">
+                <a16:creationId xmlns:a16="http://schemas.microsoft.com/office/drawing/2014/main" id="{7659E04B-B1FB-8275-CE8D-CB8590B63457}"/>
+              </a:ext>
+            </a:extLst>
+          </p:cNvPr>
+          <p:cNvCxnSpPr/>
+          <p:nvPr/>
+        </p:nvCxnSpPr>
+        <p:spPr>
+          <a:xfrm>
+            <a:off x="9104938" y="1005839"/>
+            <a:ext cx="0" cy="4846322"/>
+          </a:xfrm>
+          <a:prstGeom prst="line">
+            <a:avLst/>
+          </a:prstGeom>
+          <a:ln w="12700">
+            <a:solidFill>
+              <a:schemeClr val="tx1"/>
+            </a:solidFill>
+          </a:ln>
+        </p:spPr>
+        <p:style>
+          <a:lnRef idx="1">
+            <a:schemeClr val="accent1"/>
+          </a:lnRef>
+          <a:fillRef idx="0">
+            <a:schemeClr val="accent1"/>
+          </a:fillRef>
+          <a:effectRef idx="0">
+            <a:schemeClr val="accent1"/>
+          </a:effectRef>
+          <a:fontRef idx="minor">
+            <a:schemeClr val="tx1"/>
+          </a:fontRef>
+        </p:style>
+      </p:cxnSp>
+      <p:sp>
+        <p:nvSpPr>
+          <p:cNvPr id="40" name="TextBox 39">
+            <a:extLst>
+              <a:ext uri="{FF2B5EF4-FFF2-40B4-BE49-F238E27FC236}">
+                <a16:creationId xmlns:a16="http://schemas.microsoft.com/office/drawing/2014/main" id="{2D1E9138-7C0C-2DE5-C394-599BD2984B10}"/>
+              </a:ext>
+            </a:extLst>
+          </p:cNvPr>
+          <p:cNvSpPr txBox="1"/>
+          <p:nvPr/>
+        </p:nvSpPr>
+        <p:spPr>
+          <a:xfrm>
+            <a:off x="9180915" y="2777049"/>
+            <a:ext cx="2503122" cy="518091"/>
+          </a:xfrm>
+          <a:prstGeom prst="rect">
+            <a:avLst/>
+          </a:prstGeom>
+          <a:noFill/>
+        </p:spPr>
+        <p:txBody>
+          <a:bodyPr wrap="square" rtlCol="0">
+            <a:spAutoFit/>
+          </a:bodyPr>
+          <a:lstStyle/>
+          <a:p>
+            <a:pPr>
+              <a:spcBef>
+                <a:spcPts val="500"/>
+              </a:spcBef>
+              <a:spcAft>
+                <a:spcPts val="300"/>
+              </a:spcAft>
+            </a:pPr>
+            <a:r>
+              <a:rPr lang="en-US" altLang="ko-KR" sz="1050" dirty="0">
+                <a:latin typeface="+mn-ea"/>
+              </a:rPr>
+              <a:t>▶ </a:t>
+            </a:r>
+            <a:r>
+              <a:rPr lang="ko-KR" altLang="en-US" sz="1050" dirty="0" err="1">
+                <a:latin typeface="+mn-ea"/>
+              </a:rPr>
+              <a:t>퀵</a:t>
+            </a:r>
+            <a:r>
+              <a:rPr lang="ko-KR" altLang="en-US" sz="1050" dirty="0">
+                <a:latin typeface="+mn-ea"/>
+              </a:rPr>
+              <a:t> 배차 시스템과 </a:t>
+            </a:r>
+            <a:r>
+              <a:rPr lang="en-US" altLang="ko-KR" sz="1050" dirty="0">
+                <a:latin typeface="+mn-ea"/>
+              </a:rPr>
+              <a:t>API </a:t>
+            </a:r>
+            <a:r>
+              <a:rPr lang="ko-KR" altLang="en-US" sz="1050" dirty="0">
+                <a:latin typeface="+mn-ea"/>
+              </a:rPr>
+              <a:t>연동</a:t>
+            </a:r>
+            <a:endParaRPr lang="en-US" altLang="ko-KR" sz="500" dirty="0">
+              <a:latin typeface="+mn-ea"/>
+            </a:endParaRPr>
+          </a:p>
+          <a:p>
+            <a:pPr>
+              <a:spcBef>
+                <a:spcPts val="500"/>
+              </a:spcBef>
+              <a:spcAft>
+                <a:spcPts val="300"/>
+              </a:spcAft>
+            </a:pPr>
+            <a:r>
+              <a:rPr lang="en-US" altLang="ko-KR" sz="1050" dirty="0">
+                <a:latin typeface="+mn-ea"/>
+              </a:rPr>
+              <a:t>▶ </a:t>
+            </a:r>
+            <a:r>
+              <a:rPr lang="en-US" altLang="ko-KR" sz="1050" dirty="0" err="1">
+                <a:latin typeface="+mn-ea"/>
+              </a:rPr>
+              <a:t>Vinfiniti</a:t>
+            </a:r>
+            <a:r>
+              <a:rPr lang="en-US" altLang="ko-KR" sz="1050" dirty="0">
+                <a:latin typeface="+mn-ea"/>
+              </a:rPr>
+              <a:t> </a:t>
+            </a:r>
+            <a:r>
+              <a:rPr lang="ko-KR" altLang="en-US" sz="1050" dirty="0">
+                <a:latin typeface="+mn-ea"/>
+              </a:rPr>
+              <a:t>시스템과 </a:t>
+            </a:r>
+            <a:r>
+              <a:rPr lang="en-US" altLang="ko-KR" sz="1050" dirty="0">
+                <a:latin typeface="+mn-ea"/>
+              </a:rPr>
+              <a:t>API </a:t>
+            </a:r>
+            <a:r>
+              <a:rPr lang="ko-KR" altLang="en-US" sz="1050" dirty="0">
+                <a:latin typeface="+mn-ea"/>
+              </a:rPr>
+              <a:t>연동</a:t>
+            </a:r>
+            <a:endParaRPr lang="en-US" altLang="ko-KR" sz="500" dirty="0">
+              <a:latin typeface="+mn-ea"/>
+            </a:endParaRPr>
+          </a:p>
+        </p:txBody>
+      </p:sp>
+      <p:sp>
+        <p:nvSpPr>
+          <p:cNvPr id="41" name="TextBox 40">
+            <a:extLst>
+              <a:ext uri="{FF2B5EF4-FFF2-40B4-BE49-F238E27FC236}">
+                <a16:creationId xmlns:a16="http://schemas.microsoft.com/office/drawing/2014/main" id="{80380D6A-6B77-6EBF-CCB4-DF14C4100057}"/>
+              </a:ext>
+            </a:extLst>
+          </p:cNvPr>
+          <p:cNvSpPr txBox="1"/>
+          <p:nvPr/>
+        </p:nvSpPr>
+        <p:spPr>
+          <a:xfrm>
+            <a:off x="9180914" y="4059678"/>
+            <a:ext cx="2503121" cy="545855"/>
+          </a:xfrm>
+          <a:prstGeom prst="rect">
+            <a:avLst/>
+          </a:prstGeom>
+          <a:noFill/>
+        </p:spPr>
+        <p:txBody>
+          <a:bodyPr wrap="square" rtlCol="0">
+            <a:spAutoFit/>
+          </a:bodyPr>
+          <a:lstStyle/>
+          <a:p>
+            <a:pPr marL="228600" indent="-228600">
+              <a:lnSpc>
+                <a:spcPct val="150000"/>
+              </a:lnSpc>
+              <a:spcBef>
+                <a:spcPts val="500"/>
+              </a:spcBef>
+              <a:spcAft>
+                <a:spcPts val="300"/>
+              </a:spcAft>
+              <a:buAutoNum type="arabicParenR"/>
+            </a:pPr>
+            <a:r>
+              <a:rPr lang="en-US" altLang="ko-KR" sz="1050" dirty="0">
+                <a:latin typeface="+mn-ea"/>
+                <a:ea typeface="+mj-ea"/>
+              </a:rPr>
+              <a:t>Human</a:t>
+            </a:r>
+            <a:r>
+              <a:rPr lang="ko-KR" altLang="en-US" sz="1050" dirty="0">
+                <a:latin typeface="+mn-ea"/>
+                <a:ea typeface="+mj-ea"/>
+              </a:rPr>
+              <a:t> </a:t>
+            </a:r>
+            <a:r>
+              <a:rPr lang="en-US" altLang="ko-KR" sz="1050" dirty="0">
+                <a:latin typeface="+mn-ea"/>
+                <a:ea typeface="+mj-ea"/>
+              </a:rPr>
+              <a:t>Resources </a:t>
+            </a:r>
+            <a:r>
+              <a:rPr lang="ko-KR" altLang="en-US" sz="1050" dirty="0">
+                <a:latin typeface="+mn-ea"/>
+                <a:ea typeface="+mj-ea"/>
+              </a:rPr>
+              <a:t>감소를 위한 </a:t>
+            </a:r>
+            <a:r>
+              <a:rPr lang="en-US" altLang="ko-KR" sz="1050" dirty="0">
+                <a:latin typeface="+mn-ea"/>
+                <a:ea typeface="+mj-ea"/>
+              </a:rPr>
+              <a:t>   </a:t>
+            </a:r>
+            <a:r>
+              <a:rPr lang="ko-KR" altLang="en-US" sz="1050" dirty="0">
+                <a:latin typeface="+mn-ea"/>
+                <a:ea typeface="+mj-ea"/>
+              </a:rPr>
+              <a:t>타 시스템 </a:t>
+            </a:r>
+            <a:r>
+              <a:rPr lang="en-US" altLang="ko-KR" sz="1050" dirty="0">
+                <a:latin typeface="+mn-ea"/>
+                <a:ea typeface="+mj-ea"/>
+              </a:rPr>
+              <a:t>API </a:t>
+            </a:r>
+            <a:r>
+              <a:rPr lang="ko-KR" altLang="en-US" sz="1050" dirty="0">
+                <a:latin typeface="+mn-ea"/>
+                <a:ea typeface="+mj-ea"/>
+              </a:rPr>
+              <a:t>연동</a:t>
+            </a:r>
+            <a:endParaRPr lang="en-US" altLang="ko-KR" sz="1050" dirty="0">
+              <a:latin typeface="+mn-ea"/>
+              <a:ea typeface="+mj-ea"/>
+            </a:endParaRPr>
+          </a:p>
+        </p:txBody>
+      </p:sp>
+      <p:sp>
+        <p:nvSpPr>
+          <p:cNvPr id="42" name="TextBox 41">
+            <a:extLst>
+              <a:ext uri="{FF2B5EF4-FFF2-40B4-BE49-F238E27FC236}">
+                <a16:creationId xmlns:a16="http://schemas.microsoft.com/office/drawing/2014/main" id="{874C6217-6925-3A68-A02A-FE69460008F2}"/>
+              </a:ext>
+            </a:extLst>
+          </p:cNvPr>
+          <p:cNvSpPr txBox="1"/>
+          <p:nvPr/>
+        </p:nvSpPr>
+        <p:spPr>
+          <a:xfrm>
+            <a:off x="1999073" y="1489024"/>
+            <a:ext cx="3175117" cy="253916"/>
+          </a:xfrm>
+          <a:prstGeom prst="rect">
+            <a:avLst/>
+          </a:prstGeom>
+          <a:noFill/>
+        </p:spPr>
+        <p:txBody>
+          <a:bodyPr wrap="square" rtlCol="0">
+            <a:spAutoFit/>
+          </a:bodyPr>
+          <a:lstStyle/>
+          <a:p>
+            <a:pPr algn="ctr"/>
+            <a:r>
+              <a:rPr lang="en-US" altLang="ko-KR" sz="1050" b="1" dirty="0">
+                <a:latin typeface="+mn-ea"/>
+                <a:ea typeface="+mj-ea"/>
+              </a:rPr>
+              <a:t>2025-01 ~ 2025-05</a:t>
+            </a:r>
+          </a:p>
+        </p:txBody>
+      </p:sp>
+      <p:sp>
+        <p:nvSpPr>
+          <p:cNvPr id="44" name="TextBox 43">
+            <a:extLst>
+              <a:ext uri="{FF2B5EF4-FFF2-40B4-BE49-F238E27FC236}">
+                <a16:creationId xmlns:a16="http://schemas.microsoft.com/office/drawing/2014/main" id="{53A6A692-CE4F-AFA3-4F43-0EBF675771FF}"/>
+              </a:ext>
+            </a:extLst>
+          </p:cNvPr>
+          <p:cNvSpPr txBox="1"/>
+          <p:nvPr/>
+        </p:nvSpPr>
+        <p:spPr>
+          <a:xfrm>
+            <a:off x="5174190" y="1489024"/>
+            <a:ext cx="3930748" cy="253916"/>
+          </a:xfrm>
+          <a:prstGeom prst="rect">
+            <a:avLst/>
+          </a:prstGeom>
+          <a:noFill/>
+        </p:spPr>
+        <p:txBody>
+          <a:bodyPr wrap="square" rtlCol="0">
+            <a:spAutoFit/>
+          </a:bodyPr>
+          <a:lstStyle/>
+          <a:p>
+            <a:pPr algn="ctr"/>
+            <a:r>
+              <a:rPr lang="en-US" altLang="ko-KR" sz="1050" b="1">
+                <a:latin typeface="+mn-ea"/>
+                <a:ea typeface="+mj-ea"/>
+              </a:rPr>
+              <a:t>2025-05 </a:t>
+            </a:r>
+            <a:r>
+              <a:rPr lang="en-US" altLang="ko-KR" sz="1050" b="1" dirty="0">
+                <a:latin typeface="+mn-ea"/>
+                <a:ea typeface="+mj-ea"/>
+              </a:rPr>
+              <a:t>~ 2025-08</a:t>
+            </a:r>
+          </a:p>
+        </p:txBody>
+      </p:sp>
+      <p:sp>
+        <p:nvSpPr>
+          <p:cNvPr id="45" name="TextBox 44">
+            <a:extLst>
+              <a:ext uri="{FF2B5EF4-FFF2-40B4-BE49-F238E27FC236}">
+                <a16:creationId xmlns:a16="http://schemas.microsoft.com/office/drawing/2014/main" id="{1EAC2152-941B-1EA6-67BC-24C15A994D6F}"/>
+              </a:ext>
+            </a:extLst>
+          </p:cNvPr>
+          <p:cNvSpPr txBox="1"/>
+          <p:nvPr/>
+        </p:nvSpPr>
+        <p:spPr>
+          <a:xfrm>
+            <a:off x="9524534" y="1489024"/>
+            <a:ext cx="1739905" cy="253916"/>
+          </a:xfrm>
+          <a:prstGeom prst="rect">
+            <a:avLst/>
+          </a:prstGeom>
+          <a:noFill/>
+        </p:spPr>
+        <p:txBody>
+          <a:bodyPr wrap="square" rtlCol="0">
+            <a:spAutoFit/>
+          </a:bodyPr>
+          <a:lstStyle/>
+          <a:p>
+            <a:pPr algn="ctr"/>
+            <a:r>
+              <a:rPr lang="en-US" altLang="ko-KR" sz="1050" b="1" dirty="0">
+                <a:latin typeface="+mn-ea"/>
+                <a:ea typeface="+mj-ea"/>
+              </a:rPr>
+              <a:t>2025-09 ~</a:t>
+            </a:r>
+          </a:p>
+        </p:txBody>
+      </p:sp>
+      <p:cxnSp>
+        <p:nvCxnSpPr>
+          <p:cNvPr id="3" name="직선 연결선 2">
+            <a:extLst>
+              <a:ext uri="{FF2B5EF4-FFF2-40B4-BE49-F238E27FC236}">
+                <a16:creationId xmlns:a16="http://schemas.microsoft.com/office/drawing/2014/main" id="{006D5CA3-5FC2-B447-A671-E44084C80BB5}"/>
+              </a:ext>
+            </a:extLst>
+          </p:cNvPr>
+          <p:cNvCxnSpPr/>
+          <p:nvPr/>
+        </p:nvCxnSpPr>
+        <p:spPr>
+          <a:xfrm>
+            <a:off x="5174191" y="1005839"/>
+            <a:ext cx="0" cy="4846322"/>
+          </a:xfrm>
+          <a:prstGeom prst="line">
+            <a:avLst/>
+          </a:prstGeom>
+          <a:ln w="12700">
+            <a:solidFill>
+              <a:schemeClr val="tx1"/>
+            </a:solidFill>
+          </a:ln>
+        </p:spPr>
+        <p:style>
+          <a:lnRef idx="1">
+            <a:schemeClr val="accent1"/>
+          </a:lnRef>
+          <a:fillRef idx="0">
+            <a:schemeClr val="accent1"/>
+          </a:fillRef>
+          <a:effectRef idx="0">
+            <a:schemeClr val="accent1"/>
+          </a:effectRef>
+          <a:fontRef idx="minor">
+            <a:schemeClr val="tx1"/>
+          </a:fontRef>
+        </p:style>
+      </p:cxnSp>
+      <p:sp>
+        <p:nvSpPr>
+          <p:cNvPr id="11" name="사각형: 둥근 모서리 10">
+            <a:extLst>
+              <a:ext uri="{FF2B5EF4-FFF2-40B4-BE49-F238E27FC236}">
+                <a16:creationId xmlns:a16="http://schemas.microsoft.com/office/drawing/2014/main" id="{8202F456-3001-6D82-BE2A-60FC023B78DB}"/>
+              </a:ext>
+            </a:extLst>
+          </p:cNvPr>
+          <p:cNvSpPr/>
+          <p:nvPr/>
+        </p:nvSpPr>
+        <p:spPr>
+          <a:xfrm>
+            <a:off x="5269119" y="1835972"/>
+            <a:ext cx="3740894" cy="860727"/>
+          </a:xfrm>
+          <a:prstGeom prst="roundRect">
+            <a:avLst/>
+          </a:prstGeom>
+          <a:solidFill>
+            <a:schemeClr val="bg1">
+              <a:lumMod val="95000"/>
+            </a:schemeClr>
+          </a:solidFill>
+          <a:ln w="28575">
+            <a:solidFill>
+              <a:schemeClr val="bg1">
+                <a:lumMod val="75000"/>
+              </a:schemeClr>
+            </a:solidFill>
+          </a:ln>
+        </p:spPr>
+        <p:style>
+          <a:lnRef idx="2">
+            <a:schemeClr val="accent1">
+              <a:shade val="15000"/>
+            </a:schemeClr>
+          </a:lnRef>
+          <a:fillRef idx="1">
+            <a:schemeClr val="accent1"/>
+          </a:fillRef>
+          <a:effectRef idx="0">
+            <a:schemeClr val="accent1"/>
+          </a:effectRef>
+          <a:fontRef idx="minor">
+            <a:schemeClr val="lt1"/>
+          </a:fontRef>
+        </p:style>
+        <p:txBody>
+          <a:bodyPr rtlCol="0" anchor="ctr"/>
+          <a:lstStyle/>
+          <a:p>
+            <a:pPr algn="ctr">
+              <a:lnSpc>
+                <a:spcPct val="130000"/>
+              </a:lnSpc>
+            </a:pPr>
+            <a:r>
+              <a:rPr lang="ko-KR" altLang="en-US" sz="1600" dirty="0">
+                <a:ln w="6350">
+                  <a:solidFill>
+                    <a:schemeClr val="tx1"/>
+                  </a:solidFill>
+                </a:ln>
+                <a:solidFill>
+                  <a:schemeClr val="tx1"/>
+                </a:solidFill>
+              </a:rPr>
+              <a:t>데이터 파이프라인 구축 및 유지 보수</a:t>
+            </a:r>
+            <a:endParaRPr lang="en-US" altLang="ko-KR" sz="1600" dirty="0">
+              <a:ln w="6350">
+                <a:solidFill>
+                  <a:schemeClr val="tx1"/>
+                </a:solidFill>
+              </a:ln>
+              <a:solidFill>
+                <a:schemeClr val="tx1"/>
+              </a:solidFill>
+            </a:endParaRPr>
+          </a:p>
+        </p:txBody>
+      </p:sp>
+      <p:sp>
+        <p:nvSpPr>
+          <p:cNvPr id="20" name="TextBox 19">
+            <a:extLst>
+              <a:ext uri="{FF2B5EF4-FFF2-40B4-BE49-F238E27FC236}">
+                <a16:creationId xmlns:a16="http://schemas.microsoft.com/office/drawing/2014/main" id="{74500674-F55B-8B86-4603-63A761AEF730}"/>
+              </a:ext>
+            </a:extLst>
+          </p:cNvPr>
+          <p:cNvSpPr txBox="1"/>
+          <p:nvPr/>
+        </p:nvSpPr>
+        <p:spPr>
+          <a:xfrm>
+            <a:off x="5182084" y="2777049"/>
+            <a:ext cx="3932054" cy="1217193"/>
+          </a:xfrm>
+          <a:prstGeom prst="rect">
+            <a:avLst/>
+          </a:prstGeom>
+          <a:noFill/>
+        </p:spPr>
+        <p:txBody>
+          <a:bodyPr wrap="square" rtlCol="0" anchor="ctr">
+            <a:spAutoFit/>
+          </a:bodyPr>
+          <a:lstStyle/>
+          <a:p>
+            <a:pPr>
+              <a:lnSpc>
+                <a:spcPct val="130000"/>
+              </a:lnSpc>
+              <a:spcBef>
+                <a:spcPts val="500"/>
+              </a:spcBef>
+              <a:spcAft>
+                <a:spcPts val="300"/>
+              </a:spcAft>
+            </a:pPr>
+            <a:r>
+              <a:rPr lang="en-US" altLang="ko-KR" sz="1050" dirty="0">
+                <a:latin typeface="+mn-ea"/>
+              </a:rPr>
+              <a:t>▶ </a:t>
+            </a:r>
+            <a:r>
+              <a:rPr lang="ko-KR" altLang="en-US" sz="1050" dirty="0">
+                <a:latin typeface="+mn-ea"/>
+              </a:rPr>
+              <a:t>실시간 데이터 수집 및 적재 파이프라인 개발</a:t>
+            </a:r>
+            <a:endParaRPr lang="en-US" altLang="ko-KR" sz="500" dirty="0">
+              <a:latin typeface="+mn-ea"/>
+            </a:endParaRPr>
+          </a:p>
+          <a:p>
+            <a:pPr>
+              <a:lnSpc>
+                <a:spcPct val="130000"/>
+              </a:lnSpc>
+              <a:spcBef>
+                <a:spcPts val="500"/>
+              </a:spcBef>
+              <a:spcAft>
+                <a:spcPts val="300"/>
+              </a:spcAft>
+            </a:pPr>
+            <a:r>
+              <a:rPr lang="en-US" altLang="ko-KR" sz="1050" dirty="0">
+                <a:latin typeface="+mn-ea"/>
+              </a:rPr>
+              <a:t>▶ </a:t>
+            </a:r>
+            <a:r>
+              <a:rPr lang="ko-KR" altLang="en-US" sz="1050" dirty="0">
+                <a:latin typeface="+mn-ea"/>
+              </a:rPr>
+              <a:t>실시간 데이터 분석 및 시각화 알고리즘 개발</a:t>
+            </a:r>
+            <a:endParaRPr lang="en-US" altLang="ko-KR" sz="500" dirty="0">
+              <a:latin typeface="+mn-ea"/>
+            </a:endParaRPr>
+          </a:p>
+          <a:p>
+            <a:pPr>
+              <a:lnSpc>
+                <a:spcPct val="130000"/>
+              </a:lnSpc>
+              <a:spcBef>
+                <a:spcPts val="500"/>
+              </a:spcBef>
+              <a:spcAft>
+                <a:spcPts val="300"/>
+              </a:spcAft>
+            </a:pPr>
+            <a:r>
+              <a:rPr lang="en-US" altLang="ko-KR" sz="1050" dirty="0">
+                <a:latin typeface="+mn-ea"/>
+              </a:rPr>
+              <a:t>▶ Version 3</a:t>
+            </a:r>
+            <a:r>
+              <a:rPr lang="ko-KR" altLang="en-US" sz="1050" dirty="0">
+                <a:latin typeface="+mn-ea"/>
+              </a:rPr>
+              <a:t> 단계 위한 </a:t>
+            </a:r>
+            <a:r>
+              <a:rPr lang="en-US" altLang="ko-KR" sz="1050" dirty="0">
+                <a:latin typeface="+mn-ea"/>
+              </a:rPr>
+              <a:t>RealTime Streaming </a:t>
+            </a:r>
+            <a:r>
+              <a:rPr lang="ko-KR" altLang="en-US" sz="1050" dirty="0">
+                <a:latin typeface="+mn-ea"/>
+              </a:rPr>
+              <a:t>서비스 개발</a:t>
+            </a:r>
+            <a:endParaRPr lang="en-US" altLang="ko-KR" sz="500" dirty="0">
+              <a:latin typeface="+mn-ea"/>
+            </a:endParaRPr>
+          </a:p>
+          <a:p>
+            <a:pPr>
+              <a:lnSpc>
+                <a:spcPct val="130000"/>
+              </a:lnSpc>
+              <a:spcBef>
+                <a:spcPts val="500"/>
+              </a:spcBef>
+              <a:spcAft>
+                <a:spcPts val="300"/>
+              </a:spcAft>
+            </a:pPr>
+            <a:r>
+              <a:rPr lang="en-US" altLang="ko-KR" sz="1050" dirty="0">
+                <a:latin typeface="+mn-ea"/>
+              </a:rPr>
+              <a:t>▶ </a:t>
+            </a:r>
+            <a:r>
+              <a:rPr lang="ko-KR" altLang="en-US" sz="1050" dirty="0">
+                <a:latin typeface="+mn-ea"/>
+              </a:rPr>
+              <a:t>안정화 위한 지속적인 서버 유지 보수 및 개선 사항 적용</a:t>
+            </a:r>
+            <a:endParaRPr lang="en-US" altLang="ko-KR" sz="1050" dirty="0">
+              <a:latin typeface="+mn-ea"/>
+            </a:endParaRPr>
+          </a:p>
+        </p:txBody>
+      </p:sp>
+      <p:sp>
+        <p:nvSpPr>
+          <p:cNvPr id="24" name="사각형: 둥근 모서리 23">
+            <a:extLst>
+              <a:ext uri="{FF2B5EF4-FFF2-40B4-BE49-F238E27FC236}">
+                <a16:creationId xmlns:a16="http://schemas.microsoft.com/office/drawing/2014/main" id="{402D0B04-3715-6F27-8DB5-59FE46EBBDFA}"/>
+              </a:ext>
+            </a:extLst>
+          </p:cNvPr>
+          <p:cNvSpPr/>
+          <p:nvPr/>
+        </p:nvSpPr>
+        <p:spPr>
+          <a:xfrm>
+            <a:off x="9199864" y="1837347"/>
+            <a:ext cx="2579100" cy="860727"/>
+          </a:xfrm>
+          <a:prstGeom prst="roundRect">
+            <a:avLst/>
+          </a:prstGeom>
+          <a:solidFill>
+            <a:schemeClr val="bg1">
+              <a:lumMod val="95000"/>
+            </a:schemeClr>
+          </a:solidFill>
+          <a:ln w="28575">
+            <a:solidFill>
+              <a:schemeClr val="bg1"/>
+            </a:solidFill>
+          </a:ln>
+        </p:spPr>
+        <p:style>
+          <a:lnRef idx="2">
+            <a:schemeClr val="accent1">
+              <a:shade val="15000"/>
+            </a:schemeClr>
+          </a:lnRef>
+          <a:fillRef idx="1">
+            <a:schemeClr val="accent1"/>
+          </a:fillRef>
+          <a:effectRef idx="0">
+            <a:schemeClr val="accent1"/>
+          </a:effectRef>
+          <a:fontRef idx="minor">
+            <a:schemeClr val="lt1"/>
+          </a:fontRef>
+        </p:style>
+        <p:txBody>
+          <a:bodyPr rtlCol="0" anchor="ctr"/>
+          <a:lstStyle/>
+          <a:p>
+            <a:pPr algn="ctr">
+              <a:lnSpc>
+                <a:spcPct val="130000"/>
+              </a:lnSpc>
+            </a:pPr>
+            <a:r>
+              <a:rPr lang="ko-KR" altLang="en-US" sz="1600" dirty="0">
+                <a:ln w="6350">
+                  <a:solidFill>
+                    <a:schemeClr val="tx1"/>
+                  </a:solidFill>
+                </a:ln>
+                <a:solidFill>
+                  <a:schemeClr val="tx1"/>
+                </a:solidFill>
+              </a:rPr>
+              <a:t>외부 </a:t>
+            </a:r>
+            <a:r>
+              <a:rPr lang="en-US" altLang="ko-KR" sz="1600" dirty="0">
+                <a:ln w="6350">
+                  <a:solidFill>
+                    <a:schemeClr val="tx1"/>
+                  </a:solidFill>
+                </a:ln>
+                <a:solidFill>
+                  <a:schemeClr val="tx1"/>
+                </a:solidFill>
+              </a:rPr>
+              <a:t>API </a:t>
+            </a:r>
+            <a:r>
+              <a:rPr lang="ko-KR" altLang="en-US" sz="1600" dirty="0">
+                <a:ln w="6350">
+                  <a:solidFill>
+                    <a:schemeClr val="tx1"/>
+                  </a:solidFill>
+                </a:ln>
+                <a:solidFill>
+                  <a:schemeClr val="tx1"/>
+                </a:solidFill>
+              </a:rPr>
+              <a:t>연동</a:t>
+            </a:r>
+            <a:endParaRPr lang="en-US" altLang="ko-KR" sz="1600" dirty="0">
+              <a:ln w="6350">
+                <a:solidFill>
+                  <a:schemeClr val="tx1"/>
+                </a:solidFill>
+              </a:ln>
+              <a:solidFill>
+                <a:schemeClr val="tx1"/>
+              </a:solidFill>
+            </a:endParaRPr>
+          </a:p>
+        </p:txBody>
+      </p:sp>
+      <p:sp>
+        <p:nvSpPr>
+          <p:cNvPr id="27" name="TextBox 26">
+            <a:extLst>
+              <a:ext uri="{FF2B5EF4-FFF2-40B4-BE49-F238E27FC236}">
+                <a16:creationId xmlns:a16="http://schemas.microsoft.com/office/drawing/2014/main" id="{94B2C50D-7BA8-0470-BB8E-20698602B2E5}"/>
+              </a:ext>
+            </a:extLst>
+          </p:cNvPr>
+          <p:cNvSpPr txBox="1"/>
+          <p:nvPr/>
+        </p:nvSpPr>
+        <p:spPr>
+          <a:xfrm>
+            <a:off x="5171062" y="4059678"/>
+            <a:ext cx="3930744" cy="1338380"/>
+          </a:xfrm>
+          <a:prstGeom prst="rect">
+            <a:avLst/>
+          </a:prstGeom>
+          <a:noFill/>
+        </p:spPr>
+        <p:txBody>
+          <a:bodyPr wrap="square" rtlCol="0">
+            <a:spAutoFit/>
+          </a:bodyPr>
+          <a:lstStyle/>
+          <a:p>
+            <a:pPr marL="228600" indent="-228600">
+              <a:lnSpc>
+                <a:spcPct val="150000"/>
+              </a:lnSpc>
+              <a:spcBef>
+                <a:spcPts val="500"/>
+              </a:spcBef>
+              <a:spcAft>
+                <a:spcPts val="300"/>
+              </a:spcAft>
+              <a:buAutoNum type="arabicParenR"/>
+            </a:pPr>
+            <a:r>
+              <a:rPr lang="ko-KR" altLang="en-US" sz="1050" dirty="0">
+                <a:latin typeface="+mn-ea"/>
+                <a:ea typeface="+mj-ea"/>
+              </a:rPr>
+              <a:t>알고리즘 적용을 통한 실시간 데이터 수집 및 관리</a:t>
+            </a:r>
+            <a:endParaRPr lang="en-US" altLang="ko-KR" sz="500" dirty="0">
+              <a:latin typeface="+mn-ea"/>
+              <a:ea typeface="+mj-ea"/>
+            </a:endParaRPr>
+          </a:p>
+          <a:p>
+            <a:pPr marL="228600" indent="-228600">
+              <a:lnSpc>
+                <a:spcPct val="150000"/>
+              </a:lnSpc>
+              <a:spcBef>
+                <a:spcPts val="500"/>
+              </a:spcBef>
+              <a:spcAft>
+                <a:spcPts val="300"/>
+              </a:spcAft>
+              <a:buAutoNum type="arabicParenR" startAt="2"/>
+            </a:pPr>
+            <a:r>
+              <a:rPr lang="ko-KR" altLang="en-US" sz="1050" dirty="0">
+                <a:latin typeface="+mn-ea"/>
+                <a:ea typeface="+mj-ea"/>
+              </a:rPr>
+              <a:t>가공된 배차 데이터 기반 실시간</a:t>
+            </a:r>
+            <a:r>
+              <a:rPr lang="en-US" altLang="ko-KR" sz="1050" dirty="0">
+                <a:latin typeface="+mn-ea"/>
+                <a:ea typeface="+mj-ea"/>
+              </a:rPr>
+              <a:t>/</a:t>
+            </a:r>
+            <a:r>
+              <a:rPr lang="ko-KR" altLang="en-US" sz="1050" dirty="0">
+                <a:latin typeface="+mn-ea"/>
+                <a:ea typeface="+mj-ea"/>
+              </a:rPr>
+              <a:t>시각적 분석</a:t>
+            </a:r>
+            <a:endParaRPr lang="en-US" altLang="ko-KR" sz="500" dirty="0">
+              <a:latin typeface="+mn-ea"/>
+              <a:ea typeface="+mj-ea"/>
+            </a:endParaRPr>
+          </a:p>
+          <a:p>
+            <a:pPr marL="228600" indent="-228600">
+              <a:lnSpc>
+                <a:spcPct val="150000"/>
+              </a:lnSpc>
+              <a:spcBef>
+                <a:spcPts val="500"/>
+              </a:spcBef>
+              <a:spcAft>
+                <a:spcPts val="300"/>
+              </a:spcAft>
+              <a:buAutoNum type="arabicParenR" startAt="3"/>
+            </a:pPr>
+            <a:r>
+              <a:rPr lang="ko-KR" altLang="en-US" sz="1050" dirty="0">
+                <a:latin typeface="+mn-ea"/>
+                <a:ea typeface="+mj-ea"/>
+              </a:rPr>
+              <a:t>분석 작업 고도화 단계를 통한 </a:t>
+            </a:r>
+            <a:r>
+              <a:rPr lang="en-US" altLang="ko-KR" sz="1050" dirty="0">
+                <a:latin typeface="+mn-ea"/>
+                <a:ea typeface="+mj-ea"/>
+              </a:rPr>
+              <a:t>API </a:t>
+            </a:r>
+            <a:r>
+              <a:rPr lang="ko-KR" altLang="en-US" sz="1050" dirty="0">
+                <a:latin typeface="+mn-ea"/>
+                <a:ea typeface="+mj-ea"/>
+              </a:rPr>
+              <a:t>연동 대비</a:t>
+            </a:r>
+            <a:endParaRPr lang="en-US" altLang="ko-KR" sz="500" dirty="0">
+              <a:latin typeface="+mn-ea"/>
+              <a:ea typeface="+mj-ea"/>
+            </a:endParaRPr>
+          </a:p>
+          <a:p>
+            <a:pPr marL="228600" indent="-228600">
+              <a:lnSpc>
+                <a:spcPct val="150000"/>
+              </a:lnSpc>
+              <a:spcBef>
+                <a:spcPts val="500"/>
+              </a:spcBef>
+              <a:spcAft>
+                <a:spcPts val="300"/>
+              </a:spcAft>
+              <a:buAutoNum type="arabicParenR" startAt="3"/>
+            </a:pPr>
+            <a:r>
+              <a:rPr lang="ko-KR" altLang="en-US" sz="1050" dirty="0">
+                <a:latin typeface="+mn-ea"/>
+                <a:ea typeface="+mj-ea"/>
+              </a:rPr>
+              <a:t>서버 안정성 관리 및 추가 확장</a:t>
+            </a:r>
+            <a:r>
+              <a:rPr lang="en-US" altLang="ko-KR" sz="1050" dirty="0">
+                <a:latin typeface="+mn-ea"/>
+                <a:ea typeface="+mj-ea"/>
+              </a:rPr>
+              <a:t>/</a:t>
+            </a:r>
+            <a:r>
+              <a:rPr lang="ko-KR" altLang="en-US" sz="1050" dirty="0">
+                <a:latin typeface="+mn-ea"/>
+                <a:ea typeface="+mj-ea"/>
+              </a:rPr>
+              <a:t>검토 여부 결정</a:t>
+            </a:r>
+            <a:endParaRPr lang="ko-KR" altLang="en-US" sz="1050" dirty="0">
+              <a:latin typeface="+mj-ea"/>
+              <a:ea typeface="+mj-ea"/>
+            </a:endParaRPr>
+          </a:p>
+        </p:txBody>
+      </p:sp>
+    </p:spTree>
+    <p:extLst>
+      <p:ext uri="{BB962C8B-B14F-4D97-AF65-F5344CB8AC3E}">
+        <p14:creationId xmlns:p14="http://schemas.microsoft.com/office/powerpoint/2010/main" val="3536164333"/>
       </p:ext>
     </p:extLst>
   </p:cSld>
